--- a/intro_to_neuralNetworks.pptx
+++ b/intro_to_neuralNetworks.pptx
@@ -5,10 +5,10 @@
     <p:sldMasterId id="2147483660" r:id="rId1"/>
   </p:sldMasterIdLst>
   <p:notesMasterIdLst>
-    <p:notesMasterId r:id="rId26"/>
+    <p:notesMasterId r:id="rId29"/>
   </p:notesMasterIdLst>
   <p:handoutMasterIdLst>
-    <p:handoutMasterId r:id="rId27"/>
+    <p:handoutMasterId r:id="rId30"/>
   </p:handoutMasterIdLst>
   <p:sldIdLst>
     <p:sldId id="256" r:id="rId2"/>
@@ -25,19 +25,22 @@
     <p:sldId id="539" r:id="rId13"/>
     <p:sldId id="554" r:id="rId14"/>
     <p:sldId id="555" r:id="rId15"/>
-    <p:sldId id="541" r:id="rId16"/>
-    <p:sldId id="542" r:id="rId17"/>
-    <p:sldId id="543" r:id="rId18"/>
-    <p:sldId id="544" r:id="rId19"/>
-    <p:sldId id="545" r:id="rId20"/>
-    <p:sldId id="546" r:id="rId21"/>
-    <p:sldId id="547" r:id="rId22"/>
-    <p:sldId id="532" r:id="rId23"/>
-    <p:sldId id="556" r:id="rId24"/>
-    <p:sldId id="535" r:id="rId25"/>
+    <p:sldId id="557" r:id="rId16"/>
+    <p:sldId id="558" r:id="rId17"/>
+    <p:sldId id="559" r:id="rId18"/>
+    <p:sldId id="541" r:id="rId19"/>
+    <p:sldId id="542" r:id="rId20"/>
+    <p:sldId id="543" r:id="rId21"/>
+    <p:sldId id="544" r:id="rId22"/>
+    <p:sldId id="545" r:id="rId23"/>
+    <p:sldId id="546" r:id="rId24"/>
+    <p:sldId id="547" r:id="rId25"/>
+    <p:sldId id="532" r:id="rId26"/>
+    <p:sldId id="556" r:id="rId27"/>
+    <p:sldId id="535" r:id="rId28"/>
   </p:sldIdLst>
   <p:sldSz cx="9144000" cy="6858000" type="screen4x3"/>
-  <p:notesSz cx="7010400" cy="9296400"/>
+  <p:notesSz cx="7026275" cy="9312275"/>
   <p:defaultTextStyle>
     <a:defPPr>
       <a:defRPr lang="en-US"/>
@@ -178,6 +181,20 @@
         </p15:guide>
       </p15:sldGuideLst>
     </p:ext>
+    <p:ext uri="{2D200454-40CA-4A62-9FC3-DE9A4176ACB9}">
+      <p15:notesGuideLst xmlns:p15="http://schemas.microsoft.com/office/powerpoint/2012/main">
+        <p15:guide id="1" orient="horz" pos="2933" userDrawn="1">
+          <p15:clr>
+            <a:srgbClr val="A4A3A4"/>
+          </p15:clr>
+        </p15:guide>
+        <p15:guide id="2" pos="2213" userDrawn="1">
+          <p15:clr>
+            <a:srgbClr val="A4A3A4"/>
+          </p15:clr>
+        </p15:guide>
+      </p15:notesGuideLst>
+    </p:ext>
   </p:extLst>
 </p:presentation>
 </file>
@@ -217,14 +234,14 @@
         <p:spPr>
           <a:xfrm>
             <a:off x="0" y="0"/>
-            <a:ext cx="3037840" cy="466434"/>
+            <a:ext cx="3044719" cy="467231"/>
           </a:xfrm>
           <a:prstGeom prst="rect">
             <a:avLst/>
           </a:prstGeom>
         </p:spPr>
         <p:txBody>
-          <a:bodyPr vert="horz" lIns="93177" tIns="46589" rIns="93177" bIns="46589" rtlCol="0"/>
+          <a:bodyPr vert="horz" lIns="93354" tIns="46678" rIns="93354" bIns="46678" rtlCol="0"/>
           <a:lstStyle>
             <a:lvl1pPr algn="l">
               <a:defRPr sz="1200"/>
@@ -247,15 +264,15 @@
         </p:nvSpPr>
         <p:spPr>
           <a:xfrm>
-            <a:off x="3970938" y="0"/>
-            <a:ext cx="3037840" cy="466434"/>
+            <a:off x="3979930" y="0"/>
+            <a:ext cx="3044719" cy="467231"/>
           </a:xfrm>
           <a:prstGeom prst="rect">
             <a:avLst/>
           </a:prstGeom>
         </p:spPr>
         <p:txBody>
-          <a:bodyPr vert="horz" lIns="93177" tIns="46589" rIns="93177" bIns="46589" rtlCol="0"/>
+          <a:bodyPr vert="horz" lIns="93354" tIns="46678" rIns="93354" bIns="46678" rtlCol="0"/>
           <a:lstStyle>
             <a:lvl1pPr algn="r">
               <a:defRPr sz="1200"/>
@@ -282,15 +299,15 @@
         </p:nvSpPr>
         <p:spPr>
           <a:xfrm>
-            <a:off x="0" y="8829967"/>
-            <a:ext cx="3037840" cy="466433"/>
+            <a:off x="0" y="8845046"/>
+            <a:ext cx="3044719" cy="467230"/>
           </a:xfrm>
           <a:prstGeom prst="rect">
             <a:avLst/>
           </a:prstGeom>
         </p:spPr>
         <p:txBody>
-          <a:bodyPr vert="horz" lIns="93177" tIns="46589" rIns="93177" bIns="46589" rtlCol="0" anchor="b"/>
+          <a:bodyPr vert="horz" lIns="93354" tIns="46678" rIns="93354" bIns="46678" rtlCol="0" anchor="b"/>
           <a:lstStyle>
             <a:lvl1pPr algn="l">
               <a:defRPr sz="1200"/>
@@ -313,15 +330,15 @@
         </p:nvSpPr>
         <p:spPr>
           <a:xfrm>
-            <a:off x="3970938" y="8829967"/>
-            <a:ext cx="3037840" cy="466433"/>
+            <a:off x="3979930" y="8845046"/>
+            <a:ext cx="3044719" cy="467230"/>
           </a:xfrm>
           <a:prstGeom prst="rect">
             <a:avLst/>
           </a:prstGeom>
         </p:spPr>
         <p:txBody>
-          <a:bodyPr vert="horz" lIns="93177" tIns="46589" rIns="93177" bIns="46589" rtlCol="0" anchor="b"/>
+          <a:bodyPr vert="horz" lIns="93354" tIns="46678" rIns="93354" bIns="46678" rtlCol="0" anchor="b"/>
           <a:lstStyle>
             <a:lvl1pPr algn="r">
               <a:defRPr sz="1200"/>
@@ -382,14 +399,14 @@
         <p:spPr>
           <a:xfrm>
             <a:off x="0" y="0"/>
-            <a:ext cx="3037840" cy="464820"/>
+            <a:ext cx="3044719" cy="465614"/>
           </a:xfrm>
           <a:prstGeom prst="rect">
             <a:avLst/>
           </a:prstGeom>
         </p:spPr>
         <p:txBody>
-          <a:bodyPr vert="horz" lIns="93177" tIns="46589" rIns="93177" bIns="46589" rtlCol="0"/>
+          <a:bodyPr vert="horz" lIns="93354" tIns="46678" rIns="93354" bIns="46678" rtlCol="0"/>
           <a:lstStyle>
             <a:lvl1pPr algn="l">
               <a:defRPr sz="1200"/>
@@ -412,15 +429,15 @@
         </p:nvSpPr>
         <p:spPr>
           <a:xfrm>
-            <a:off x="3970938" y="0"/>
-            <a:ext cx="3037840" cy="464820"/>
+            <a:off x="3979930" y="0"/>
+            <a:ext cx="3044719" cy="465614"/>
           </a:xfrm>
           <a:prstGeom prst="rect">
             <a:avLst/>
           </a:prstGeom>
         </p:spPr>
         <p:txBody>
-          <a:bodyPr vert="horz" lIns="93177" tIns="46589" rIns="93177" bIns="46589" rtlCol="0"/>
+          <a:bodyPr vert="horz" lIns="93354" tIns="46678" rIns="93354" bIns="46678" rtlCol="0"/>
           <a:lstStyle>
             <a:lvl1pPr algn="r">
               <a:defRPr sz="1200"/>
@@ -448,8 +465,8 @@
         </p:nvSpPr>
         <p:spPr>
           <a:xfrm>
-            <a:off x="1181100" y="696913"/>
-            <a:ext cx="4648200" cy="3486150"/>
+            <a:off x="1185863" y="698500"/>
+            <a:ext cx="4654550" cy="3490913"/>
           </a:xfrm>
           <a:prstGeom prst="rect">
             <a:avLst/>
@@ -462,7 +479,7 @@
           </a:ln>
         </p:spPr>
         <p:txBody>
-          <a:bodyPr vert="horz" lIns="93177" tIns="46589" rIns="93177" bIns="46589" rtlCol="0" anchor="ctr"/>
+          <a:bodyPr vert="horz" lIns="93354" tIns="46678" rIns="93354" bIns="46678" rtlCol="0" anchor="ctr"/>
           <a:lstStyle/>
           <a:p>
             <a:endParaRPr lang="en-US" dirty="0"/>
@@ -481,15 +498,15 @@
         </p:nvSpPr>
         <p:spPr>
           <a:xfrm>
-            <a:off x="701040" y="4415790"/>
-            <a:ext cx="5608320" cy="4183380"/>
+            <a:off x="702628" y="4423331"/>
+            <a:ext cx="5621020" cy="4190524"/>
           </a:xfrm>
           <a:prstGeom prst="rect">
             <a:avLst/>
           </a:prstGeom>
         </p:spPr>
         <p:txBody>
-          <a:bodyPr vert="horz" lIns="93177" tIns="46589" rIns="93177" bIns="46589" rtlCol="0">
+          <a:bodyPr vert="horz" lIns="93354" tIns="46678" rIns="93354" bIns="46678" rtlCol="0">
             <a:normAutofit/>
           </a:bodyPr>
           <a:lstStyle/>
@@ -542,15 +559,15 @@
         </p:nvSpPr>
         <p:spPr>
           <a:xfrm>
-            <a:off x="0" y="8829967"/>
-            <a:ext cx="3037840" cy="464820"/>
+            <a:off x="0" y="8845045"/>
+            <a:ext cx="3044719" cy="465614"/>
           </a:xfrm>
           <a:prstGeom prst="rect">
             <a:avLst/>
           </a:prstGeom>
         </p:spPr>
         <p:txBody>
-          <a:bodyPr vert="horz" lIns="93177" tIns="46589" rIns="93177" bIns="46589" rtlCol="0" anchor="b"/>
+          <a:bodyPr vert="horz" lIns="93354" tIns="46678" rIns="93354" bIns="46678" rtlCol="0" anchor="b"/>
           <a:lstStyle>
             <a:lvl1pPr algn="l">
               <a:defRPr sz="1200"/>
@@ -573,15 +590,15 @@
         </p:nvSpPr>
         <p:spPr>
           <a:xfrm>
-            <a:off x="3970938" y="8829967"/>
-            <a:ext cx="3037840" cy="464820"/>
+            <a:off x="3979930" y="8845045"/>
+            <a:ext cx="3044719" cy="465614"/>
           </a:xfrm>
           <a:prstGeom prst="rect">
             <a:avLst/>
           </a:prstGeom>
         </p:spPr>
         <p:txBody>
-          <a:bodyPr vert="horz" lIns="93177" tIns="46589" rIns="93177" bIns="46589" rtlCol="0" anchor="b"/>
+          <a:bodyPr vert="horz" lIns="93354" tIns="46678" rIns="93354" bIns="46678" rtlCol="0" anchor="b"/>
           <a:lstStyle>
             <a:lvl1pPr algn="r">
               <a:defRPr sz="1200"/>
@@ -698,6 +715,2457 @@
     </a:lvl9pPr>
   </p:notesStyle>
 </p:notesMaster>
+</file>
+
+<file path=ppt/notesSlides/notesSlide1.xml><?xml version="1.0" encoding="utf-8"?>
+<p:notes xmlns:a="http://schemas.openxmlformats.org/drawingml/2006/main" xmlns:r="http://schemas.openxmlformats.org/officeDocument/2006/relationships" xmlns:p="http://schemas.openxmlformats.org/presentationml/2006/main">
+  <p:cSld>
+    <p:spTree>
+      <p:nvGrpSpPr>
+        <p:cNvPr id="1" name=""/>
+        <p:cNvGrpSpPr/>
+        <p:nvPr/>
+      </p:nvGrpSpPr>
+      <p:grpSpPr>
+        <a:xfrm>
+          <a:off x="0" y="0"/>
+          <a:ext cx="0" cy="0"/>
+          <a:chOff x="0" y="0"/>
+          <a:chExt cx="0" cy="0"/>
+        </a:xfrm>
+      </p:grpSpPr>
+      <p:sp>
+        <p:nvSpPr>
+          <p:cNvPr id="2" name="Slide Image Placeholder 1"/>
+          <p:cNvSpPr>
+            <a:spLocks noGrp="1" noRot="1" noChangeAspect="1"/>
+          </p:cNvSpPr>
+          <p:nvPr>
+            <p:ph type="sldImg"/>
+          </p:nvPr>
+        </p:nvSpPr>
+        <p:spPr/>
+      </p:sp>
+      <p:sp>
+        <p:nvSpPr>
+          <p:cNvPr id="3" name="Notes Placeholder 2"/>
+          <p:cNvSpPr>
+            <a:spLocks noGrp="1"/>
+          </p:cNvSpPr>
+          <p:nvPr>
+            <p:ph type="body" idx="1"/>
+          </p:nvPr>
+        </p:nvSpPr>
+        <p:spPr/>
+        <p:txBody>
+          <a:bodyPr/>
+          <a:lstStyle/>
+          <a:p>
+            <a:endParaRPr lang="en-US"/>
+          </a:p>
+        </p:txBody>
+      </p:sp>
+      <p:sp>
+        <p:nvSpPr>
+          <p:cNvPr id="4" name="Slide Number Placeholder 3"/>
+          <p:cNvSpPr>
+            <a:spLocks noGrp="1"/>
+          </p:cNvSpPr>
+          <p:nvPr>
+            <p:ph type="sldNum" sz="quarter" idx="10"/>
+          </p:nvPr>
+        </p:nvSpPr>
+        <p:spPr/>
+        <p:txBody>
+          <a:bodyPr/>
+          <a:lstStyle/>
+          <a:p>
+            <a:fld id="{8574AEAE-F28A-48C5-9504-CA443EB5FEA4}" type="slidenum">
+              <a:rPr lang="en-US" smtClean="0"/>
+              <a:pPr/>
+              <a:t>1</a:t>
+            </a:fld>
+            <a:endParaRPr lang="en-US" dirty="0"/>
+          </a:p>
+        </p:txBody>
+      </p:sp>
+    </p:spTree>
+    <p:extLst>
+      <p:ext uri="{BB962C8B-B14F-4D97-AF65-F5344CB8AC3E}">
+        <p14:creationId xmlns:p14="http://schemas.microsoft.com/office/powerpoint/2010/main" val="1845055946"/>
+      </p:ext>
+    </p:extLst>
+  </p:cSld>
+  <p:clrMapOvr>
+    <a:masterClrMapping/>
+  </p:clrMapOvr>
+</p:notes>
+</file>
+
+<file path=ppt/notesSlides/notesSlide10.xml><?xml version="1.0" encoding="utf-8"?>
+<p:notes xmlns:a="http://schemas.openxmlformats.org/drawingml/2006/main" xmlns:r="http://schemas.openxmlformats.org/officeDocument/2006/relationships" xmlns:p="http://schemas.openxmlformats.org/presentationml/2006/main">
+  <p:cSld>
+    <p:spTree>
+      <p:nvGrpSpPr>
+        <p:cNvPr id="1" name=""/>
+        <p:cNvGrpSpPr/>
+        <p:nvPr/>
+      </p:nvGrpSpPr>
+      <p:grpSpPr>
+        <a:xfrm>
+          <a:off x="0" y="0"/>
+          <a:ext cx="0" cy="0"/>
+          <a:chOff x="0" y="0"/>
+          <a:chExt cx="0" cy="0"/>
+        </a:xfrm>
+      </p:grpSpPr>
+      <p:sp>
+        <p:nvSpPr>
+          <p:cNvPr id="2" name="Slide Image Placeholder 1"/>
+          <p:cNvSpPr>
+            <a:spLocks noGrp="1" noRot="1" noChangeAspect="1"/>
+          </p:cNvSpPr>
+          <p:nvPr>
+            <p:ph type="sldImg"/>
+          </p:nvPr>
+        </p:nvSpPr>
+        <p:spPr/>
+      </p:sp>
+      <p:sp>
+        <p:nvSpPr>
+          <p:cNvPr id="3" name="Notes Placeholder 2"/>
+          <p:cNvSpPr>
+            <a:spLocks noGrp="1"/>
+          </p:cNvSpPr>
+          <p:nvPr>
+            <p:ph type="body" idx="1"/>
+          </p:nvPr>
+        </p:nvSpPr>
+        <p:spPr/>
+        <p:txBody>
+          <a:bodyPr/>
+          <a:lstStyle/>
+          <a:p>
+            <a:endParaRPr lang="en-US"/>
+          </a:p>
+        </p:txBody>
+      </p:sp>
+      <p:sp>
+        <p:nvSpPr>
+          <p:cNvPr id="4" name="Slide Number Placeholder 3"/>
+          <p:cNvSpPr>
+            <a:spLocks noGrp="1"/>
+          </p:cNvSpPr>
+          <p:nvPr>
+            <p:ph type="sldNum" sz="quarter" idx="10"/>
+          </p:nvPr>
+        </p:nvSpPr>
+        <p:spPr/>
+        <p:txBody>
+          <a:bodyPr/>
+          <a:lstStyle/>
+          <a:p>
+            <a:fld id="{8574AEAE-F28A-48C5-9504-CA443EB5FEA4}" type="slidenum">
+              <a:rPr lang="en-US" smtClean="0"/>
+              <a:pPr/>
+              <a:t>10</a:t>
+            </a:fld>
+            <a:endParaRPr lang="en-US" dirty="0"/>
+          </a:p>
+        </p:txBody>
+      </p:sp>
+    </p:spTree>
+    <p:extLst>
+      <p:ext uri="{BB962C8B-B14F-4D97-AF65-F5344CB8AC3E}">
+        <p14:creationId xmlns:p14="http://schemas.microsoft.com/office/powerpoint/2010/main" val="2385398551"/>
+      </p:ext>
+    </p:extLst>
+  </p:cSld>
+  <p:clrMapOvr>
+    <a:masterClrMapping/>
+  </p:clrMapOvr>
+</p:notes>
+</file>
+
+<file path=ppt/notesSlides/notesSlide11.xml><?xml version="1.0" encoding="utf-8"?>
+<p:notes xmlns:a="http://schemas.openxmlformats.org/drawingml/2006/main" xmlns:r="http://schemas.openxmlformats.org/officeDocument/2006/relationships" xmlns:p="http://schemas.openxmlformats.org/presentationml/2006/main">
+  <p:cSld>
+    <p:spTree>
+      <p:nvGrpSpPr>
+        <p:cNvPr id="1" name=""/>
+        <p:cNvGrpSpPr/>
+        <p:nvPr/>
+      </p:nvGrpSpPr>
+      <p:grpSpPr>
+        <a:xfrm>
+          <a:off x="0" y="0"/>
+          <a:ext cx="0" cy="0"/>
+          <a:chOff x="0" y="0"/>
+          <a:chExt cx="0" cy="0"/>
+        </a:xfrm>
+      </p:grpSpPr>
+      <p:sp>
+        <p:nvSpPr>
+          <p:cNvPr id="2" name="Slide Image Placeholder 1"/>
+          <p:cNvSpPr>
+            <a:spLocks noGrp="1" noRot="1" noChangeAspect="1"/>
+          </p:cNvSpPr>
+          <p:nvPr>
+            <p:ph type="sldImg"/>
+          </p:nvPr>
+        </p:nvSpPr>
+        <p:spPr/>
+      </p:sp>
+      <p:sp>
+        <p:nvSpPr>
+          <p:cNvPr id="3" name="Notes Placeholder 2"/>
+          <p:cNvSpPr>
+            <a:spLocks noGrp="1"/>
+          </p:cNvSpPr>
+          <p:nvPr>
+            <p:ph type="body" idx="1"/>
+          </p:nvPr>
+        </p:nvSpPr>
+        <p:spPr/>
+        <p:txBody>
+          <a:bodyPr/>
+          <a:lstStyle/>
+          <a:p>
+            <a:endParaRPr lang="en-US"/>
+          </a:p>
+        </p:txBody>
+      </p:sp>
+      <p:sp>
+        <p:nvSpPr>
+          <p:cNvPr id="4" name="Slide Number Placeholder 3"/>
+          <p:cNvSpPr>
+            <a:spLocks noGrp="1"/>
+          </p:cNvSpPr>
+          <p:nvPr>
+            <p:ph type="sldNum" sz="quarter" idx="10"/>
+          </p:nvPr>
+        </p:nvSpPr>
+        <p:spPr/>
+        <p:txBody>
+          <a:bodyPr/>
+          <a:lstStyle/>
+          <a:p>
+            <a:fld id="{8574AEAE-F28A-48C5-9504-CA443EB5FEA4}" type="slidenum">
+              <a:rPr lang="en-US" smtClean="0"/>
+              <a:pPr/>
+              <a:t>11</a:t>
+            </a:fld>
+            <a:endParaRPr lang="en-US" dirty="0"/>
+          </a:p>
+        </p:txBody>
+      </p:sp>
+    </p:spTree>
+    <p:extLst>
+      <p:ext uri="{BB962C8B-B14F-4D97-AF65-F5344CB8AC3E}">
+        <p14:creationId xmlns:p14="http://schemas.microsoft.com/office/powerpoint/2010/main" val="3413292572"/>
+      </p:ext>
+    </p:extLst>
+  </p:cSld>
+  <p:clrMapOvr>
+    <a:masterClrMapping/>
+  </p:clrMapOvr>
+</p:notes>
+</file>
+
+<file path=ppt/notesSlides/notesSlide12.xml><?xml version="1.0" encoding="utf-8"?>
+<p:notes xmlns:a="http://schemas.openxmlformats.org/drawingml/2006/main" xmlns:r="http://schemas.openxmlformats.org/officeDocument/2006/relationships" xmlns:p="http://schemas.openxmlformats.org/presentationml/2006/main">
+  <p:cSld>
+    <p:spTree>
+      <p:nvGrpSpPr>
+        <p:cNvPr id="1" name=""/>
+        <p:cNvGrpSpPr/>
+        <p:nvPr/>
+      </p:nvGrpSpPr>
+      <p:grpSpPr>
+        <a:xfrm>
+          <a:off x="0" y="0"/>
+          <a:ext cx="0" cy="0"/>
+          <a:chOff x="0" y="0"/>
+          <a:chExt cx="0" cy="0"/>
+        </a:xfrm>
+      </p:grpSpPr>
+      <p:sp>
+        <p:nvSpPr>
+          <p:cNvPr id="2" name="Slide Image Placeholder 1"/>
+          <p:cNvSpPr>
+            <a:spLocks noGrp="1" noRot="1" noChangeAspect="1"/>
+          </p:cNvSpPr>
+          <p:nvPr>
+            <p:ph type="sldImg"/>
+          </p:nvPr>
+        </p:nvSpPr>
+        <p:spPr/>
+      </p:sp>
+      <p:sp>
+        <p:nvSpPr>
+          <p:cNvPr id="3" name="Notes Placeholder 2"/>
+          <p:cNvSpPr>
+            <a:spLocks noGrp="1"/>
+          </p:cNvSpPr>
+          <p:nvPr>
+            <p:ph type="body" idx="1"/>
+          </p:nvPr>
+        </p:nvSpPr>
+        <p:spPr/>
+        <p:txBody>
+          <a:bodyPr/>
+          <a:lstStyle/>
+          <a:p>
+            <a:r>
+              <a:rPr lang="en-US" dirty="0"/>
+              <a:t>Assume logistic regression is something like: </a:t>
+            </a:r>
+          </a:p>
+          <a:p>
+            <a:endParaRPr lang="en-US" dirty="0"/>
+          </a:p>
+          <a:p>
+            <a:r>
+              <a:rPr lang="en-US" dirty="0"/>
+              <a:t>P(y = 1) = 1/1+e**-(b0+b1x1+b2x2+...+</a:t>
+            </a:r>
+            <a:r>
+              <a:rPr lang="en-US" dirty="0" err="1"/>
+              <a:t>bkxk</a:t>
+            </a:r>
+            <a:r>
+              <a:rPr lang="en-US" dirty="0"/>
+              <a:t>) </a:t>
+            </a:r>
+          </a:p>
+          <a:p>
+            <a:endParaRPr lang="en-US" dirty="0"/>
+          </a:p>
+          <a:p>
+            <a:r>
+              <a:rPr lang="en-US" dirty="0"/>
+              <a:t>the familiar sigmoid expression. </a:t>
+            </a:r>
+          </a:p>
+          <a:p>
+            <a:endParaRPr lang="en-US" dirty="0"/>
+          </a:p>
+          <a:p>
+            <a:r>
+              <a:rPr lang="en-US" dirty="0"/>
+              <a:t>where the x's are features ,and the b's are the regression coefficients. The best </a:t>
+            </a:r>
+          </a:p>
+          <a:p>
+            <a:r>
+              <a:rPr lang="en-US" dirty="0"/>
+              <a:t>choice of coefficients has the smallest error.  </a:t>
+            </a:r>
+          </a:p>
+          <a:p>
+            <a:endParaRPr lang="en-US" dirty="0"/>
+          </a:p>
+          <a:p>
+            <a:r>
+              <a:rPr lang="en-US" dirty="0"/>
+              <a:t>For a neural network can we assume that the coefficients </a:t>
+            </a:r>
+          </a:p>
+          <a:p>
+            <a:r>
+              <a:rPr lang="en-US" dirty="0"/>
+              <a:t>are roughly analogous to the weights and the x are </a:t>
+            </a:r>
+          </a:p>
+          <a:p>
+            <a:r>
+              <a:rPr lang="en-US" dirty="0"/>
+              <a:t>the inputs?  The structure of  the neural network provides the </a:t>
+            </a:r>
+          </a:p>
+          <a:p>
+            <a:r>
+              <a:rPr lang="en-US" dirty="0"/>
+              <a:t>capability to separate a series of questions or conditions into </a:t>
+            </a:r>
+          </a:p>
+          <a:p>
+            <a:r>
+              <a:rPr lang="en-US" dirty="0"/>
+              <a:t>individual questions realized as individual artificial neurons. </a:t>
+            </a:r>
+          </a:p>
+          <a:p>
+            <a:endParaRPr lang="en-US" dirty="0"/>
+          </a:p>
+          <a:p>
+            <a:r>
+              <a:rPr lang="en-US" dirty="0"/>
+              <a:t>For example suppose we are trying to predict health care quality as good </a:t>
+            </a:r>
+          </a:p>
+          <a:p>
+            <a:r>
+              <a:rPr lang="en-US" dirty="0"/>
+              <a:t>or poor. The features, the x's in the equation above are "number of </a:t>
+            </a:r>
+          </a:p>
+          <a:p>
+            <a:r>
+              <a:rPr lang="en-US" dirty="0"/>
+              <a:t>office visits" , and "number of  medications prescribed".  Could this </a:t>
+            </a:r>
+          </a:p>
+          <a:p>
+            <a:r>
+              <a:rPr lang="en-US" dirty="0"/>
+              <a:t>be modeled as a set of artificial neurons with weights w1, w2 which </a:t>
+            </a:r>
+          </a:p>
+          <a:p>
+            <a:r>
+              <a:rPr lang="en-US" dirty="0"/>
+              <a:t>roughly correspond to b1 and b2, with inputs x1 = "number of </a:t>
+            </a:r>
+          </a:p>
+          <a:p>
+            <a:r>
+              <a:rPr lang="en-US" dirty="0"/>
+              <a:t>office visits" and x2 = "number of medications prescribed", and y = </a:t>
+            </a:r>
+          </a:p>
+          <a:p>
+            <a:r>
+              <a:rPr lang="en-US" dirty="0"/>
+              <a:t>1 is good care and y = 0 is poor care. </a:t>
+            </a:r>
+            <a:endParaRPr lang="en-US" dirty="0"/>
+          </a:p>
+        </p:txBody>
+      </p:sp>
+      <p:sp>
+        <p:nvSpPr>
+          <p:cNvPr id="4" name="Slide Number Placeholder 3"/>
+          <p:cNvSpPr>
+            <a:spLocks noGrp="1"/>
+          </p:cNvSpPr>
+          <p:nvPr>
+            <p:ph type="sldNum" sz="quarter" idx="10"/>
+          </p:nvPr>
+        </p:nvSpPr>
+        <p:spPr/>
+        <p:txBody>
+          <a:bodyPr/>
+          <a:lstStyle/>
+          <a:p>
+            <a:fld id="{8574AEAE-F28A-48C5-9504-CA443EB5FEA4}" type="slidenum">
+              <a:rPr lang="en-US" smtClean="0"/>
+              <a:pPr/>
+              <a:t>12</a:t>
+            </a:fld>
+            <a:endParaRPr lang="en-US" dirty="0"/>
+          </a:p>
+        </p:txBody>
+      </p:sp>
+    </p:spTree>
+    <p:extLst>
+      <p:ext uri="{BB962C8B-B14F-4D97-AF65-F5344CB8AC3E}">
+        <p14:creationId xmlns:p14="http://schemas.microsoft.com/office/powerpoint/2010/main" val="3519974956"/>
+      </p:ext>
+    </p:extLst>
+  </p:cSld>
+  <p:clrMapOvr>
+    <a:masterClrMapping/>
+  </p:clrMapOvr>
+</p:notes>
+</file>
+
+<file path=ppt/notesSlides/notesSlide13.xml><?xml version="1.0" encoding="utf-8"?>
+<p:notes xmlns:a="http://schemas.openxmlformats.org/drawingml/2006/main" xmlns:r="http://schemas.openxmlformats.org/officeDocument/2006/relationships" xmlns:p="http://schemas.openxmlformats.org/presentationml/2006/main">
+  <p:cSld>
+    <p:spTree>
+      <p:nvGrpSpPr>
+        <p:cNvPr id="1" name=""/>
+        <p:cNvGrpSpPr/>
+        <p:nvPr/>
+      </p:nvGrpSpPr>
+      <p:grpSpPr>
+        <a:xfrm>
+          <a:off x="0" y="0"/>
+          <a:ext cx="0" cy="0"/>
+          <a:chOff x="0" y="0"/>
+          <a:chExt cx="0" cy="0"/>
+        </a:xfrm>
+      </p:grpSpPr>
+      <p:sp>
+        <p:nvSpPr>
+          <p:cNvPr id="2" name="Slide Image Placeholder 1"/>
+          <p:cNvSpPr>
+            <a:spLocks noGrp="1" noRot="1" noChangeAspect="1"/>
+          </p:cNvSpPr>
+          <p:nvPr>
+            <p:ph type="sldImg"/>
+          </p:nvPr>
+        </p:nvSpPr>
+        <p:spPr/>
+      </p:sp>
+      <p:sp>
+        <p:nvSpPr>
+          <p:cNvPr id="3" name="Notes Placeholder 2"/>
+          <p:cNvSpPr>
+            <a:spLocks noGrp="1"/>
+          </p:cNvSpPr>
+          <p:nvPr>
+            <p:ph type="body" idx="1"/>
+          </p:nvPr>
+        </p:nvSpPr>
+        <p:spPr/>
+        <p:txBody>
+          <a:bodyPr/>
+          <a:lstStyle/>
+          <a:p>
+            <a:endParaRPr lang="en-US"/>
+          </a:p>
+        </p:txBody>
+      </p:sp>
+      <p:sp>
+        <p:nvSpPr>
+          <p:cNvPr id="4" name="Slide Number Placeholder 3"/>
+          <p:cNvSpPr>
+            <a:spLocks noGrp="1"/>
+          </p:cNvSpPr>
+          <p:nvPr>
+            <p:ph type="sldNum" sz="quarter" idx="10"/>
+          </p:nvPr>
+        </p:nvSpPr>
+        <p:spPr/>
+        <p:txBody>
+          <a:bodyPr/>
+          <a:lstStyle/>
+          <a:p>
+            <a:fld id="{8574AEAE-F28A-48C5-9504-CA443EB5FEA4}" type="slidenum">
+              <a:rPr lang="en-US" smtClean="0"/>
+              <a:pPr/>
+              <a:t>13</a:t>
+            </a:fld>
+            <a:endParaRPr lang="en-US" dirty="0"/>
+          </a:p>
+        </p:txBody>
+      </p:sp>
+    </p:spTree>
+    <p:extLst>
+      <p:ext uri="{BB962C8B-B14F-4D97-AF65-F5344CB8AC3E}">
+        <p14:creationId xmlns:p14="http://schemas.microsoft.com/office/powerpoint/2010/main" val="1702814383"/>
+      </p:ext>
+    </p:extLst>
+  </p:cSld>
+  <p:clrMapOvr>
+    <a:masterClrMapping/>
+  </p:clrMapOvr>
+</p:notes>
+</file>
+
+<file path=ppt/notesSlides/notesSlide14.xml><?xml version="1.0" encoding="utf-8"?>
+<p:notes xmlns:a="http://schemas.openxmlformats.org/drawingml/2006/main" xmlns:r="http://schemas.openxmlformats.org/officeDocument/2006/relationships" xmlns:p="http://schemas.openxmlformats.org/presentationml/2006/main">
+  <p:cSld>
+    <p:spTree>
+      <p:nvGrpSpPr>
+        <p:cNvPr id="1" name=""/>
+        <p:cNvGrpSpPr/>
+        <p:nvPr/>
+      </p:nvGrpSpPr>
+      <p:grpSpPr>
+        <a:xfrm>
+          <a:off x="0" y="0"/>
+          <a:ext cx="0" cy="0"/>
+          <a:chOff x="0" y="0"/>
+          <a:chExt cx="0" cy="0"/>
+        </a:xfrm>
+      </p:grpSpPr>
+      <p:sp>
+        <p:nvSpPr>
+          <p:cNvPr id="2" name="Slide Image Placeholder 1"/>
+          <p:cNvSpPr>
+            <a:spLocks noGrp="1" noRot="1" noChangeAspect="1"/>
+          </p:cNvSpPr>
+          <p:nvPr>
+            <p:ph type="sldImg"/>
+          </p:nvPr>
+        </p:nvSpPr>
+        <p:spPr/>
+      </p:sp>
+      <p:sp>
+        <p:nvSpPr>
+          <p:cNvPr id="3" name="Notes Placeholder 2"/>
+          <p:cNvSpPr>
+            <a:spLocks noGrp="1"/>
+          </p:cNvSpPr>
+          <p:nvPr>
+            <p:ph type="body" idx="1"/>
+          </p:nvPr>
+        </p:nvSpPr>
+        <p:spPr/>
+        <p:txBody>
+          <a:bodyPr/>
+          <a:lstStyle/>
+          <a:p>
+            <a:endParaRPr lang="en-US"/>
+          </a:p>
+        </p:txBody>
+      </p:sp>
+      <p:sp>
+        <p:nvSpPr>
+          <p:cNvPr id="4" name="Slide Number Placeholder 3"/>
+          <p:cNvSpPr>
+            <a:spLocks noGrp="1"/>
+          </p:cNvSpPr>
+          <p:nvPr>
+            <p:ph type="sldNum" sz="quarter" idx="10"/>
+          </p:nvPr>
+        </p:nvSpPr>
+        <p:spPr/>
+        <p:txBody>
+          <a:bodyPr/>
+          <a:lstStyle/>
+          <a:p>
+            <a:fld id="{8574AEAE-F28A-48C5-9504-CA443EB5FEA4}" type="slidenum">
+              <a:rPr lang="en-US" smtClean="0"/>
+              <a:pPr/>
+              <a:t>14</a:t>
+            </a:fld>
+            <a:endParaRPr lang="en-US" dirty="0"/>
+          </a:p>
+        </p:txBody>
+      </p:sp>
+    </p:spTree>
+    <p:extLst>
+      <p:ext uri="{BB962C8B-B14F-4D97-AF65-F5344CB8AC3E}">
+        <p14:creationId xmlns:p14="http://schemas.microsoft.com/office/powerpoint/2010/main" val="1604184666"/>
+      </p:ext>
+    </p:extLst>
+  </p:cSld>
+  <p:clrMapOvr>
+    <a:masterClrMapping/>
+  </p:clrMapOvr>
+</p:notes>
+</file>
+
+<file path=ppt/notesSlides/notesSlide15.xml><?xml version="1.0" encoding="utf-8"?>
+<p:notes xmlns:a="http://schemas.openxmlformats.org/drawingml/2006/main" xmlns:r="http://schemas.openxmlformats.org/officeDocument/2006/relationships" xmlns:p="http://schemas.openxmlformats.org/presentationml/2006/main">
+  <p:cSld>
+    <p:spTree>
+      <p:nvGrpSpPr>
+        <p:cNvPr id="1" name=""/>
+        <p:cNvGrpSpPr/>
+        <p:nvPr/>
+      </p:nvGrpSpPr>
+      <p:grpSpPr>
+        <a:xfrm>
+          <a:off x="0" y="0"/>
+          <a:ext cx="0" cy="0"/>
+          <a:chOff x="0" y="0"/>
+          <a:chExt cx="0" cy="0"/>
+        </a:xfrm>
+      </p:grpSpPr>
+      <p:sp>
+        <p:nvSpPr>
+          <p:cNvPr id="2" name="Slide Image Placeholder 1"/>
+          <p:cNvSpPr>
+            <a:spLocks noGrp="1" noRot="1" noChangeAspect="1"/>
+          </p:cNvSpPr>
+          <p:nvPr>
+            <p:ph type="sldImg"/>
+          </p:nvPr>
+        </p:nvSpPr>
+        <p:spPr/>
+      </p:sp>
+      <p:sp>
+        <p:nvSpPr>
+          <p:cNvPr id="3" name="Notes Placeholder 2"/>
+          <p:cNvSpPr>
+            <a:spLocks noGrp="1"/>
+          </p:cNvSpPr>
+          <p:nvPr>
+            <p:ph type="body" idx="1"/>
+          </p:nvPr>
+        </p:nvSpPr>
+        <p:spPr/>
+        <p:txBody>
+          <a:bodyPr>
+            <a:normAutofit fontScale="92500" lnSpcReduction="20000"/>
+          </a:bodyPr>
+          <a:lstStyle/>
+          <a:p>
+            <a:r>
+              <a:rPr lang="en-US" b="1" dirty="0"/>
+              <a:t>From Wikipedia https://en.wikipedia.org/wiki/Backpropagation</a:t>
+            </a:r>
+          </a:p>
+          <a:p>
+            <a:endParaRPr lang="en-US" b="1" dirty="0"/>
+          </a:p>
+          <a:p>
+            <a:r>
+              <a:rPr lang="en-US" b="1" dirty="0"/>
+              <a:t>Backpropagation</a:t>
+            </a:r>
+            <a:r>
+              <a:rPr lang="en-US" dirty="0"/>
+              <a:t> is a method to calculate the </a:t>
+            </a:r>
+            <a:r>
+              <a:rPr lang="en-US" dirty="0">
+                <a:hlinkClick r:id="rId3" tooltip="Gradient"/>
+              </a:rPr>
+              <a:t>gradient</a:t>
+            </a:r>
+            <a:r>
+              <a:rPr lang="en-US" dirty="0"/>
+              <a:t> of the </a:t>
+            </a:r>
+            <a:r>
+              <a:rPr lang="en-US" dirty="0">
+                <a:hlinkClick r:id="rId4" tooltip="Loss function"/>
+              </a:rPr>
+              <a:t>loss function</a:t>
+            </a:r>
+            <a:r>
+              <a:rPr lang="en-US" dirty="0"/>
+              <a:t> with respect to the weights in an </a:t>
+            </a:r>
+            <a:r>
+              <a:rPr lang="en-US" dirty="0">
+                <a:hlinkClick r:id="rId5" tooltip="Artificial neural network"/>
+              </a:rPr>
+              <a:t>artificial neural network</a:t>
+            </a:r>
+            <a:r>
+              <a:rPr lang="en-US" dirty="0"/>
+              <a:t>. It is commonly used as a part of algorithms that </a:t>
+            </a:r>
+            <a:r>
+              <a:rPr lang="en-US" dirty="0">
+                <a:hlinkClick r:id="rId6" tooltip="Mathematical optimization"/>
+              </a:rPr>
+              <a:t>optimize</a:t>
+            </a:r>
+            <a:r>
+              <a:rPr lang="en-US" dirty="0"/>
+              <a:t> the performance of the network by adjusting the weights, for example in the </a:t>
+            </a:r>
+            <a:r>
+              <a:rPr lang="en-US" dirty="0">
+                <a:hlinkClick r:id="rId7" tooltip="Gradient descent"/>
+              </a:rPr>
+              <a:t>gradient descent</a:t>
+            </a:r>
+            <a:r>
+              <a:rPr lang="en-US" dirty="0"/>
+              <a:t> algorithm. It is also called </a:t>
+            </a:r>
+            <a:r>
+              <a:rPr lang="en-US" b="1" dirty="0"/>
+              <a:t>backward propagation of errors</a:t>
+            </a:r>
+            <a:r>
+              <a:rPr lang="en-US" dirty="0"/>
+              <a:t>.</a:t>
+            </a:r>
+          </a:p>
+          <a:p>
+            <a:r>
+              <a:rPr lang="en-US" dirty="0"/>
+              <a:t>The optimization algorithm repeats a two phase cycle, propagation and weight update. When an input vector is presented to the network, it is propagated forward through the network, layer by layer, until it reaches the output layer. The output of the network is then compared to the desired output, using a </a:t>
+            </a:r>
+            <a:r>
+              <a:rPr lang="en-US" dirty="0">
+                <a:hlinkClick r:id="rId4" tooltip="Loss function"/>
+              </a:rPr>
+              <a:t>loss function</a:t>
+            </a:r>
+            <a:r>
+              <a:rPr lang="en-US" dirty="0"/>
+              <a:t>, and an error value is calculated for each of the neurons in the output layer. The error values are then propagated backwards, starting from the output, until each neuron has an associated error value which roughly represents its contribution to the original output.</a:t>
+            </a:r>
+          </a:p>
+          <a:p>
+            <a:r>
+              <a:rPr lang="en-US" dirty="0"/>
+              <a:t>Backpropagation uses these error values to calculate the gradient of the loss function. In the second phase, this gradient is fed to the optimization method, which in turn uses it to update the weights, in an attempt to minimize the loss function.</a:t>
+            </a:r>
+          </a:p>
+          <a:p>
+            <a:r>
+              <a:rPr lang="en-US" dirty="0"/>
+              <a:t>The importance of this process is that, as the network is trained, the neurons in the intermediate layers organize themselves in such a way that the different neurons learn to recognize different characteristics of the total input space. After training, when an arbitrary input pattern is present which contains noise or is incomplete, neurons in the hidden layer of the network will respond with an active output if the new input contains a pattern that resembles a feature that the individual neurons have learned to recognize during their training.</a:t>
+            </a:r>
+          </a:p>
+          <a:p>
+            <a:r>
+              <a:rPr lang="en-US" dirty="0"/>
+              <a:t>Backpropagation requires a known, desired output for each input value in order to calculate the loss function gradient – it is therefore usually considered to be a </a:t>
+            </a:r>
+            <a:r>
+              <a:rPr lang="en-US" dirty="0">
+                <a:hlinkClick r:id="rId8" tooltip="Supervised learning"/>
+              </a:rPr>
+              <a:t>supervised learning</a:t>
+            </a:r>
+            <a:r>
+              <a:rPr lang="en-US" dirty="0"/>
+              <a:t> method; nonetheless, it is also used in some </a:t>
+            </a:r>
+            <a:r>
+              <a:rPr lang="en-US" dirty="0">
+                <a:hlinkClick r:id="rId9" tooltip="Unsupervised learning"/>
+              </a:rPr>
+              <a:t>unsupervised</a:t>
+            </a:r>
+            <a:r>
+              <a:rPr lang="en-US" dirty="0"/>
+              <a:t> networks such as </a:t>
+            </a:r>
+            <a:r>
+              <a:rPr lang="en-US" dirty="0">
+                <a:hlinkClick r:id="rId10" tooltip="Autoencoder"/>
+              </a:rPr>
+              <a:t>autoencoders</a:t>
+            </a:r>
+            <a:r>
+              <a:rPr lang="en-US" dirty="0"/>
+              <a:t>. It is a generalization of the </a:t>
+            </a:r>
+            <a:r>
+              <a:rPr lang="en-US" dirty="0">
+                <a:hlinkClick r:id="rId11" tooltip="Delta rule"/>
+              </a:rPr>
+              <a:t>delta rule</a:t>
+            </a:r>
+            <a:r>
+              <a:rPr lang="en-US" dirty="0"/>
+              <a:t> to multi-layered </a:t>
+            </a:r>
+            <a:r>
+              <a:rPr lang="en-US" dirty="0">
+                <a:hlinkClick r:id="rId12" tooltip="Feedforward neural network"/>
+              </a:rPr>
+              <a:t>feedforward networks</a:t>
+            </a:r>
+            <a:r>
+              <a:rPr lang="en-US" dirty="0"/>
+              <a:t>, made possible by using the </a:t>
+            </a:r>
+            <a:r>
+              <a:rPr lang="en-US" dirty="0">
+                <a:hlinkClick r:id="rId13" tooltip="Chain rule"/>
+              </a:rPr>
+              <a:t>chain rule</a:t>
+            </a:r>
+            <a:r>
+              <a:rPr lang="en-US" dirty="0"/>
+              <a:t> to iteratively compute gradients for each layer. Backpropagation requires that the </a:t>
+            </a:r>
+            <a:r>
+              <a:rPr lang="en-US" dirty="0">
+                <a:hlinkClick r:id="rId14" tooltip="Activation function"/>
+              </a:rPr>
+              <a:t>activation function</a:t>
+            </a:r>
+            <a:r>
+              <a:rPr lang="en-US" dirty="0"/>
+              <a:t> used by the </a:t>
+            </a:r>
+            <a:r>
+              <a:rPr lang="en-US" dirty="0">
+                <a:hlinkClick r:id="rId15" tooltip="Artificial neuron"/>
+              </a:rPr>
+              <a:t>artificial neurons</a:t>
+            </a:r>
+            <a:r>
+              <a:rPr lang="en-US" dirty="0"/>
+              <a:t> (or "nodes") is </a:t>
+            </a:r>
+            <a:r>
+              <a:rPr lang="en-US" dirty="0">
+                <a:hlinkClick r:id="rId16" tooltip="Differentiable"/>
+              </a:rPr>
+              <a:t>differentiable</a:t>
+            </a:r>
+            <a:r>
+              <a:rPr lang="en-US" dirty="0"/>
+              <a:t>.</a:t>
+            </a:r>
+          </a:p>
+          <a:p>
+            <a:endParaRPr lang="en-US" dirty="0"/>
+          </a:p>
+        </p:txBody>
+      </p:sp>
+      <p:sp>
+        <p:nvSpPr>
+          <p:cNvPr id="4" name="Slide Number Placeholder 3"/>
+          <p:cNvSpPr>
+            <a:spLocks noGrp="1"/>
+          </p:cNvSpPr>
+          <p:nvPr>
+            <p:ph type="sldNum" sz="quarter" idx="10"/>
+          </p:nvPr>
+        </p:nvSpPr>
+        <p:spPr/>
+        <p:txBody>
+          <a:bodyPr/>
+          <a:lstStyle/>
+          <a:p>
+            <a:fld id="{8574AEAE-F28A-48C5-9504-CA443EB5FEA4}" type="slidenum">
+              <a:rPr lang="en-US" smtClean="0"/>
+              <a:pPr/>
+              <a:t>15</a:t>
+            </a:fld>
+            <a:endParaRPr lang="en-US" dirty="0"/>
+          </a:p>
+        </p:txBody>
+      </p:sp>
+    </p:spTree>
+    <p:extLst>
+      <p:ext uri="{BB962C8B-B14F-4D97-AF65-F5344CB8AC3E}">
+        <p14:creationId xmlns:p14="http://schemas.microsoft.com/office/powerpoint/2010/main" val="313913533"/>
+      </p:ext>
+    </p:extLst>
+  </p:cSld>
+  <p:clrMapOvr>
+    <a:masterClrMapping/>
+  </p:clrMapOvr>
+</p:notes>
+</file>
+
+<file path=ppt/notesSlides/notesSlide16.xml><?xml version="1.0" encoding="utf-8"?>
+<p:notes xmlns:a="http://schemas.openxmlformats.org/drawingml/2006/main" xmlns:r="http://schemas.openxmlformats.org/officeDocument/2006/relationships" xmlns:p="http://schemas.openxmlformats.org/presentationml/2006/main">
+  <p:cSld>
+    <p:spTree>
+      <p:nvGrpSpPr>
+        <p:cNvPr id="1" name=""/>
+        <p:cNvGrpSpPr/>
+        <p:nvPr/>
+      </p:nvGrpSpPr>
+      <p:grpSpPr>
+        <a:xfrm>
+          <a:off x="0" y="0"/>
+          <a:ext cx="0" cy="0"/>
+          <a:chOff x="0" y="0"/>
+          <a:chExt cx="0" cy="0"/>
+        </a:xfrm>
+      </p:grpSpPr>
+      <p:sp>
+        <p:nvSpPr>
+          <p:cNvPr id="2" name="Slide Image Placeholder 1"/>
+          <p:cNvSpPr>
+            <a:spLocks noGrp="1" noRot="1" noChangeAspect="1"/>
+          </p:cNvSpPr>
+          <p:nvPr>
+            <p:ph type="sldImg"/>
+          </p:nvPr>
+        </p:nvSpPr>
+        <p:spPr/>
+      </p:sp>
+      <p:sp>
+        <p:nvSpPr>
+          <p:cNvPr id="3" name="Notes Placeholder 2"/>
+          <p:cNvSpPr>
+            <a:spLocks noGrp="1"/>
+          </p:cNvSpPr>
+          <p:nvPr>
+            <p:ph type="body" idx="1"/>
+          </p:nvPr>
+        </p:nvSpPr>
+        <p:spPr/>
+        <p:txBody>
+          <a:bodyPr/>
+          <a:lstStyle/>
+          <a:p>
+            <a:endParaRPr lang="en-US"/>
+          </a:p>
+        </p:txBody>
+      </p:sp>
+      <p:sp>
+        <p:nvSpPr>
+          <p:cNvPr id="4" name="Slide Number Placeholder 3"/>
+          <p:cNvSpPr>
+            <a:spLocks noGrp="1"/>
+          </p:cNvSpPr>
+          <p:nvPr>
+            <p:ph type="sldNum" sz="quarter" idx="10"/>
+          </p:nvPr>
+        </p:nvSpPr>
+        <p:spPr/>
+        <p:txBody>
+          <a:bodyPr/>
+          <a:lstStyle/>
+          <a:p>
+            <a:fld id="{8574AEAE-F28A-48C5-9504-CA443EB5FEA4}" type="slidenum">
+              <a:rPr lang="en-US" smtClean="0"/>
+              <a:pPr/>
+              <a:t>18</a:t>
+            </a:fld>
+            <a:endParaRPr lang="en-US" dirty="0"/>
+          </a:p>
+        </p:txBody>
+      </p:sp>
+    </p:spTree>
+    <p:extLst>
+      <p:ext uri="{BB962C8B-B14F-4D97-AF65-F5344CB8AC3E}">
+        <p14:creationId xmlns:p14="http://schemas.microsoft.com/office/powerpoint/2010/main" val="2993538829"/>
+      </p:ext>
+    </p:extLst>
+  </p:cSld>
+  <p:clrMapOvr>
+    <a:masterClrMapping/>
+  </p:clrMapOvr>
+</p:notes>
+</file>
+
+<file path=ppt/notesSlides/notesSlide17.xml><?xml version="1.0" encoding="utf-8"?>
+<p:notes xmlns:a="http://schemas.openxmlformats.org/drawingml/2006/main" xmlns:r="http://schemas.openxmlformats.org/officeDocument/2006/relationships" xmlns:p="http://schemas.openxmlformats.org/presentationml/2006/main">
+  <p:cSld>
+    <p:spTree>
+      <p:nvGrpSpPr>
+        <p:cNvPr id="1" name=""/>
+        <p:cNvGrpSpPr/>
+        <p:nvPr/>
+      </p:nvGrpSpPr>
+      <p:grpSpPr>
+        <a:xfrm>
+          <a:off x="0" y="0"/>
+          <a:ext cx="0" cy="0"/>
+          <a:chOff x="0" y="0"/>
+          <a:chExt cx="0" cy="0"/>
+        </a:xfrm>
+      </p:grpSpPr>
+      <p:sp>
+        <p:nvSpPr>
+          <p:cNvPr id="2" name="Slide Image Placeholder 1"/>
+          <p:cNvSpPr>
+            <a:spLocks noGrp="1" noRot="1" noChangeAspect="1"/>
+          </p:cNvSpPr>
+          <p:nvPr>
+            <p:ph type="sldImg"/>
+          </p:nvPr>
+        </p:nvSpPr>
+        <p:spPr/>
+      </p:sp>
+      <p:sp>
+        <p:nvSpPr>
+          <p:cNvPr id="3" name="Notes Placeholder 2"/>
+          <p:cNvSpPr>
+            <a:spLocks noGrp="1"/>
+          </p:cNvSpPr>
+          <p:nvPr>
+            <p:ph type="body" idx="1"/>
+          </p:nvPr>
+        </p:nvSpPr>
+        <p:spPr/>
+        <p:txBody>
+          <a:bodyPr/>
+          <a:lstStyle/>
+          <a:p>
+            <a:endParaRPr lang="en-US"/>
+          </a:p>
+        </p:txBody>
+      </p:sp>
+      <p:sp>
+        <p:nvSpPr>
+          <p:cNvPr id="4" name="Slide Number Placeholder 3"/>
+          <p:cNvSpPr>
+            <a:spLocks noGrp="1"/>
+          </p:cNvSpPr>
+          <p:nvPr>
+            <p:ph type="sldNum" sz="quarter" idx="10"/>
+          </p:nvPr>
+        </p:nvSpPr>
+        <p:spPr/>
+        <p:txBody>
+          <a:bodyPr/>
+          <a:lstStyle/>
+          <a:p>
+            <a:fld id="{8574AEAE-F28A-48C5-9504-CA443EB5FEA4}" type="slidenum">
+              <a:rPr lang="en-US" smtClean="0"/>
+              <a:pPr/>
+              <a:t>19</a:t>
+            </a:fld>
+            <a:endParaRPr lang="en-US" dirty="0"/>
+          </a:p>
+        </p:txBody>
+      </p:sp>
+    </p:spTree>
+    <p:extLst>
+      <p:ext uri="{BB962C8B-B14F-4D97-AF65-F5344CB8AC3E}">
+        <p14:creationId xmlns:p14="http://schemas.microsoft.com/office/powerpoint/2010/main" val="1534766281"/>
+      </p:ext>
+    </p:extLst>
+  </p:cSld>
+  <p:clrMapOvr>
+    <a:masterClrMapping/>
+  </p:clrMapOvr>
+</p:notes>
+</file>
+
+<file path=ppt/notesSlides/notesSlide18.xml><?xml version="1.0" encoding="utf-8"?>
+<p:notes xmlns:a="http://schemas.openxmlformats.org/drawingml/2006/main" xmlns:r="http://schemas.openxmlformats.org/officeDocument/2006/relationships" xmlns:p="http://schemas.openxmlformats.org/presentationml/2006/main">
+  <p:cSld>
+    <p:spTree>
+      <p:nvGrpSpPr>
+        <p:cNvPr id="1" name=""/>
+        <p:cNvGrpSpPr/>
+        <p:nvPr/>
+      </p:nvGrpSpPr>
+      <p:grpSpPr>
+        <a:xfrm>
+          <a:off x="0" y="0"/>
+          <a:ext cx="0" cy="0"/>
+          <a:chOff x="0" y="0"/>
+          <a:chExt cx="0" cy="0"/>
+        </a:xfrm>
+      </p:grpSpPr>
+      <p:sp>
+        <p:nvSpPr>
+          <p:cNvPr id="2" name="Slide Image Placeholder 1"/>
+          <p:cNvSpPr>
+            <a:spLocks noGrp="1" noRot="1" noChangeAspect="1"/>
+          </p:cNvSpPr>
+          <p:nvPr>
+            <p:ph type="sldImg"/>
+          </p:nvPr>
+        </p:nvSpPr>
+        <p:spPr/>
+      </p:sp>
+      <p:sp>
+        <p:nvSpPr>
+          <p:cNvPr id="3" name="Notes Placeholder 2"/>
+          <p:cNvSpPr>
+            <a:spLocks noGrp="1"/>
+          </p:cNvSpPr>
+          <p:nvPr>
+            <p:ph type="body" idx="1"/>
+          </p:nvPr>
+        </p:nvSpPr>
+        <p:spPr/>
+        <p:txBody>
+          <a:bodyPr/>
+          <a:lstStyle/>
+          <a:p>
+            <a:endParaRPr lang="en-US"/>
+          </a:p>
+        </p:txBody>
+      </p:sp>
+      <p:sp>
+        <p:nvSpPr>
+          <p:cNvPr id="4" name="Slide Number Placeholder 3"/>
+          <p:cNvSpPr>
+            <a:spLocks noGrp="1"/>
+          </p:cNvSpPr>
+          <p:nvPr>
+            <p:ph type="sldNum" sz="quarter" idx="10"/>
+          </p:nvPr>
+        </p:nvSpPr>
+        <p:spPr/>
+        <p:txBody>
+          <a:bodyPr/>
+          <a:lstStyle/>
+          <a:p>
+            <a:fld id="{8574AEAE-F28A-48C5-9504-CA443EB5FEA4}" type="slidenum">
+              <a:rPr lang="en-US" smtClean="0"/>
+              <a:pPr/>
+              <a:t>20</a:t>
+            </a:fld>
+            <a:endParaRPr lang="en-US" dirty="0"/>
+          </a:p>
+        </p:txBody>
+      </p:sp>
+    </p:spTree>
+    <p:extLst>
+      <p:ext uri="{BB962C8B-B14F-4D97-AF65-F5344CB8AC3E}">
+        <p14:creationId xmlns:p14="http://schemas.microsoft.com/office/powerpoint/2010/main" val="3451509555"/>
+      </p:ext>
+    </p:extLst>
+  </p:cSld>
+  <p:clrMapOvr>
+    <a:masterClrMapping/>
+  </p:clrMapOvr>
+</p:notes>
+</file>
+
+<file path=ppt/notesSlides/notesSlide19.xml><?xml version="1.0" encoding="utf-8"?>
+<p:notes xmlns:a="http://schemas.openxmlformats.org/drawingml/2006/main" xmlns:r="http://schemas.openxmlformats.org/officeDocument/2006/relationships" xmlns:p="http://schemas.openxmlformats.org/presentationml/2006/main">
+  <p:cSld>
+    <p:spTree>
+      <p:nvGrpSpPr>
+        <p:cNvPr id="1" name=""/>
+        <p:cNvGrpSpPr/>
+        <p:nvPr/>
+      </p:nvGrpSpPr>
+      <p:grpSpPr>
+        <a:xfrm>
+          <a:off x="0" y="0"/>
+          <a:ext cx="0" cy="0"/>
+          <a:chOff x="0" y="0"/>
+          <a:chExt cx="0" cy="0"/>
+        </a:xfrm>
+      </p:grpSpPr>
+      <p:sp>
+        <p:nvSpPr>
+          <p:cNvPr id="2" name="Slide Image Placeholder 1"/>
+          <p:cNvSpPr>
+            <a:spLocks noGrp="1" noRot="1" noChangeAspect="1"/>
+          </p:cNvSpPr>
+          <p:nvPr>
+            <p:ph type="sldImg"/>
+          </p:nvPr>
+        </p:nvSpPr>
+        <p:spPr/>
+      </p:sp>
+      <p:sp>
+        <p:nvSpPr>
+          <p:cNvPr id="3" name="Notes Placeholder 2"/>
+          <p:cNvSpPr>
+            <a:spLocks noGrp="1"/>
+          </p:cNvSpPr>
+          <p:nvPr>
+            <p:ph type="body" idx="1"/>
+          </p:nvPr>
+        </p:nvSpPr>
+        <p:spPr/>
+        <p:txBody>
+          <a:bodyPr/>
+          <a:lstStyle/>
+          <a:p>
+            <a:endParaRPr lang="en-US"/>
+          </a:p>
+        </p:txBody>
+      </p:sp>
+      <p:sp>
+        <p:nvSpPr>
+          <p:cNvPr id="4" name="Slide Number Placeholder 3"/>
+          <p:cNvSpPr>
+            <a:spLocks noGrp="1"/>
+          </p:cNvSpPr>
+          <p:nvPr>
+            <p:ph type="sldNum" sz="quarter" idx="10"/>
+          </p:nvPr>
+        </p:nvSpPr>
+        <p:spPr/>
+        <p:txBody>
+          <a:bodyPr/>
+          <a:lstStyle/>
+          <a:p>
+            <a:fld id="{8574AEAE-F28A-48C5-9504-CA443EB5FEA4}" type="slidenum">
+              <a:rPr lang="en-US" smtClean="0"/>
+              <a:pPr/>
+              <a:t>21</a:t>
+            </a:fld>
+            <a:endParaRPr lang="en-US" dirty="0"/>
+          </a:p>
+        </p:txBody>
+      </p:sp>
+    </p:spTree>
+    <p:extLst>
+      <p:ext uri="{BB962C8B-B14F-4D97-AF65-F5344CB8AC3E}">
+        <p14:creationId xmlns:p14="http://schemas.microsoft.com/office/powerpoint/2010/main" val="984215579"/>
+      </p:ext>
+    </p:extLst>
+  </p:cSld>
+  <p:clrMapOvr>
+    <a:masterClrMapping/>
+  </p:clrMapOvr>
+</p:notes>
+</file>
+
+<file path=ppt/notesSlides/notesSlide2.xml><?xml version="1.0" encoding="utf-8"?>
+<p:notes xmlns:a="http://schemas.openxmlformats.org/drawingml/2006/main" xmlns:r="http://schemas.openxmlformats.org/officeDocument/2006/relationships" xmlns:p="http://schemas.openxmlformats.org/presentationml/2006/main">
+  <p:cSld>
+    <p:spTree>
+      <p:nvGrpSpPr>
+        <p:cNvPr id="1" name=""/>
+        <p:cNvGrpSpPr/>
+        <p:nvPr/>
+      </p:nvGrpSpPr>
+      <p:grpSpPr>
+        <a:xfrm>
+          <a:off x="0" y="0"/>
+          <a:ext cx="0" cy="0"/>
+          <a:chOff x="0" y="0"/>
+          <a:chExt cx="0" cy="0"/>
+        </a:xfrm>
+      </p:grpSpPr>
+      <p:sp>
+        <p:nvSpPr>
+          <p:cNvPr id="2" name="Slide Image Placeholder 1"/>
+          <p:cNvSpPr>
+            <a:spLocks noGrp="1" noRot="1" noChangeAspect="1"/>
+          </p:cNvSpPr>
+          <p:nvPr>
+            <p:ph type="sldImg"/>
+          </p:nvPr>
+        </p:nvSpPr>
+        <p:spPr/>
+      </p:sp>
+      <p:sp>
+        <p:nvSpPr>
+          <p:cNvPr id="3" name="Notes Placeholder 2"/>
+          <p:cNvSpPr>
+            <a:spLocks noGrp="1"/>
+          </p:cNvSpPr>
+          <p:nvPr>
+            <p:ph type="body" idx="1"/>
+          </p:nvPr>
+        </p:nvSpPr>
+        <p:spPr/>
+        <p:txBody>
+          <a:bodyPr/>
+          <a:lstStyle/>
+          <a:p>
+            <a:endParaRPr lang="en-US"/>
+          </a:p>
+        </p:txBody>
+      </p:sp>
+      <p:sp>
+        <p:nvSpPr>
+          <p:cNvPr id="4" name="Slide Number Placeholder 3"/>
+          <p:cNvSpPr>
+            <a:spLocks noGrp="1"/>
+          </p:cNvSpPr>
+          <p:nvPr>
+            <p:ph type="sldNum" sz="quarter" idx="10"/>
+          </p:nvPr>
+        </p:nvSpPr>
+        <p:spPr/>
+        <p:txBody>
+          <a:bodyPr/>
+          <a:lstStyle/>
+          <a:p>
+            <a:fld id="{8574AEAE-F28A-48C5-9504-CA443EB5FEA4}" type="slidenum">
+              <a:rPr lang="en-US" smtClean="0"/>
+              <a:pPr/>
+              <a:t>2</a:t>
+            </a:fld>
+            <a:endParaRPr lang="en-US" dirty="0"/>
+          </a:p>
+        </p:txBody>
+      </p:sp>
+    </p:spTree>
+    <p:extLst>
+      <p:ext uri="{BB962C8B-B14F-4D97-AF65-F5344CB8AC3E}">
+        <p14:creationId xmlns:p14="http://schemas.microsoft.com/office/powerpoint/2010/main" val="1670066662"/>
+      </p:ext>
+    </p:extLst>
+  </p:cSld>
+  <p:clrMapOvr>
+    <a:masterClrMapping/>
+  </p:clrMapOvr>
+</p:notes>
+</file>
+
+<file path=ppt/notesSlides/notesSlide20.xml><?xml version="1.0" encoding="utf-8"?>
+<p:notes xmlns:a="http://schemas.openxmlformats.org/drawingml/2006/main" xmlns:r="http://schemas.openxmlformats.org/officeDocument/2006/relationships" xmlns:p="http://schemas.openxmlformats.org/presentationml/2006/main">
+  <p:cSld>
+    <p:spTree>
+      <p:nvGrpSpPr>
+        <p:cNvPr id="1" name=""/>
+        <p:cNvGrpSpPr/>
+        <p:nvPr/>
+      </p:nvGrpSpPr>
+      <p:grpSpPr>
+        <a:xfrm>
+          <a:off x="0" y="0"/>
+          <a:ext cx="0" cy="0"/>
+          <a:chOff x="0" y="0"/>
+          <a:chExt cx="0" cy="0"/>
+        </a:xfrm>
+      </p:grpSpPr>
+      <p:sp>
+        <p:nvSpPr>
+          <p:cNvPr id="2" name="Slide Image Placeholder 1"/>
+          <p:cNvSpPr>
+            <a:spLocks noGrp="1" noRot="1" noChangeAspect="1"/>
+          </p:cNvSpPr>
+          <p:nvPr>
+            <p:ph type="sldImg"/>
+          </p:nvPr>
+        </p:nvSpPr>
+        <p:spPr/>
+      </p:sp>
+      <p:sp>
+        <p:nvSpPr>
+          <p:cNvPr id="3" name="Notes Placeholder 2"/>
+          <p:cNvSpPr>
+            <a:spLocks noGrp="1"/>
+          </p:cNvSpPr>
+          <p:nvPr>
+            <p:ph type="body" idx="1"/>
+          </p:nvPr>
+        </p:nvSpPr>
+        <p:spPr/>
+        <p:txBody>
+          <a:bodyPr/>
+          <a:lstStyle/>
+          <a:p>
+            <a:endParaRPr lang="en-US"/>
+          </a:p>
+        </p:txBody>
+      </p:sp>
+      <p:sp>
+        <p:nvSpPr>
+          <p:cNvPr id="4" name="Slide Number Placeholder 3"/>
+          <p:cNvSpPr>
+            <a:spLocks noGrp="1"/>
+          </p:cNvSpPr>
+          <p:nvPr>
+            <p:ph type="sldNum" sz="quarter" idx="10"/>
+          </p:nvPr>
+        </p:nvSpPr>
+        <p:spPr/>
+        <p:txBody>
+          <a:bodyPr/>
+          <a:lstStyle/>
+          <a:p>
+            <a:fld id="{8574AEAE-F28A-48C5-9504-CA443EB5FEA4}" type="slidenum">
+              <a:rPr lang="en-US" smtClean="0"/>
+              <a:pPr/>
+              <a:t>22</a:t>
+            </a:fld>
+            <a:endParaRPr lang="en-US" dirty="0"/>
+          </a:p>
+        </p:txBody>
+      </p:sp>
+    </p:spTree>
+    <p:extLst>
+      <p:ext uri="{BB962C8B-B14F-4D97-AF65-F5344CB8AC3E}">
+        <p14:creationId xmlns:p14="http://schemas.microsoft.com/office/powerpoint/2010/main" val="2060759944"/>
+      </p:ext>
+    </p:extLst>
+  </p:cSld>
+  <p:clrMapOvr>
+    <a:masterClrMapping/>
+  </p:clrMapOvr>
+</p:notes>
+</file>
+
+<file path=ppt/notesSlides/notesSlide21.xml><?xml version="1.0" encoding="utf-8"?>
+<p:notes xmlns:a="http://schemas.openxmlformats.org/drawingml/2006/main" xmlns:r="http://schemas.openxmlformats.org/officeDocument/2006/relationships" xmlns:p="http://schemas.openxmlformats.org/presentationml/2006/main">
+  <p:cSld>
+    <p:spTree>
+      <p:nvGrpSpPr>
+        <p:cNvPr id="1" name=""/>
+        <p:cNvGrpSpPr/>
+        <p:nvPr/>
+      </p:nvGrpSpPr>
+      <p:grpSpPr>
+        <a:xfrm>
+          <a:off x="0" y="0"/>
+          <a:ext cx="0" cy="0"/>
+          <a:chOff x="0" y="0"/>
+          <a:chExt cx="0" cy="0"/>
+        </a:xfrm>
+      </p:grpSpPr>
+      <p:sp>
+        <p:nvSpPr>
+          <p:cNvPr id="2" name="Slide Image Placeholder 1"/>
+          <p:cNvSpPr>
+            <a:spLocks noGrp="1" noRot="1" noChangeAspect="1"/>
+          </p:cNvSpPr>
+          <p:nvPr>
+            <p:ph type="sldImg"/>
+          </p:nvPr>
+        </p:nvSpPr>
+        <p:spPr/>
+      </p:sp>
+      <p:sp>
+        <p:nvSpPr>
+          <p:cNvPr id="3" name="Notes Placeholder 2"/>
+          <p:cNvSpPr>
+            <a:spLocks noGrp="1"/>
+          </p:cNvSpPr>
+          <p:nvPr>
+            <p:ph type="body" idx="1"/>
+          </p:nvPr>
+        </p:nvSpPr>
+        <p:spPr/>
+        <p:txBody>
+          <a:bodyPr/>
+          <a:lstStyle/>
+          <a:p>
+            <a:endParaRPr lang="en-US"/>
+          </a:p>
+        </p:txBody>
+      </p:sp>
+      <p:sp>
+        <p:nvSpPr>
+          <p:cNvPr id="4" name="Slide Number Placeholder 3"/>
+          <p:cNvSpPr>
+            <a:spLocks noGrp="1"/>
+          </p:cNvSpPr>
+          <p:nvPr>
+            <p:ph type="sldNum" sz="quarter" idx="10"/>
+          </p:nvPr>
+        </p:nvSpPr>
+        <p:spPr/>
+        <p:txBody>
+          <a:bodyPr/>
+          <a:lstStyle/>
+          <a:p>
+            <a:fld id="{8574AEAE-F28A-48C5-9504-CA443EB5FEA4}" type="slidenum">
+              <a:rPr lang="en-US" smtClean="0"/>
+              <a:pPr/>
+              <a:t>23</a:t>
+            </a:fld>
+            <a:endParaRPr lang="en-US" dirty="0"/>
+          </a:p>
+        </p:txBody>
+      </p:sp>
+    </p:spTree>
+    <p:extLst>
+      <p:ext uri="{BB962C8B-B14F-4D97-AF65-F5344CB8AC3E}">
+        <p14:creationId xmlns:p14="http://schemas.microsoft.com/office/powerpoint/2010/main" val="2884270374"/>
+      </p:ext>
+    </p:extLst>
+  </p:cSld>
+  <p:clrMapOvr>
+    <a:masterClrMapping/>
+  </p:clrMapOvr>
+</p:notes>
+</file>
+
+<file path=ppt/notesSlides/notesSlide22.xml><?xml version="1.0" encoding="utf-8"?>
+<p:notes xmlns:a="http://schemas.openxmlformats.org/drawingml/2006/main" xmlns:r="http://schemas.openxmlformats.org/officeDocument/2006/relationships" xmlns:p="http://schemas.openxmlformats.org/presentationml/2006/main">
+  <p:cSld>
+    <p:spTree>
+      <p:nvGrpSpPr>
+        <p:cNvPr id="1" name=""/>
+        <p:cNvGrpSpPr/>
+        <p:nvPr/>
+      </p:nvGrpSpPr>
+      <p:grpSpPr>
+        <a:xfrm>
+          <a:off x="0" y="0"/>
+          <a:ext cx="0" cy="0"/>
+          <a:chOff x="0" y="0"/>
+          <a:chExt cx="0" cy="0"/>
+        </a:xfrm>
+      </p:grpSpPr>
+      <p:sp>
+        <p:nvSpPr>
+          <p:cNvPr id="2" name="Slide Image Placeholder 1"/>
+          <p:cNvSpPr>
+            <a:spLocks noGrp="1" noRot="1" noChangeAspect="1"/>
+          </p:cNvSpPr>
+          <p:nvPr>
+            <p:ph type="sldImg"/>
+          </p:nvPr>
+        </p:nvSpPr>
+        <p:spPr/>
+      </p:sp>
+      <p:sp>
+        <p:nvSpPr>
+          <p:cNvPr id="3" name="Notes Placeholder 2"/>
+          <p:cNvSpPr>
+            <a:spLocks noGrp="1"/>
+          </p:cNvSpPr>
+          <p:nvPr>
+            <p:ph type="body" idx="1"/>
+          </p:nvPr>
+        </p:nvSpPr>
+        <p:spPr/>
+        <p:txBody>
+          <a:bodyPr/>
+          <a:lstStyle/>
+          <a:p>
+            <a:endParaRPr lang="en-US"/>
+          </a:p>
+        </p:txBody>
+      </p:sp>
+      <p:sp>
+        <p:nvSpPr>
+          <p:cNvPr id="4" name="Slide Number Placeholder 3"/>
+          <p:cNvSpPr>
+            <a:spLocks noGrp="1"/>
+          </p:cNvSpPr>
+          <p:nvPr>
+            <p:ph type="sldNum" sz="quarter" idx="10"/>
+          </p:nvPr>
+        </p:nvSpPr>
+        <p:spPr/>
+        <p:txBody>
+          <a:bodyPr/>
+          <a:lstStyle/>
+          <a:p>
+            <a:fld id="{8574AEAE-F28A-48C5-9504-CA443EB5FEA4}" type="slidenum">
+              <a:rPr lang="en-US" smtClean="0"/>
+              <a:pPr/>
+              <a:t>24</a:t>
+            </a:fld>
+            <a:endParaRPr lang="en-US" dirty="0"/>
+          </a:p>
+        </p:txBody>
+      </p:sp>
+    </p:spTree>
+    <p:extLst>
+      <p:ext uri="{BB962C8B-B14F-4D97-AF65-F5344CB8AC3E}">
+        <p14:creationId xmlns:p14="http://schemas.microsoft.com/office/powerpoint/2010/main" val="3646107478"/>
+      </p:ext>
+    </p:extLst>
+  </p:cSld>
+  <p:clrMapOvr>
+    <a:masterClrMapping/>
+  </p:clrMapOvr>
+</p:notes>
+</file>
+
+<file path=ppt/notesSlides/notesSlide23.xml><?xml version="1.0" encoding="utf-8"?>
+<p:notes xmlns:a="http://schemas.openxmlformats.org/drawingml/2006/main" xmlns:r="http://schemas.openxmlformats.org/officeDocument/2006/relationships" xmlns:p="http://schemas.openxmlformats.org/presentationml/2006/main">
+  <p:cSld>
+    <p:spTree>
+      <p:nvGrpSpPr>
+        <p:cNvPr id="1" name=""/>
+        <p:cNvGrpSpPr/>
+        <p:nvPr/>
+      </p:nvGrpSpPr>
+      <p:grpSpPr>
+        <a:xfrm>
+          <a:off x="0" y="0"/>
+          <a:ext cx="0" cy="0"/>
+          <a:chOff x="0" y="0"/>
+          <a:chExt cx="0" cy="0"/>
+        </a:xfrm>
+      </p:grpSpPr>
+      <p:sp>
+        <p:nvSpPr>
+          <p:cNvPr id="2" name="Slide Image Placeholder 1"/>
+          <p:cNvSpPr>
+            <a:spLocks noGrp="1" noRot="1" noChangeAspect="1"/>
+          </p:cNvSpPr>
+          <p:nvPr>
+            <p:ph type="sldImg"/>
+          </p:nvPr>
+        </p:nvSpPr>
+        <p:spPr/>
+      </p:sp>
+      <p:sp>
+        <p:nvSpPr>
+          <p:cNvPr id="3" name="Notes Placeholder 2"/>
+          <p:cNvSpPr>
+            <a:spLocks noGrp="1"/>
+          </p:cNvSpPr>
+          <p:nvPr>
+            <p:ph type="body" idx="1"/>
+          </p:nvPr>
+        </p:nvSpPr>
+        <p:spPr/>
+        <p:txBody>
+          <a:bodyPr/>
+          <a:lstStyle/>
+          <a:p>
+            <a:endParaRPr lang="en-US"/>
+          </a:p>
+        </p:txBody>
+      </p:sp>
+      <p:sp>
+        <p:nvSpPr>
+          <p:cNvPr id="4" name="Slide Number Placeholder 3"/>
+          <p:cNvSpPr>
+            <a:spLocks noGrp="1"/>
+          </p:cNvSpPr>
+          <p:nvPr>
+            <p:ph type="sldNum" sz="quarter" idx="10"/>
+          </p:nvPr>
+        </p:nvSpPr>
+        <p:spPr/>
+        <p:txBody>
+          <a:bodyPr/>
+          <a:lstStyle/>
+          <a:p>
+            <a:fld id="{8574AEAE-F28A-48C5-9504-CA443EB5FEA4}" type="slidenum">
+              <a:rPr lang="en-US" smtClean="0"/>
+              <a:pPr/>
+              <a:t>25</a:t>
+            </a:fld>
+            <a:endParaRPr lang="en-US" dirty="0"/>
+          </a:p>
+        </p:txBody>
+      </p:sp>
+    </p:spTree>
+    <p:extLst>
+      <p:ext uri="{BB962C8B-B14F-4D97-AF65-F5344CB8AC3E}">
+        <p14:creationId xmlns:p14="http://schemas.microsoft.com/office/powerpoint/2010/main" val="1421104843"/>
+      </p:ext>
+    </p:extLst>
+  </p:cSld>
+  <p:clrMapOvr>
+    <a:masterClrMapping/>
+  </p:clrMapOvr>
+</p:notes>
+</file>
+
+<file path=ppt/notesSlides/notesSlide24.xml><?xml version="1.0" encoding="utf-8"?>
+<p:notes xmlns:a="http://schemas.openxmlformats.org/drawingml/2006/main" xmlns:r="http://schemas.openxmlformats.org/officeDocument/2006/relationships" xmlns:p="http://schemas.openxmlformats.org/presentationml/2006/main">
+  <p:cSld>
+    <p:spTree>
+      <p:nvGrpSpPr>
+        <p:cNvPr id="1" name=""/>
+        <p:cNvGrpSpPr/>
+        <p:nvPr/>
+      </p:nvGrpSpPr>
+      <p:grpSpPr>
+        <a:xfrm>
+          <a:off x="0" y="0"/>
+          <a:ext cx="0" cy="0"/>
+          <a:chOff x="0" y="0"/>
+          <a:chExt cx="0" cy="0"/>
+        </a:xfrm>
+      </p:grpSpPr>
+      <p:sp>
+        <p:nvSpPr>
+          <p:cNvPr id="2" name="Slide Image Placeholder 1"/>
+          <p:cNvSpPr>
+            <a:spLocks noGrp="1" noRot="1" noChangeAspect="1"/>
+          </p:cNvSpPr>
+          <p:nvPr>
+            <p:ph type="sldImg"/>
+          </p:nvPr>
+        </p:nvSpPr>
+        <p:spPr/>
+      </p:sp>
+      <p:sp>
+        <p:nvSpPr>
+          <p:cNvPr id="3" name="Notes Placeholder 2"/>
+          <p:cNvSpPr>
+            <a:spLocks noGrp="1"/>
+          </p:cNvSpPr>
+          <p:nvPr>
+            <p:ph type="body" idx="1"/>
+          </p:nvPr>
+        </p:nvSpPr>
+        <p:spPr/>
+        <p:txBody>
+          <a:bodyPr/>
+          <a:lstStyle/>
+          <a:p>
+            <a:endParaRPr lang="en-US"/>
+          </a:p>
+        </p:txBody>
+      </p:sp>
+      <p:sp>
+        <p:nvSpPr>
+          <p:cNvPr id="4" name="Slide Number Placeholder 3"/>
+          <p:cNvSpPr>
+            <a:spLocks noGrp="1"/>
+          </p:cNvSpPr>
+          <p:nvPr>
+            <p:ph type="sldNum" sz="quarter" idx="10"/>
+          </p:nvPr>
+        </p:nvSpPr>
+        <p:spPr/>
+        <p:txBody>
+          <a:bodyPr/>
+          <a:lstStyle/>
+          <a:p>
+            <a:fld id="{8574AEAE-F28A-48C5-9504-CA443EB5FEA4}" type="slidenum">
+              <a:rPr lang="en-US" smtClean="0"/>
+              <a:pPr/>
+              <a:t>26</a:t>
+            </a:fld>
+            <a:endParaRPr lang="en-US" dirty="0"/>
+          </a:p>
+        </p:txBody>
+      </p:sp>
+    </p:spTree>
+    <p:extLst>
+      <p:ext uri="{BB962C8B-B14F-4D97-AF65-F5344CB8AC3E}">
+        <p14:creationId xmlns:p14="http://schemas.microsoft.com/office/powerpoint/2010/main" val="3031711589"/>
+      </p:ext>
+    </p:extLst>
+  </p:cSld>
+  <p:clrMapOvr>
+    <a:masterClrMapping/>
+  </p:clrMapOvr>
+</p:notes>
+</file>
+
+<file path=ppt/notesSlides/notesSlide25.xml><?xml version="1.0" encoding="utf-8"?>
+<p:notes xmlns:a="http://schemas.openxmlformats.org/drawingml/2006/main" xmlns:r="http://schemas.openxmlformats.org/officeDocument/2006/relationships" xmlns:p="http://schemas.openxmlformats.org/presentationml/2006/main">
+  <p:cSld>
+    <p:spTree>
+      <p:nvGrpSpPr>
+        <p:cNvPr id="1" name=""/>
+        <p:cNvGrpSpPr/>
+        <p:nvPr/>
+      </p:nvGrpSpPr>
+      <p:grpSpPr>
+        <a:xfrm>
+          <a:off x="0" y="0"/>
+          <a:ext cx="0" cy="0"/>
+          <a:chOff x="0" y="0"/>
+          <a:chExt cx="0" cy="0"/>
+        </a:xfrm>
+      </p:grpSpPr>
+      <p:sp>
+        <p:nvSpPr>
+          <p:cNvPr id="2" name="Slide Image Placeholder 1"/>
+          <p:cNvSpPr>
+            <a:spLocks noGrp="1" noRot="1" noChangeAspect="1"/>
+          </p:cNvSpPr>
+          <p:nvPr>
+            <p:ph type="sldImg"/>
+          </p:nvPr>
+        </p:nvSpPr>
+        <p:spPr/>
+      </p:sp>
+      <p:sp>
+        <p:nvSpPr>
+          <p:cNvPr id="3" name="Notes Placeholder 2"/>
+          <p:cNvSpPr>
+            <a:spLocks noGrp="1"/>
+          </p:cNvSpPr>
+          <p:nvPr>
+            <p:ph type="body" idx="1"/>
+          </p:nvPr>
+        </p:nvSpPr>
+        <p:spPr/>
+        <p:txBody>
+          <a:bodyPr/>
+          <a:lstStyle/>
+          <a:p>
+            <a:endParaRPr lang="en-US"/>
+          </a:p>
+        </p:txBody>
+      </p:sp>
+      <p:sp>
+        <p:nvSpPr>
+          <p:cNvPr id="4" name="Slide Number Placeholder 3"/>
+          <p:cNvSpPr>
+            <a:spLocks noGrp="1"/>
+          </p:cNvSpPr>
+          <p:nvPr>
+            <p:ph type="sldNum" sz="quarter" idx="10"/>
+          </p:nvPr>
+        </p:nvSpPr>
+        <p:spPr/>
+        <p:txBody>
+          <a:bodyPr/>
+          <a:lstStyle/>
+          <a:p>
+            <a:fld id="{8574AEAE-F28A-48C5-9504-CA443EB5FEA4}" type="slidenum">
+              <a:rPr lang="en-US" smtClean="0"/>
+              <a:pPr/>
+              <a:t>27</a:t>
+            </a:fld>
+            <a:endParaRPr lang="en-US" dirty="0"/>
+          </a:p>
+        </p:txBody>
+      </p:sp>
+    </p:spTree>
+    <p:extLst>
+      <p:ext uri="{BB962C8B-B14F-4D97-AF65-F5344CB8AC3E}">
+        <p14:creationId xmlns:p14="http://schemas.microsoft.com/office/powerpoint/2010/main" val="782181396"/>
+      </p:ext>
+    </p:extLst>
+  </p:cSld>
+  <p:clrMapOvr>
+    <a:masterClrMapping/>
+  </p:clrMapOvr>
+</p:notes>
+</file>
+
+<file path=ppt/notesSlides/notesSlide3.xml><?xml version="1.0" encoding="utf-8"?>
+<p:notes xmlns:a="http://schemas.openxmlformats.org/drawingml/2006/main" xmlns:r="http://schemas.openxmlformats.org/officeDocument/2006/relationships" xmlns:p="http://schemas.openxmlformats.org/presentationml/2006/main">
+  <p:cSld>
+    <p:spTree>
+      <p:nvGrpSpPr>
+        <p:cNvPr id="1" name=""/>
+        <p:cNvGrpSpPr/>
+        <p:nvPr/>
+      </p:nvGrpSpPr>
+      <p:grpSpPr>
+        <a:xfrm>
+          <a:off x="0" y="0"/>
+          <a:ext cx="0" cy="0"/>
+          <a:chOff x="0" y="0"/>
+          <a:chExt cx="0" cy="0"/>
+        </a:xfrm>
+      </p:grpSpPr>
+      <p:sp>
+        <p:nvSpPr>
+          <p:cNvPr id="2" name="Slide Image Placeholder 1"/>
+          <p:cNvSpPr>
+            <a:spLocks noGrp="1" noRot="1" noChangeAspect="1"/>
+          </p:cNvSpPr>
+          <p:nvPr>
+            <p:ph type="sldImg"/>
+          </p:nvPr>
+        </p:nvSpPr>
+        <p:spPr/>
+      </p:sp>
+      <p:sp>
+        <p:nvSpPr>
+          <p:cNvPr id="3" name="Notes Placeholder 2"/>
+          <p:cNvSpPr>
+            <a:spLocks noGrp="1"/>
+          </p:cNvSpPr>
+          <p:nvPr>
+            <p:ph type="body" idx="1"/>
+          </p:nvPr>
+        </p:nvSpPr>
+        <p:spPr/>
+        <p:txBody>
+          <a:bodyPr/>
+          <a:lstStyle/>
+          <a:p>
+            <a:endParaRPr lang="en-US"/>
+          </a:p>
+        </p:txBody>
+      </p:sp>
+      <p:sp>
+        <p:nvSpPr>
+          <p:cNvPr id="4" name="Slide Number Placeholder 3"/>
+          <p:cNvSpPr>
+            <a:spLocks noGrp="1"/>
+          </p:cNvSpPr>
+          <p:nvPr>
+            <p:ph type="sldNum" sz="quarter" idx="10"/>
+          </p:nvPr>
+        </p:nvSpPr>
+        <p:spPr/>
+        <p:txBody>
+          <a:bodyPr/>
+          <a:lstStyle/>
+          <a:p>
+            <a:fld id="{8574AEAE-F28A-48C5-9504-CA443EB5FEA4}" type="slidenum">
+              <a:rPr lang="en-US" smtClean="0"/>
+              <a:pPr/>
+              <a:t>3</a:t>
+            </a:fld>
+            <a:endParaRPr lang="en-US" dirty="0"/>
+          </a:p>
+        </p:txBody>
+      </p:sp>
+    </p:spTree>
+    <p:extLst>
+      <p:ext uri="{BB962C8B-B14F-4D97-AF65-F5344CB8AC3E}">
+        <p14:creationId xmlns:p14="http://schemas.microsoft.com/office/powerpoint/2010/main" val="1899611482"/>
+      </p:ext>
+    </p:extLst>
+  </p:cSld>
+  <p:clrMapOvr>
+    <a:masterClrMapping/>
+  </p:clrMapOvr>
+</p:notes>
+</file>
+
+<file path=ppt/notesSlides/notesSlide4.xml><?xml version="1.0" encoding="utf-8"?>
+<p:notes xmlns:a="http://schemas.openxmlformats.org/drawingml/2006/main" xmlns:r="http://schemas.openxmlformats.org/officeDocument/2006/relationships" xmlns:p="http://schemas.openxmlformats.org/presentationml/2006/main">
+  <p:cSld>
+    <p:spTree>
+      <p:nvGrpSpPr>
+        <p:cNvPr id="1" name=""/>
+        <p:cNvGrpSpPr/>
+        <p:nvPr/>
+      </p:nvGrpSpPr>
+      <p:grpSpPr>
+        <a:xfrm>
+          <a:off x="0" y="0"/>
+          <a:ext cx="0" cy="0"/>
+          <a:chOff x="0" y="0"/>
+          <a:chExt cx="0" cy="0"/>
+        </a:xfrm>
+      </p:grpSpPr>
+      <p:sp>
+        <p:nvSpPr>
+          <p:cNvPr id="2" name="Slide Image Placeholder 1"/>
+          <p:cNvSpPr>
+            <a:spLocks noGrp="1" noRot="1" noChangeAspect="1"/>
+          </p:cNvSpPr>
+          <p:nvPr>
+            <p:ph type="sldImg"/>
+          </p:nvPr>
+        </p:nvSpPr>
+        <p:spPr/>
+      </p:sp>
+      <p:sp>
+        <p:nvSpPr>
+          <p:cNvPr id="3" name="Notes Placeholder 2"/>
+          <p:cNvSpPr>
+            <a:spLocks noGrp="1"/>
+          </p:cNvSpPr>
+          <p:nvPr>
+            <p:ph type="body" idx="1"/>
+          </p:nvPr>
+        </p:nvSpPr>
+        <p:spPr/>
+        <p:txBody>
+          <a:bodyPr/>
+          <a:lstStyle/>
+          <a:p>
+            <a:endParaRPr lang="en-US"/>
+          </a:p>
+        </p:txBody>
+      </p:sp>
+      <p:sp>
+        <p:nvSpPr>
+          <p:cNvPr id="4" name="Slide Number Placeholder 3"/>
+          <p:cNvSpPr>
+            <a:spLocks noGrp="1"/>
+          </p:cNvSpPr>
+          <p:nvPr>
+            <p:ph type="sldNum" sz="quarter" idx="10"/>
+          </p:nvPr>
+        </p:nvSpPr>
+        <p:spPr/>
+        <p:txBody>
+          <a:bodyPr/>
+          <a:lstStyle/>
+          <a:p>
+            <a:fld id="{8574AEAE-F28A-48C5-9504-CA443EB5FEA4}" type="slidenum">
+              <a:rPr lang="en-US" smtClean="0"/>
+              <a:pPr/>
+              <a:t>4</a:t>
+            </a:fld>
+            <a:endParaRPr lang="en-US" dirty="0"/>
+          </a:p>
+        </p:txBody>
+      </p:sp>
+    </p:spTree>
+    <p:extLst>
+      <p:ext uri="{BB962C8B-B14F-4D97-AF65-F5344CB8AC3E}">
+        <p14:creationId xmlns:p14="http://schemas.microsoft.com/office/powerpoint/2010/main" val="4149025225"/>
+      </p:ext>
+    </p:extLst>
+  </p:cSld>
+  <p:clrMapOvr>
+    <a:masterClrMapping/>
+  </p:clrMapOvr>
+</p:notes>
+</file>
+
+<file path=ppt/notesSlides/notesSlide5.xml><?xml version="1.0" encoding="utf-8"?>
+<p:notes xmlns:a="http://schemas.openxmlformats.org/drawingml/2006/main" xmlns:r="http://schemas.openxmlformats.org/officeDocument/2006/relationships" xmlns:p="http://schemas.openxmlformats.org/presentationml/2006/main">
+  <p:cSld>
+    <p:spTree>
+      <p:nvGrpSpPr>
+        <p:cNvPr id="1" name=""/>
+        <p:cNvGrpSpPr/>
+        <p:nvPr/>
+      </p:nvGrpSpPr>
+      <p:grpSpPr>
+        <a:xfrm>
+          <a:off x="0" y="0"/>
+          <a:ext cx="0" cy="0"/>
+          <a:chOff x="0" y="0"/>
+          <a:chExt cx="0" cy="0"/>
+        </a:xfrm>
+      </p:grpSpPr>
+      <p:sp>
+        <p:nvSpPr>
+          <p:cNvPr id="2" name="Slide Image Placeholder 1"/>
+          <p:cNvSpPr>
+            <a:spLocks noGrp="1" noRot="1" noChangeAspect="1"/>
+          </p:cNvSpPr>
+          <p:nvPr>
+            <p:ph type="sldImg"/>
+          </p:nvPr>
+        </p:nvSpPr>
+        <p:spPr/>
+      </p:sp>
+      <p:sp>
+        <p:nvSpPr>
+          <p:cNvPr id="3" name="Notes Placeholder 2"/>
+          <p:cNvSpPr>
+            <a:spLocks noGrp="1"/>
+          </p:cNvSpPr>
+          <p:nvPr>
+            <p:ph type="body" idx="1"/>
+          </p:nvPr>
+        </p:nvSpPr>
+        <p:spPr/>
+        <p:txBody>
+          <a:bodyPr/>
+          <a:lstStyle/>
+          <a:p>
+            <a:endParaRPr lang="en-US"/>
+          </a:p>
+        </p:txBody>
+      </p:sp>
+      <p:sp>
+        <p:nvSpPr>
+          <p:cNvPr id="4" name="Slide Number Placeholder 3"/>
+          <p:cNvSpPr>
+            <a:spLocks noGrp="1"/>
+          </p:cNvSpPr>
+          <p:nvPr>
+            <p:ph type="sldNum" sz="quarter" idx="10"/>
+          </p:nvPr>
+        </p:nvSpPr>
+        <p:spPr/>
+        <p:txBody>
+          <a:bodyPr/>
+          <a:lstStyle/>
+          <a:p>
+            <a:fld id="{8574AEAE-F28A-48C5-9504-CA443EB5FEA4}" type="slidenum">
+              <a:rPr lang="en-US" smtClean="0"/>
+              <a:pPr/>
+              <a:t>5</a:t>
+            </a:fld>
+            <a:endParaRPr lang="en-US" dirty="0"/>
+          </a:p>
+        </p:txBody>
+      </p:sp>
+    </p:spTree>
+    <p:extLst>
+      <p:ext uri="{BB962C8B-B14F-4D97-AF65-F5344CB8AC3E}">
+        <p14:creationId xmlns:p14="http://schemas.microsoft.com/office/powerpoint/2010/main" val="2789399981"/>
+      </p:ext>
+    </p:extLst>
+  </p:cSld>
+  <p:clrMapOvr>
+    <a:masterClrMapping/>
+  </p:clrMapOvr>
+</p:notes>
+</file>
+
+<file path=ppt/notesSlides/notesSlide6.xml><?xml version="1.0" encoding="utf-8"?>
+<p:notes xmlns:a="http://schemas.openxmlformats.org/drawingml/2006/main" xmlns:r="http://schemas.openxmlformats.org/officeDocument/2006/relationships" xmlns:p="http://schemas.openxmlformats.org/presentationml/2006/main">
+  <p:cSld>
+    <p:spTree>
+      <p:nvGrpSpPr>
+        <p:cNvPr id="1" name=""/>
+        <p:cNvGrpSpPr/>
+        <p:nvPr/>
+      </p:nvGrpSpPr>
+      <p:grpSpPr>
+        <a:xfrm>
+          <a:off x="0" y="0"/>
+          <a:ext cx="0" cy="0"/>
+          <a:chOff x="0" y="0"/>
+          <a:chExt cx="0" cy="0"/>
+        </a:xfrm>
+      </p:grpSpPr>
+      <p:sp>
+        <p:nvSpPr>
+          <p:cNvPr id="2" name="Slide Image Placeholder 1"/>
+          <p:cNvSpPr>
+            <a:spLocks noGrp="1" noRot="1" noChangeAspect="1"/>
+          </p:cNvSpPr>
+          <p:nvPr>
+            <p:ph type="sldImg"/>
+          </p:nvPr>
+        </p:nvSpPr>
+        <p:spPr/>
+      </p:sp>
+      <p:sp>
+        <p:nvSpPr>
+          <p:cNvPr id="3" name="Notes Placeholder 2"/>
+          <p:cNvSpPr>
+            <a:spLocks noGrp="1"/>
+          </p:cNvSpPr>
+          <p:nvPr>
+            <p:ph type="body" idx="1"/>
+          </p:nvPr>
+        </p:nvSpPr>
+        <p:spPr/>
+        <p:txBody>
+          <a:bodyPr/>
+          <a:lstStyle/>
+          <a:p>
+            <a:endParaRPr lang="en-US"/>
+          </a:p>
+        </p:txBody>
+      </p:sp>
+      <p:sp>
+        <p:nvSpPr>
+          <p:cNvPr id="4" name="Slide Number Placeholder 3"/>
+          <p:cNvSpPr>
+            <a:spLocks noGrp="1"/>
+          </p:cNvSpPr>
+          <p:nvPr>
+            <p:ph type="sldNum" sz="quarter" idx="10"/>
+          </p:nvPr>
+        </p:nvSpPr>
+        <p:spPr/>
+        <p:txBody>
+          <a:bodyPr/>
+          <a:lstStyle/>
+          <a:p>
+            <a:fld id="{8574AEAE-F28A-48C5-9504-CA443EB5FEA4}" type="slidenum">
+              <a:rPr lang="en-US" smtClean="0"/>
+              <a:pPr/>
+              <a:t>6</a:t>
+            </a:fld>
+            <a:endParaRPr lang="en-US" dirty="0"/>
+          </a:p>
+        </p:txBody>
+      </p:sp>
+    </p:spTree>
+    <p:extLst>
+      <p:ext uri="{BB962C8B-B14F-4D97-AF65-F5344CB8AC3E}">
+        <p14:creationId xmlns:p14="http://schemas.microsoft.com/office/powerpoint/2010/main" val="1322547092"/>
+      </p:ext>
+    </p:extLst>
+  </p:cSld>
+  <p:clrMapOvr>
+    <a:masterClrMapping/>
+  </p:clrMapOvr>
+</p:notes>
+</file>
+
+<file path=ppt/notesSlides/notesSlide7.xml><?xml version="1.0" encoding="utf-8"?>
+<p:notes xmlns:a="http://schemas.openxmlformats.org/drawingml/2006/main" xmlns:r="http://schemas.openxmlformats.org/officeDocument/2006/relationships" xmlns:p="http://schemas.openxmlformats.org/presentationml/2006/main">
+  <p:cSld>
+    <p:spTree>
+      <p:nvGrpSpPr>
+        <p:cNvPr id="1" name=""/>
+        <p:cNvGrpSpPr/>
+        <p:nvPr/>
+      </p:nvGrpSpPr>
+      <p:grpSpPr>
+        <a:xfrm>
+          <a:off x="0" y="0"/>
+          <a:ext cx="0" cy="0"/>
+          <a:chOff x="0" y="0"/>
+          <a:chExt cx="0" cy="0"/>
+        </a:xfrm>
+      </p:grpSpPr>
+      <p:sp>
+        <p:nvSpPr>
+          <p:cNvPr id="2" name="Slide Image Placeholder 1"/>
+          <p:cNvSpPr>
+            <a:spLocks noGrp="1" noRot="1" noChangeAspect="1"/>
+          </p:cNvSpPr>
+          <p:nvPr>
+            <p:ph type="sldImg"/>
+          </p:nvPr>
+        </p:nvSpPr>
+        <p:spPr/>
+      </p:sp>
+      <p:sp>
+        <p:nvSpPr>
+          <p:cNvPr id="3" name="Notes Placeholder 2"/>
+          <p:cNvSpPr>
+            <a:spLocks noGrp="1"/>
+          </p:cNvSpPr>
+          <p:nvPr>
+            <p:ph type="body" idx="1"/>
+          </p:nvPr>
+        </p:nvSpPr>
+        <p:spPr/>
+        <p:txBody>
+          <a:bodyPr/>
+          <a:lstStyle/>
+          <a:p>
+            <a:endParaRPr lang="en-US"/>
+          </a:p>
+        </p:txBody>
+      </p:sp>
+      <p:sp>
+        <p:nvSpPr>
+          <p:cNvPr id="4" name="Slide Number Placeholder 3"/>
+          <p:cNvSpPr>
+            <a:spLocks noGrp="1"/>
+          </p:cNvSpPr>
+          <p:nvPr>
+            <p:ph type="sldNum" sz="quarter" idx="10"/>
+          </p:nvPr>
+        </p:nvSpPr>
+        <p:spPr/>
+        <p:txBody>
+          <a:bodyPr/>
+          <a:lstStyle/>
+          <a:p>
+            <a:fld id="{8574AEAE-F28A-48C5-9504-CA443EB5FEA4}" type="slidenum">
+              <a:rPr lang="en-US" smtClean="0"/>
+              <a:pPr/>
+              <a:t>7</a:t>
+            </a:fld>
+            <a:endParaRPr lang="en-US" dirty="0"/>
+          </a:p>
+        </p:txBody>
+      </p:sp>
+    </p:spTree>
+    <p:extLst>
+      <p:ext uri="{BB962C8B-B14F-4D97-AF65-F5344CB8AC3E}">
+        <p14:creationId xmlns:p14="http://schemas.microsoft.com/office/powerpoint/2010/main" val="2115518284"/>
+      </p:ext>
+    </p:extLst>
+  </p:cSld>
+  <p:clrMapOvr>
+    <a:masterClrMapping/>
+  </p:clrMapOvr>
+</p:notes>
+</file>
+
+<file path=ppt/notesSlides/notesSlide8.xml><?xml version="1.0" encoding="utf-8"?>
+<p:notes xmlns:a="http://schemas.openxmlformats.org/drawingml/2006/main" xmlns:r="http://schemas.openxmlformats.org/officeDocument/2006/relationships" xmlns:p="http://schemas.openxmlformats.org/presentationml/2006/main">
+  <p:cSld>
+    <p:spTree>
+      <p:nvGrpSpPr>
+        <p:cNvPr id="1" name=""/>
+        <p:cNvGrpSpPr/>
+        <p:nvPr/>
+      </p:nvGrpSpPr>
+      <p:grpSpPr>
+        <a:xfrm>
+          <a:off x="0" y="0"/>
+          <a:ext cx="0" cy="0"/>
+          <a:chOff x="0" y="0"/>
+          <a:chExt cx="0" cy="0"/>
+        </a:xfrm>
+      </p:grpSpPr>
+      <p:sp>
+        <p:nvSpPr>
+          <p:cNvPr id="2" name="Slide Image Placeholder 1"/>
+          <p:cNvSpPr>
+            <a:spLocks noGrp="1" noRot="1" noChangeAspect="1"/>
+          </p:cNvSpPr>
+          <p:nvPr>
+            <p:ph type="sldImg"/>
+          </p:nvPr>
+        </p:nvSpPr>
+        <p:spPr/>
+      </p:sp>
+      <p:sp>
+        <p:nvSpPr>
+          <p:cNvPr id="3" name="Notes Placeholder 2"/>
+          <p:cNvSpPr>
+            <a:spLocks noGrp="1"/>
+          </p:cNvSpPr>
+          <p:nvPr>
+            <p:ph type="body" idx="1"/>
+          </p:nvPr>
+        </p:nvSpPr>
+        <p:spPr/>
+        <p:txBody>
+          <a:bodyPr/>
+          <a:lstStyle/>
+          <a:p>
+            <a:endParaRPr lang="en-US"/>
+          </a:p>
+        </p:txBody>
+      </p:sp>
+      <p:sp>
+        <p:nvSpPr>
+          <p:cNvPr id="4" name="Slide Number Placeholder 3"/>
+          <p:cNvSpPr>
+            <a:spLocks noGrp="1"/>
+          </p:cNvSpPr>
+          <p:nvPr>
+            <p:ph type="sldNum" sz="quarter" idx="10"/>
+          </p:nvPr>
+        </p:nvSpPr>
+        <p:spPr/>
+        <p:txBody>
+          <a:bodyPr/>
+          <a:lstStyle/>
+          <a:p>
+            <a:fld id="{8574AEAE-F28A-48C5-9504-CA443EB5FEA4}" type="slidenum">
+              <a:rPr lang="en-US" smtClean="0"/>
+              <a:pPr/>
+              <a:t>8</a:t>
+            </a:fld>
+            <a:endParaRPr lang="en-US" dirty="0"/>
+          </a:p>
+        </p:txBody>
+      </p:sp>
+    </p:spTree>
+    <p:extLst>
+      <p:ext uri="{BB962C8B-B14F-4D97-AF65-F5344CB8AC3E}">
+        <p14:creationId xmlns:p14="http://schemas.microsoft.com/office/powerpoint/2010/main" val="663511113"/>
+      </p:ext>
+    </p:extLst>
+  </p:cSld>
+  <p:clrMapOvr>
+    <a:masterClrMapping/>
+  </p:clrMapOvr>
+</p:notes>
+</file>
+
+<file path=ppt/notesSlides/notesSlide9.xml><?xml version="1.0" encoding="utf-8"?>
+<p:notes xmlns:a="http://schemas.openxmlformats.org/drawingml/2006/main" xmlns:r="http://schemas.openxmlformats.org/officeDocument/2006/relationships" xmlns:p="http://schemas.openxmlformats.org/presentationml/2006/main">
+  <p:cSld>
+    <p:spTree>
+      <p:nvGrpSpPr>
+        <p:cNvPr id="1" name=""/>
+        <p:cNvGrpSpPr/>
+        <p:nvPr/>
+      </p:nvGrpSpPr>
+      <p:grpSpPr>
+        <a:xfrm>
+          <a:off x="0" y="0"/>
+          <a:ext cx="0" cy="0"/>
+          <a:chOff x="0" y="0"/>
+          <a:chExt cx="0" cy="0"/>
+        </a:xfrm>
+      </p:grpSpPr>
+      <p:sp>
+        <p:nvSpPr>
+          <p:cNvPr id="2" name="Slide Image Placeholder 1"/>
+          <p:cNvSpPr>
+            <a:spLocks noGrp="1" noRot="1" noChangeAspect="1"/>
+          </p:cNvSpPr>
+          <p:nvPr>
+            <p:ph type="sldImg"/>
+          </p:nvPr>
+        </p:nvSpPr>
+        <p:spPr/>
+      </p:sp>
+      <p:sp>
+        <p:nvSpPr>
+          <p:cNvPr id="3" name="Notes Placeholder 2"/>
+          <p:cNvSpPr>
+            <a:spLocks noGrp="1"/>
+          </p:cNvSpPr>
+          <p:nvPr>
+            <p:ph type="body" idx="1"/>
+          </p:nvPr>
+        </p:nvSpPr>
+        <p:spPr/>
+        <p:txBody>
+          <a:bodyPr/>
+          <a:lstStyle/>
+          <a:p>
+            <a:endParaRPr lang="en-US"/>
+          </a:p>
+        </p:txBody>
+      </p:sp>
+      <p:sp>
+        <p:nvSpPr>
+          <p:cNvPr id="4" name="Slide Number Placeholder 3"/>
+          <p:cNvSpPr>
+            <a:spLocks noGrp="1"/>
+          </p:cNvSpPr>
+          <p:nvPr>
+            <p:ph type="sldNum" sz="quarter" idx="10"/>
+          </p:nvPr>
+        </p:nvSpPr>
+        <p:spPr/>
+        <p:txBody>
+          <a:bodyPr/>
+          <a:lstStyle/>
+          <a:p>
+            <a:fld id="{8574AEAE-F28A-48C5-9504-CA443EB5FEA4}" type="slidenum">
+              <a:rPr lang="en-US" smtClean="0"/>
+              <a:pPr/>
+              <a:t>9</a:t>
+            </a:fld>
+            <a:endParaRPr lang="en-US" dirty="0"/>
+          </a:p>
+        </p:txBody>
+      </p:sp>
+    </p:spTree>
+    <p:extLst>
+      <p:ext uri="{BB962C8B-B14F-4D97-AF65-F5344CB8AC3E}">
+        <p14:creationId xmlns:p14="http://schemas.microsoft.com/office/powerpoint/2010/main" val="3950328042"/>
+      </p:ext>
+    </p:extLst>
+  </p:cSld>
+  <p:clrMapOvr>
+    <a:masterClrMapping/>
+  </p:clrMapOvr>
+</p:notes>
 </file>
 
 <file path=ppt/slideLayouts/slideLayout1.xml><?xml version="1.0" encoding="utf-8"?>
@@ -4255,7 +6723,7 @@
             <a:pPr eaLnBrk="1" hangingPunct="1"/>
             <a:r>
               <a:rPr lang="en-US" dirty="0">
-                <a:hlinkClick r:id="rId2"/>
+                <a:hlinkClick r:id="rId3"/>
               </a:rPr>
               <a:t>pcomitz@live.com</a:t>
             </a:r>
@@ -4321,7 +6789,7 @@
           <p:nvPr/>
         </p:nvPicPr>
         <p:blipFill>
-          <a:blip r:embed="rId3">
+          <a:blip r:embed="rId4">
             <a:extLst>
               <a:ext uri="{28A0092B-C50C-407E-A947-70E740481C1C}">
                 <a14:useLocalDpi xmlns:a14="http://schemas.microsoft.com/office/drawing/2010/main" val="0"/>
@@ -7439,7 +9907,7 @@
           <p:nvPr/>
         </p:nvPicPr>
         <p:blipFill>
-          <a:blip r:embed="rId2">
+          <a:blip r:embed="rId3">
             <a:extLst>
               <a:ext uri="{28A0092B-C50C-407E-A947-70E740481C1C}">
                 <a14:useLocalDpi xmlns:a14="http://schemas.microsoft.com/office/drawing/2010/main" val="0"/>
@@ -7557,7 +10025,7 @@
           <p:nvPr/>
         </p:nvPicPr>
         <p:blipFill>
-          <a:blip r:embed="rId3">
+          <a:blip r:embed="rId4">
             <a:extLst>
               <a:ext uri="{28A0092B-C50C-407E-A947-70E740481C1C}">
                 <a14:useLocalDpi xmlns:a14="http://schemas.microsoft.com/office/drawing/2010/main" val="0"/>
@@ -7593,7 +10061,7 @@
           <p:nvPr/>
         </p:nvPicPr>
         <p:blipFill>
-          <a:blip r:embed="rId4">
+          <a:blip r:embed="rId5">
             <a:extLst>
               <a:ext uri="{28A0092B-C50C-407E-A947-70E740481C1C}">
                 <a14:useLocalDpi xmlns:a14="http://schemas.microsoft.com/office/drawing/2010/main" val="0"/>
@@ -7741,7 +10209,7 @@
           <p:nvPr/>
         </p:nvPicPr>
         <p:blipFill>
-          <a:blip r:embed="rId2">
+          <a:blip r:embed="rId3">
             <a:extLst>
               <a:ext uri="{28A0092B-C50C-407E-A947-70E740481C1C}">
                 <a14:useLocalDpi xmlns:a14="http://schemas.microsoft.com/office/drawing/2010/main" val="0"/>
@@ -7777,7 +10245,7 @@
           <p:nvPr/>
         </p:nvPicPr>
         <p:blipFill>
-          <a:blip r:embed="rId3">
+          <a:blip r:embed="rId4">
             <a:extLst>
               <a:ext uri="{28A0092B-C50C-407E-A947-70E740481C1C}">
                 <a14:useLocalDpi xmlns:a14="http://schemas.microsoft.com/office/drawing/2010/main" val="0"/>
@@ -8037,6 +10505,1149 @@
       </p:grpSpPr>
       <p:sp>
         <p:nvSpPr>
+          <p:cNvPr id="2" name="Title 1"/>
+          <p:cNvSpPr>
+            <a:spLocks noGrp="1"/>
+          </p:cNvSpPr>
+          <p:nvPr>
+            <p:ph type="title"/>
+          </p:nvPr>
+        </p:nvSpPr>
+        <p:spPr/>
+        <p:txBody>
+          <a:bodyPr/>
+          <a:lstStyle/>
+          <a:p>
+            <a:r>
+              <a:rPr lang="en-US" dirty="0"/>
+              <a:t>Backpropagation</a:t>
+            </a:r>
+          </a:p>
+        </p:txBody>
+      </p:sp>
+      <p:sp>
+        <p:nvSpPr>
+          <p:cNvPr id="3" name="Content Placeholder 2"/>
+          <p:cNvSpPr>
+            <a:spLocks noGrp="1"/>
+          </p:cNvSpPr>
+          <p:nvPr>
+            <p:ph idx="1"/>
+          </p:nvPr>
+        </p:nvSpPr>
+        <p:spPr/>
+        <p:txBody>
+          <a:bodyPr/>
+          <a:lstStyle/>
+          <a:p>
+            <a:endParaRPr lang="en-US" dirty="0"/>
+          </a:p>
+        </p:txBody>
+      </p:sp>
+    </p:spTree>
+    <p:extLst>
+      <p:ext uri="{BB962C8B-B14F-4D97-AF65-F5344CB8AC3E}">
+        <p14:creationId xmlns:p14="http://schemas.microsoft.com/office/powerpoint/2010/main" val="814956194"/>
+      </p:ext>
+    </p:extLst>
+  </p:cSld>
+  <p:clrMapOvr>
+    <a:masterClrMapping/>
+  </p:clrMapOvr>
+</p:sld>
+</file>
+
+<file path=ppt/slides/slide16.xml><?xml version="1.0" encoding="utf-8"?>
+<p:sld xmlns:a="http://schemas.openxmlformats.org/drawingml/2006/main" xmlns:r="http://schemas.openxmlformats.org/officeDocument/2006/relationships" xmlns:p="http://schemas.openxmlformats.org/presentationml/2006/main">
+  <p:cSld>
+    <p:spTree>
+      <p:nvGrpSpPr>
+        <p:cNvPr id="1" name=""/>
+        <p:cNvGrpSpPr/>
+        <p:nvPr/>
+      </p:nvGrpSpPr>
+      <p:grpSpPr>
+        <a:xfrm>
+          <a:off x="0" y="0"/>
+          <a:ext cx="0" cy="0"/>
+          <a:chOff x="0" y="0"/>
+          <a:chExt cx="0" cy="0"/>
+        </a:xfrm>
+      </p:grpSpPr>
+      <p:sp>
+        <p:nvSpPr>
+          <p:cNvPr id="5" name="Rectangle: Rounded Corners 4"/>
+          <p:cNvSpPr/>
+          <p:nvPr/>
+        </p:nvSpPr>
+        <p:spPr>
+          <a:xfrm>
+            <a:off x="685800" y="4038600"/>
+            <a:ext cx="8034969" cy="1600200"/>
+          </a:xfrm>
+          <a:prstGeom prst="roundRect">
+            <a:avLst/>
+          </a:prstGeom>
+          <a:gradFill flip="none" rotWithShape="1">
+            <a:gsLst>
+              <a:gs pos="0">
+                <a:schemeClr val="accent1">
+                  <a:tint val="66000"/>
+                  <a:satMod val="160000"/>
+                </a:schemeClr>
+              </a:gs>
+              <a:gs pos="50000">
+                <a:schemeClr val="accent1">
+                  <a:tint val="44500"/>
+                  <a:satMod val="160000"/>
+                </a:schemeClr>
+              </a:gs>
+              <a:gs pos="100000">
+                <a:schemeClr val="accent1">
+                  <a:tint val="23500"/>
+                  <a:satMod val="160000"/>
+                </a:schemeClr>
+              </a:gs>
+            </a:gsLst>
+            <a:lin ang="2700000" scaled="1"/>
+            <a:tileRect/>
+          </a:gradFill>
+        </p:spPr>
+        <p:style>
+          <a:lnRef idx="2">
+            <a:schemeClr val="accent1">
+              <a:shade val="50000"/>
+            </a:schemeClr>
+          </a:lnRef>
+          <a:fillRef idx="1">
+            <a:schemeClr val="accent1"/>
+          </a:fillRef>
+          <a:effectRef idx="0">
+            <a:schemeClr val="accent1"/>
+          </a:effectRef>
+          <a:fontRef idx="minor">
+            <a:schemeClr val="lt1"/>
+          </a:fontRef>
+        </p:style>
+        <p:txBody>
+          <a:bodyPr rtlCol="0" anchor="ctr"/>
+          <a:lstStyle/>
+          <a:p>
+            <a:pPr algn="ctr"/>
+            <a:endParaRPr lang="en-US"/>
+          </a:p>
+        </p:txBody>
+      </p:sp>
+      <p:sp>
+        <p:nvSpPr>
+          <p:cNvPr id="2" name="Title 1"/>
+          <p:cNvSpPr>
+            <a:spLocks noGrp="1"/>
+          </p:cNvSpPr>
+          <p:nvPr>
+            <p:ph type="title"/>
+          </p:nvPr>
+        </p:nvSpPr>
+        <p:spPr/>
+        <p:txBody>
+          <a:bodyPr/>
+          <a:lstStyle/>
+          <a:p>
+            <a:r>
+              <a:rPr lang="en-US" dirty="0"/>
+              <a:t>TensorFlow</a:t>
+            </a:r>
+          </a:p>
+        </p:txBody>
+      </p:sp>
+      <p:sp>
+        <p:nvSpPr>
+          <p:cNvPr id="3" name="Content Placeholder 2"/>
+          <p:cNvSpPr>
+            <a:spLocks noGrp="1"/>
+          </p:cNvSpPr>
+          <p:nvPr>
+            <p:ph idx="1"/>
+          </p:nvPr>
+        </p:nvSpPr>
+        <p:spPr>
+          <a:xfrm>
+            <a:off x="457200" y="1600201"/>
+            <a:ext cx="8229600" cy="2438400"/>
+          </a:xfrm>
+        </p:spPr>
+        <p:txBody>
+          <a:bodyPr/>
+          <a:lstStyle/>
+          <a:p>
+            <a:r>
+              <a:rPr lang="en-US" dirty="0"/>
+              <a:t>Open source machine learning framework </a:t>
+            </a:r>
+          </a:p>
+          <a:p>
+            <a:r>
+              <a:rPr lang="en-US" dirty="0"/>
+              <a:t>Released approx. 1 year ago</a:t>
+            </a:r>
+          </a:p>
+          <a:p>
+            <a:r>
+              <a:rPr lang="en-US" dirty="0"/>
+              <a:t>Current version is 1.2</a:t>
+            </a:r>
+          </a:p>
+          <a:p>
+            <a:pPr lvl="1"/>
+            <a:r>
+              <a:rPr lang="en-US" dirty="0"/>
+              <a:t>APIs in Python, Java, C, Go</a:t>
+            </a:r>
+          </a:p>
+          <a:p>
+            <a:pPr marL="344487" lvl="1" indent="0">
+              <a:buNone/>
+            </a:pPr>
+            <a:endParaRPr lang="en-US" dirty="0"/>
+          </a:p>
+          <a:p>
+            <a:pPr marL="344487" lvl="1" indent="0">
+              <a:buNone/>
+            </a:pPr>
+            <a:r>
+              <a:rPr lang="en-US" sz="2000" i="1" dirty="0"/>
+              <a:t>A software library for numerical computation using data flow graphs. Nodes in the graph represent mathematical operations, while the graph edges represent the multidimensional data arrays (tensors) </a:t>
+            </a:r>
+          </a:p>
+          <a:p>
+            <a:pPr marL="344487" lvl="1" indent="0">
+              <a:buNone/>
+            </a:pPr>
+            <a:r>
+              <a:rPr lang="en-US" sz="2000" i="1" dirty="0"/>
+              <a:t>communicated between them. </a:t>
+            </a:r>
+            <a:endParaRPr lang="en-US" sz="2000" i="1" dirty="0"/>
+          </a:p>
+        </p:txBody>
+      </p:sp>
+      <p:pic>
+        <p:nvPicPr>
+          <p:cNvPr id="4" name="Picture 3">
+            <a:extLst/>
+          </p:cNvPr>
+          <p:cNvPicPr>
+            <a:picLocks noChangeAspect="1"/>
+          </p:cNvPicPr>
+          <p:nvPr/>
+        </p:nvPicPr>
+        <p:blipFill>
+          <a:blip r:embed="rId2">
+            <a:extLst>
+              <a:ext uri="{28A0092B-C50C-407E-A947-70E740481C1C}">
+                <a14:useLocalDpi xmlns:a14="http://schemas.microsoft.com/office/drawing/2010/main" val="0"/>
+              </a:ext>
+            </a:extLst>
+          </a:blip>
+          <a:stretch>
+            <a:fillRect/>
+          </a:stretch>
+        </p:blipFill>
+        <p:spPr>
+          <a:xfrm>
+            <a:off x="6968169" y="459887"/>
+            <a:ext cx="1752600" cy="1016508"/>
+          </a:xfrm>
+          <a:prstGeom prst="rect">
+            <a:avLst/>
+          </a:prstGeom>
+        </p:spPr>
+      </p:pic>
+      <p:sp>
+        <p:nvSpPr>
+          <p:cNvPr id="6" name="TextBox 5"/>
+          <p:cNvSpPr txBox="1"/>
+          <p:nvPr/>
+        </p:nvSpPr>
+        <p:spPr>
+          <a:xfrm>
+            <a:off x="6477000" y="5295175"/>
+            <a:ext cx="1787669" cy="246221"/>
+          </a:xfrm>
+          <a:prstGeom prst="rect">
+            <a:avLst/>
+          </a:prstGeom>
+          <a:noFill/>
+        </p:spPr>
+        <p:txBody>
+          <a:bodyPr wrap="none" rtlCol="0">
+            <a:spAutoFit/>
+          </a:bodyPr>
+          <a:lstStyle/>
+          <a:p>
+            <a:r>
+              <a:rPr lang="en-US" dirty="0">
+                <a:hlinkClick r:id="rId3"/>
+              </a:rPr>
+              <a:t> https://www.tensorflow.org</a:t>
+            </a:r>
+            <a:r>
+              <a:rPr lang="en-US" dirty="0"/>
+              <a:t>/</a:t>
+            </a:r>
+            <a:endParaRPr lang="en-US" dirty="0"/>
+          </a:p>
+        </p:txBody>
+      </p:sp>
+    </p:spTree>
+    <p:extLst>
+      <p:ext uri="{BB962C8B-B14F-4D97-AF65-F5344CB8AC3E}">
+        <p14:creationId xmlns:p14="http://schemas.microsoft.com/office/powerpoint/2010/main" val="917527012"/>
+      </p:ext>
+    </p:extLst>
+  </p:cSld>
+  <p:clrMapOvr>
+    <a:masterClrMapping/>
+  </p:clrMapOvr>
+</p:sld>
+</file>
+
+<file path=ppt/slides/slide17.xml><?xml version="1.0" encoding="utf-8"?>
+<p:sld xmlns:a="http://schemas.openxmlformats.org/drawingml/2006/main" xmlns:r="http://schemas.openxmlformats.org/officeDocument/2006/relationships" xmlns:p="http://schemas.openxmlformats.org/presentationml/2006/main">
+  <p:cSld>
+    <p:spTree>
+      <p:nvGrpSpPr>
+        <p:cNvPr id="1" name=""/>
+        <p:cNvGrpSpPr/>
+        <p:nvPr/>
+      </p:nvGrpSpPr>
+      <p:grpSpPr>
+        <a:xfrm>
+          <a:off x="0" y="0"/>
+          <a:ext cx="0" cy="0"/>
+          <a:chOff x="0" y="0"/>
+          <a:chExt cx="0" cy="0"/>
+        </a:xfrm>
+      </p:grpSpPr>
+      <p:sp>
+        <p:nvSpPr>
+          <p:cNvPr id="2" name="Title 1"/>
+          <p:cNvSpPr>
+            <a:spLocks noGrp="1"/>
+          </p:cNvSpPr>
+          <p:nvPr>
+            <p:ph type="title"/>
+          </p:nvPr>
+        </p:nvSpPr>
+        <p:spPr/>
+        <p:txBody>
+          <a:bodyPr/>
+          <a:lstStyle/>
+          <a:p>
+            <a:r>
+              <a:rPr lang="en-US" dirty="0"/>
+              <a:t>So …what’s a tensor?</a:t>
+            </a:r>
+            <a:br>
+              <a:rPr lang="en-US" dirty="0"/>
+            </a:br>
+            <a:r>
+              <a:rPr lang="en-US" sz="1000" dirty="0"/>
+              <a:t>(</a:t>
+            </a:r>
+            <a:r>
+              <a:rPr lang="en-US" sz="1000" dirty="0"/>
+              <a:t>https://www.tensorflow.org/get_started/get_started</a:t>
+            </a:r>
+            <a:r>
+              <a:rPr lang="en-US" sz="1000" dirty="0"/>
+              <a:t>) </a:t>
+            </a:r>
+          </a:p>
+        </p:txBody>
+      </p:sp>
+      <p:sp>
+        <p:nvSpPr>
+          <p:cNvPr id="3" name="Content Placeholder 2"/>
+          <p:cNvSpPr>
+            <a:spLocks noGrp="1"/>
+          </p:cNvSpPr>
+          <p:nvPr>
+            <p:ph idx="1"/>
+          </p:nvPr>
+        </p:nvSpPr>
+        <p:spPr>
+          <a:xfrm>
+            <a:off x="457200" y="1447800"/>
+            <a:ext cx="8229600" cy="685800"/>
+          </a:xfrm>
+        </p:spPr>
+        <p:txBody>
+          <a:bodyPr/>
+          <a:lstStyle/>
+          <a:p>
+            <a:r>
+              <a:rPr lang="en-US" dirty="0"/>
+              <a:t>Central unit of data in TensorFlow</a:t>
+            </a:r>
+          </a:p>
+          <a:p>
+            <a:r>
+              <a:rPr lang="en-US" dirty="0"/>
+              <a:t>Multidimensional data array</a:t>
+            </a:r>
+          </a:p>
+          <a:p>
+            <a:pPr lvl="1"/>
+            <a:r>
+              <a:rPr lang="en-US" dirty="0"/>
+              <a:t>Rank – number of dimensions </a:t>
+            </a:r>
+          </a:p>
+        </p:txBody>
+      </p:sp>
+      <p:pic>
+        <p:nvPicPr>
+          <p:cNvPr id="5" name="Picture 4"/>
+          <p:cNvPicPr>
+            <a:picLocks noChangeAspect="1"/>
+          </p:cNvPicPr>
+          <p:nvPr/>
+        </p:nvPicPr>
+        <p:blipFill>
+          <a:blip r:embed="rId2">
+            <a:extLst>
+              <a:ext uri="{28A0092B-C50C-407E-A947-70E740481C1C}">
+                <a14:useLocalDpi xmlns:a14="http://schemas.microsoft.com/office/drawing/2010/main" val="0"/>
+              </a:ext>
+            </a:extLst>
+          </a:blip>
+          <a:stretch>
+            <a:fillRect/>
+          </a:stretch>
+        </p:blipFill>
+        <p:spPr>
+          <a:xfrm>
+            <a:off x="6248400" y="277813"/>
+            <a:ext cx="1867634" cy="1368424"/>
+          </a:xfrm>
+          <a:prstGeom prst="rect">
+            <a:avLst/>
+          </a:prstGeom>
+        </p:spPr>
+      </p:pic>
+      <p:sp>
+        <p:nvSpPr>
+          <p:cNvPr id="6" name="Rectangle 1"/>
+          <p:cNvSpPr>
+            <a:spLocks noChangeArrowheads="1"/>
+          </p:cNvSpPr>
+          <p:nvPr/>
+        </p:nvSpPr>
+        <p:spPr bwMode="auto">
+          <a:xfrm>
+            <a:off x="609600" y="3081333"/>
+            <a:ext cx="7385035" cy="1570884"/>
+          </a:xfrm>
+          <a:prstGeom prst="rect">
+            <a:avLst/>
+          </a:prstGeom>
+          <a:solidFill>
+            <a:srgbClr val="F7F7F7"/>
+          </a:solidFill>
+          <a:ln>
+            <a:noFill/>
+          </a:ln>
+          <a:effectLst/>
+          <a:extLst>
+            <a:ext uri="{91240B29-F687-4F45-9708-019B960494DF}">
+              <a14:hiddenLine xmlns:a14="http://schemas.microsoft.com/office/drawing/2010/main" w="9525">
+                <a:solidFill>
+                  <a:schemeClr val="tx1"/>
+                </a:solidFill>
+                <a:miter lim="800000"/>
+                <a:headEnd/>
+                <a:tailEnd/>
+              </a14:hiddenLine>
+            </a:ext>
+            <a:ext uri="{AF507438-7753-43E0-B8FC-AC1667EBCBE1}">
+              <a14:hiddenEffects xmlns:a14="http://schemas.microsoft.com/office/drawing/2010/main">
+                <a:effectLst>
+                  <a:outerShdw dist="35921" dir="2700000" algn="ctr" rotWithShape="0">
+                    <a:schemeClr val="bg2"/>
+                  </a:outerShdw>
+                </a:effectLst>
+              </a14:hiddenEffects>
+            </a:ext>
+          </a:extLst>
+        </p:spPr>
+        <p:txBody>
+          <a:bodyPr vert="horz" wrap="none" lIns="0" tIns="92046" rIns="0" bIns="92046" numCol="1" anchor="ctr" anchorCtr="0" compatLnSpc="1">
+            <a:prstTxWarp prst="textNoShape">
+              <a:avLst/>
+            </a:prstTxWarp>
+            <a:spAutoFit/>
+          </a:bodyPr>
+          <a:lstStyle/>
+          <a:p>
+            <a:pPr marL="0" marR="0" lvl="0" indent="0" algn="l" defTabSz="914400" rtl="0" eaLnBrk="0" fontAlgn="base" latinLnBrk="0" hangingPunct="0">
+              <a:lnSpc>
+                <a:spcPct val="100000"/>
+              </a:lnSpc>
+              <a:spcBef>
+                <a:spcPct val="0"/>
+              </a:spcBef>
+              <a:spcAft>
+                <a:spcPct val="0"/>
+              </a:spcAft>
+              <a:buClrTx/>
+              <a:buSzTx/>
+              <a:buFontTx/>
+              <a:buNone/>
+              <a:tabLst/>
+            </a:pPr>
+            <a:br>
+              <a:rPr kumimoji="0" lang="en-US" altLang="en-US" sz="1000" b="0" i="0" u="none" strike="noStrike" cap="none" normalizeH="0" baseline="0" dirty="0">
+                <a:ln>
+                  <a:noFill/>
+                </a:ln>
+                <a:solidFill>
+                  <a:srgbClr val="C53929"/>
+                </a:solidFill>
+                <a:effectLst/>
+                <a:latin typeface="Roboto Mono"/>
+              </a:rPr>
+            </a:br>
+            <a:r>
+              <a:rPr kumimoji="0" lang="en-US" altLang="en-US" sz="2000" b="0" i="0" u="none" strike="noStrike" cap="none" normalizeH="0" baseline="0" dirty="0">
+                <a:ln>
+                  <a:noFill/>
+                </a:ln>
+                <a:solidFill>
+                  <a:srgbClr val="C53929"/>
+                </a:solidFill>
+                <a:effectLst/>
+                <a:latin typeface="Roboto Mono"/>
+              </a:rPr>
+              <a:t>3</a:t>
+            </a:r>
+            <a:r>
+              <a:rPr kumimoji="0" lang="en-US" altLang="en-US" sz="2000" b="0" i="0" u="none" strike="noStrike" cap="none" normalizeH="0" baseline="0" dirty="0">
+                <a:ln>
+                  <a:noFill/>
+                </a:ln>
+                <a:solidFill>
+                  <a:srgbClr val="37474F"/>
+                </a:solidFill>
+                <a:effectLst/>
+                <a:latin typeface="Roboto Mono"/>
+              </a:rPr>
+              <a:t> </a:t>
+            </a:r>
+            <a:r>
+              <a:rPr kumimoji="0" lang="en-US" altLang="en-US" sz="2000" b="0" i="0" u="none" strike="noStrike" cap="none" normalizeH="0" baseline="0" dirty="0">
+                <a:ln>
+                  <a:noFill/>
+                </a:ln>
+                <a:solidFill>
+                  <a:srgbClr val="D81B60"/>
+                </a:solidFill>
+                <a:effectLst/>
+                <a:latin typeface="Roboto Mono"/>
+              </a:rPr>
+              <a:t># a rank 0 tensor; this is a scalar with shape []</a:t>
+            </a:r>
+            <a:br>
+              <a:rPr kumimoji="0" lang="en-US" altLang="en-US" sz="2000" b="0" i="0" u="none" strike="noStrike" cap="none" normalizeH="0" baseline="0" dirty="0">
+                <a:ln>
+                  <a:noFill/>
+                </a:ln>
+                <a:solidFill>
+                  <a:srgbClr val="37474F"/>
+                </a:solidFill>
+                <a:effectLst/>
+                <a:latin typeface="Roboto Mono"/>
+              </a:rPr>
+            </a:br>
+            <a:r>
+              <a:rPr kumimoji="0" lang="en-US" altLang="en-US" sz="2000" b="0" i="0" u="none" strike="noStrike" cap="none" normalizeH="0" baseline="0" dirty="0">
+                <a:ln>
+                  <a:noFill/>
+                </a:ln>
+                <a:solidFill>
+                  <a:srgbClr val="37474F"/>
+                </a:solidFill>
+                <a:effectLst/>
+                <a:latin typeface="Roboto Mono"/>
+              </a:rPr>
+              <a:t>[</a:t>
+            </a:r>
+            <a:r>
+              <a:rPr kumimoji="0" lang="en-US" altLang="en-US" sz="2000" b="0" i="0" u="none" strike="noStrike" cap="none" normalizeH="0" baseline="0" dirty="0">
+                <a:ln>
+                  <a:noFill/>
+                </a:ln>
+                <a:solidFill>
+                  <a:srgbClr val="C53929"/>
+                </a:solidFill>
+                <a:effectLst/>
+                <a:latin typeface="Roboto Mono"/>
+              </a:rPr>
+              <a:t>1.</a:t>
+            </a:r>
+            <a:r>
+              <a:rPr kumimoji="0" lang="en-US" altLang="en-US" sz="2000" b="0" i="0" u="none" strike="noStrike" cap="none" normalizeH="0" baseline="0" dirty="0">
+                <a:ln>
+                  <a:noFill/>
+                </a:ln>
+                <a:solidFill>
+                  <a:srgbClr val="37474F"/>
+                </a:solidFill>
+                <a:effectLst/>
+                <a:latin typeface="Roboto Mono"/>
+              </a:rPr>
+              <a:t> ,</a:t>
+            </a:r>
+            <a:r>
+              <a:rPr kumimoji="0" lang="en-US" altLang="en-US" sz="2000" b="0" i="0" u="none" strike="noStrike" cap="none" normalizeH="0" baseline="0" dirty="0">
+                <a:ln>
+                  <a:noFill/>
+                </a:ln>
+                <a:solidFill>
+                  <a:srgbClr val="C53929"/>
+                </a:solidFill>
+                <a:effectLst/>
+                <a:latin typeface="Roboto Mono"/>
+              </a:rPr>
+              <a:t>2.</a:t>
+            </a:r>
+            <a:r>
+              <a:rPr kumimoji="0" lang="en-US" altLang="en-US" sz="2000" b="0" i="0" u="none" strike="noStrike" cap="none" normalizeH="0" baseline="0" dirty="0">
+                <a:ln>
+                  <a:noFill/>
+                </a:ln>
+                <a:solidFill>
+                  <a:srgbClr val="37474F"/>
+                </a:solidFill>
+                <a:effectLst/>
+                <a:latin typeface="Roboto Mono"/>
+              </a:rPr>
+              <a:t>, </a:t>
+            </a:r>
+            <a:r>
+              <a:rPr kumimoji="0" lang="en-US" altLang="en-US" sz="2000" b="0" i="0" u="none" strike="noStrike" cap="none" normalizeH="0" baseline="0" dirty="0">
+                <a:ln>
+                  <a:noFill/>
+                </a:ln>
+                <a:solidFill>
+                  <a:srgbClr val="C53929"/>
+                </a:solidFill>
+                <a:effectLst/>
+                <a:latin typeface="Roboto Mono"/>
+              </a:rPr>
+              <a:t>3.</a:t>
+            </a:r>
+            <a:r>
+              <a:rPr kumimoji="0" lang="en-US" altLang="en-US" sz="2000" b="0" i="0" u="none" strike="noStrike" cap="none" normalizeH="0" baseline="0" dirty="0">
+                <a:ln>
+                  <a:noFill/>
+                </a:ln>
+                <a:solidFill>
+                  <a:srgbClr val="37474F"/>
+                </a:solidFill>
+                <a:effectLst/>
+                <a:latin typeface="Roboto Mono"/>
+              </a:rPr>
+              <a:t>] </a:t>
+            </a:r>
+            <a:r>
+              <a:rPr kumimoji="0" lang="en-US" altLang="en-US" sz="2000" b="0" i="0" u="none" strike="noStrike" cap="none" normalizeH="0" baseline="0" dirty="0">
+                <a:ln>
+                  <a:noFill/>
+                </a:ln>
+                <a:solidFill>
+                  <a:srgbClr val="D81B60"/>
+                </a:solidFill>
+                <a:effectLst/>
+                <a:latin typeface="Roboto Mono"/>
+              </a:rPr>
+              <a:t># a rank 1 tensor; this is a vector with shape [3]</a:t>
+            </a:r>
+            <a:br>
+              <a:rPr kumimoji="0" lang="en-US" altLang="en-US" sz="2000" b="0" i="0" u="none" strike="noStrike" cap="none" normalizeH="0" baseline="0" dirty="0">
+                <a:ln>
+                  <a:noFill/>
+                </a:ln>
+                <a:solidFill>
+                  <a:srgbClr val="37474F"/>
+                </a:solidFill>
+                <a:effectLst/>
+                <a:latin typeface="Roboto Mono"/>
+              </a:rPr>
+            </a:br>
+            <a:r>
+              <a:rPr kumimoji="0" lang="en-US" altLang="en-US" sz="2000" b="0" i="0" u="none" strike="noStrike" cap="none" normalizeH="0" baseline="0" dirty="0">
+                <a:ln>
+                  <a:noFill/>
+                </a:ln>
+                <a:solidFill>
+                  <a:srgbClr val="37474F"/>
+                </a:solidFill>
+                <a:effectLst/>
+                <a:latin typeface="Roboto Mono"/>
+              </a:rPr>
+              <a:t>[[</a:t>
+            </a:r>
+            <a:r>
+              <a:rPr kumimoji="0" lang="en-US" altLang="en-US" sz="2000" b="0" i="0" u="none" strike="noStrike" cap="none" normalizeH="0" baseline="0" dirty="0">
+                <a:ln>
+                  <a:noFill/>
+                </a:ln>
+                <a:solidFill>
+                  <a:srgbClr val="C53929"/>
+                </a:solidFill>
+                <a:effectLst/>
+                <a:latin typeface="Roboto Mono"/>
+              </a:rPr>
+              <a:t>1.</a:t>
+            </a:r>
+            <a:r>
+              <a:rPr kumimoji="0" lang="en-US" altLang="en-US" sz="2000" b="0" i="0" u="none" strike="noStrike" cap="none" normalizeH="0" baseline="0" dirty="0">
+                <a:ln>
+                  <a:noFill/>
+                </a:ln>
+                <a:solidFill>
+                  <a:srgbClr val="37474F"/>
+                </a:solidFill>
+                <a:effectLst/>
+                <a:latin typeface="Roboto Mono"/>
+              </a:rPr>
+              <a:t>, </a:t>
+            </a:r>
+            <a:r>
+              <a:rPr kumimoji="0" lang="en-US" altLang="en-US" sz="2000" b="0" i="0" u="none" strike="noStrike" cap="none" normalizeH="0" baseline="0" dirty="0">
+                <a:ln>
+                  <a:noFill/>
+                </a:ln>
+                <a:solidFill>
+                  <a:srgbClr val="C53929"/>
+                </a:solidFill>
+                <a:effectLst/>
+                <a:latin typeface="Roboto Mono"/>
+              </a:rPr>
+              <a:t>2.</a:t>
+            </a:r>
+            <a:r>
+              <a:rPr kumimoji="0" lang="en-US" altLang="en-US" sz="2000" b="0" i="0" u="none" strike="noStrike" cap="none" normalizeH="0" baseline="0" dirty="0">
+                <a:ln>
+                  <a:noFill/>
+                </a:ln>
+                <a:solidFill>
+                  <a:srgbClr val="37474F"/>
+                </a:solidFill>
+                <a:effectLst/>
+                <a:latin typeface="Roboto Mono"/>
+              </a:rPr>
+              <a:t>, </a:t>
+            </a:r>
+            <a:r>
+              <a:rPr kumimoji="0" lang="en-US" altLang="en-US" sz="2000" b="0" i="0" u="none" strike="noStrike" cap="none" normalizeH="0" baseline="0" dirty="0">
+                <a:ln>
+                  <a:noFill/>
+                </a:ln>
+                <a:solidFill>
+                  <a:srgbClr val="C53929"/>
+                </a:solidFill>
+                <a:effectLst/>
+                <a:latin typeface="Roboto Mono"/>
+              </a:rPr>
+              <a:t>3.</a:t>
+            </a:r>
+            <a:r>
+              <a:rPr kumimoji="0" lang="en-US" altLang="en-US" sz="2000" b="0" i="0" u="none" strike="noStrike" cap="none" normalizeH="0" baseline="0" dirty="0">
+                <a:ln>
+                  <a:noFill/>
+                </a:ln>
+                <a:solidFill>
+                  <a:srgbClr val="37474F"/>
+                </a:solidFill>
+                <a:effectLst/>
+                <a:latin typeface="Roboto Mono"/>
+              </a:rPr>
+              <a:t>], [</a:t>
+            </a:r>
+            <a:r>
+              <a:rPr kumimoji="0" lang="en-US" altLang="en-US" sz="2000" b="0" i="0" u="none" strike="noStrike" cap="none" normalizeH="0" baseline="0" dirty="0">
+                <a:ln>
+                  <a:noFill/>
+                </a:ln>
+                <a:solidFill>
+                  <a:srgbClr val="C53929"/>
+                </a:solidFill>
+                <a:effectLst/>
+                <a:latin typeface="Roboto Mono"/>
+              </a:rPr>
+              <a:t>4.</a:t>
+            </a:r>
+            <a:r>
+              <a:rPr kumimoji="0" lang="en-US" altLang="en-US" sz="2000" b="0" i="0" u="none" strike="noStrike" cap="none" normalizeH="0" baseline="0" dirty="0">
+                <a:ln>
+                  <a:noFill/>
+                </a:ln>
+                <a:solidFill>
+                  <a:srgbClr val="37474F"/>
+                </a:solidFill>
+                <a:effectLst/>
+                <a:latin typeface="Roboto Mono"/>
+              </a:rPr>
+              <a:t>, </a:t>
+            </a:r>
+            <a:r>
+              <a:rPr kumimoji="0" lang="en-US" altLang="en-US" sz="2000" b="0" i="0" u="none" strike="noStrike" cap="none" normalizeH="0" baseline="0" dirty="0">
+                <a:ln>
+                  <a:noFill/>
+                </a:ln>
+                <a:solidFill>
+                  <a:srgbClr val="C53929"/>
+                </a:solidFill>
+                <a:effectLst/>
+                <a:latin typeface="Roboto Mono"/>
+              </a:rPr>
+              <a:t>5.</a:t>
+            </a:r>
+            <a:r>
+              <a:rPr kumimoji="0" lang="en-US" altLang="en-US" sz="2000" b="0" i="0" u="none" strike="noStrike" cap="none" normalizeH="0" baseline="0" dirty="0">
+                <a:ln>
+                  <a:noFill/>
+                </a:ln>
+                <a:solidFill>
+                  <a:srgbClr val="37474F"/>
+                </a:solidFill>
+                <a:effectLst/>
+                <a:latin typeface="Roboto Mono"/>
+              </a:rPr>
+              <a:t>, </a:t>
+            </a:r>
+            <a:r>
+              <a:rPr kumimoji="0" lang="en-US" altLang="en-US" sz="2000" b="0" i="0" u="none" strike="noStrike" cap="none" normalizeH="0" baseline="0" dirty="0">
+                <a:ln>
+                  <a:noFill/>
+                </a:ln>
+                <a:solidFill>
+                  <a:srgbClr val="C53929"/>
+                </a:solidFill>
+                <a:effectLst/>
+                <a:latin typeface="Roboto Mono"/>
+              </a:rPr>
+              <a:t>6.</a:t>
+            </a:r>
+            <a:r>
+              <a:rPr kumimoji="0" lang="en-US" altLang="en-US" sz="2000" b="0" i="0" u="none" strike="noStrike" cap="none" normalizeH="0" baseline="0" dirty="0">
+                <a:ln>
+                  <a:noFill/>
+                </a:ln>
+                <a:solidFill>
+                  <a:srgbClr val="37474F"/>
+                </a:solidFill>
+                <a:effectLst/>
+                <a:latin typeface="Roboto Mono"/>
+              </a:rPr>
+              <a:t>]] </a:t>
+            </a:r>
+            <a:r>
+              <a:rPr kumimoji="0" lang="en-US" altLang="en-US" sz="2000" b="0" i="0" u="none" strike="noStrike" cap="none" normalizeH="0" baseline="0" dirty="0">
+                <a:ln>
+                  <a:noFill/>
+                </a:ln>
+                <a:solidFill>
+                  <a:srgbClr val="D81B60"/>
+                </a:solidFill>
+                <a:effectLst/>
+                <a:latin typeface="Roboto Mono"/>
+              </a:rPr>
+              <a:t># a rank 2 tensor; a matrix with shape [2, 3]</a:t>
+            </a:r>
+            <a:br>
+              <a:rPr kumimoji="0" lang="en-US" altLang="en-US" sz="2000" b="0" i="0" u="none" strike="noStrike" cap="none" normalizeH="0" baseline="0" dirty="0">
+                <a:ln>
+                  <a:noFill/>
+                </a:ln>
+                <a:solidFill>
+                  <a:srgbClr val="37474F"/>
+                </a:solidFill>
+                <a:effectLst/>
+                <a:latin typeface="Roboto Mono"/>
+              </a:rPr>
+            </a:br>
+            <a:r>
+              <a:rPr kumimoji="0" lang="en-US" altLang="en-US" sz="2000" b="0" i="0" u="none" strike="noStrike" cap="none" normalizeH="0" baseline="0" dirty="0">
+                <a:ln>
+                  <a:noFill/>
+                </a:ln>
+                <a:solidFill>
+                  <a:srgbClr val="37474F"/>
+                </a:solidFill>
+                <a:effectLst/>
+                <a:latin typeface="Roboto Mono"/>
+              </a:rPr>
+              <a:t>[[[</a:t>
+            </a:r>
+            <a:r>
+              <a:rPr kumimoji="0" lang="en-US" altLang="en-US" sz="2000" b="0" i="0" u="none" strike="noStrike" cap="none" normalizeH="0" baseline="0" dirty="0">
+                <a:ln>
+                  <a:noFill/>
+                </a:ln>
+                <a:solidFill>
+                  <a:srgbClr val="C53929"/>
+                </a:solidFill>
+                <a:effectLst/>
+                <a:latin typeface="Roboto Mono"/>
+              </a:rPr>
+              <a:t>1.</a:t>
+            </a:r>
+            <a:r>
+              <a:rPr kumimoji="0" lang="en-US" altLang="en-US" sz="2000" b="0" i="0" u="none" strike="noStrike" cap="none" normalizeH="0" baseline="0" dirty="0">
+                <a:ln>
+                  <a:noFill/>
+                </a:ln>
+                <a:solidFill>
+                  <a:srgbClr val="37474F"/>
+                </a:solidFill>
+                <a:effectLst/>
+                <a:latin typeface="Roboto Mono"/>
+              </a:rPr>
+              <a:t>, </a:t>
+            </a:r>
+            <a:r>
+              <a:rPr kumimoji="0" lang="en-US" altLang="en-US" sz="2000" b="0" i="0" u="none" strike="noStrike" cap="none" normalizeH="0" baseline="0" dirty="0">
+                <a:ln>
+                  <a:noFill/>
+                </a:ln>
+                <a:solidFill>
+                  <a:srgbClr val="C53929"/>
+                </a:solidFill>
+                <a:effectLst/>
+                <a:latin typeface="Roboto Mono"/>
+              </a:rPr>
+              <a:t>2.</a:t>
+            </a:r>
+            <a:r>
+              <a:rPr kumimoji="0" lang="en-US" altLang="en-US" sz="2000" b="0" i="0" u="none" strike="noStrike" cap="none" normalizeH="0" baseline="0" dirty="0">
+                <a:ln>
+                  <a:noFill/>
+                </a:ln>
+                <a:solidFill>
+                  <a:srgbClr val="37474F"/>
+                </a:solidFill>
+                <a:effectLst/>
+                <a:latin typeface="Roboto Mono"/>
+              </a:rPr>
+              <a:t>, </a:t>
+            </a:r>
+            <a:r>
+              <a:rPr kumimoji="0" lang="en-US" altLang="en-US" sz="2000" b="0" i="0" u="none" strike="noStrike" cap="none" normalizeH="0" baseline="0" dirty="0">
+                <a:ln>
+                  <a:noFill/>
+                </a:ln>
+                <a:solidFill>
+                  <a:srgbClr val="C53929"/>
+                </a:solidFill>
+                <a:effectLst/>
+                <a:latin typeface="Roboto Mono"/>
+              </a:rPr>
+              <a:t>3.</a:t>
+            </a:r>
+            <a:r>
+              <a:rPr kumimoji="0" lang="en-US" altLang="en-US" sz="2000" b="0" i="0" u="none" strike="noStrike" cap="none" normalizeH="0" baseline="0" dirty="0">
+                <a:ln>
+                  <a:noFill/>
+                </a:ln>
+                <a:solidFill>
+                  <a:srgbClr val="37474F"/>
+                </a:solidFill>
+                <a:effectLst/>
+                <a:latin typeface="Roboto Mono"/>
+              </a:rPr>
+              <a:t>]], [[</a:t>
+            </a:r>
+            <a:r>
+              <a:rPr kumimoji="0" lang="en-US" altLang="en-US" sz="2000" b="0" i="0" u="none" strike="noStrike" cap="none" normalizeH="0" baseline="0" dirty="0">
+                <a:ln>
+                  <a:noFill/>
+                </a:ln>
+                <a:solidFill>
+                  <a:srgbClr val="C53929"/>
+                </a:solidFill>
+                <a:effectLst/>
+                <a:latin typeface="Roboto Mono"/>
+              </a:rPr>
+              <a:t>7.</a:t>
+            </a:r>
+            <a:r>
+              <a:rPr kumimoji="0" lang="en-US" altLang="en-US" sz="2000" b="0" i="0" u="none" strike="noStrike" cap="none" normalizeH="0" baseline="0" dirty="0">
+                <a:ln>
+                  <a:noFill/>
+                </a:ln>
+                <a:solidFill>
+                  <a:srgbClr val="37474F"/>
+                </a:solidFill>
+                <a:effectLst/>
+                <a:latin typeface="Roboto Mono"/>
+              </a:rPr>
+              <a:t>, </a:t>
+            </a:r>
+            <a:r>
+              <a:rPr kumimoji="0" lang="en-US" altLang="en-US" sz="2000" b="0" i="0" u="none" strike="noStrike" cap="none" normalizeH="0" baseline="0" dirty="0">
+                <a:ln>
+                  <a:noFill/>
+                </a:ln>
+                <a:solidFill>
+                  <a:srgbClr val="C53929"/>
+                </a:solidFill>
+                <a:effectLst/>
+                <a:latin typeface="Roboto Mono"/>
+              </a:rPr>
+              <a:t>8.</a:t>
+            </a:r>
+            <a:r>
+              <a:rPr kumimoji="0" lang="en-US" altLang="en-US" sz="2000" b="0" i="0" u="none" strike="noStrike" cap="none" normalizeH="0" baseline="0" dirty="0">
+                <a:ln>
+                  <a:noFill/>
+                </a:ln>
+                <a:solidFill>
+                  <a:srgbClr val="37474F"/>
+                </a:solidFill>
+                <a:effectLst/>
+                <a:latin typeface="Roboto Mono"/>
+              </a:rPr>
+              <a:t>, </a:t>
+            </a:r>
+            <a:r>
+              <a:rPr kumimoji="0" lang="en-US" altLang="en-US" sz="2000" b="0" i="0" u="none" strike="noStrike" cap="none" normalizeH="0" baseline="0" dirty="0">
+                <a:ln>
+                  <a:noFill/>
+                </a:ln>
+                <a:solidFill>
+                  <a:srgbClr val="C53929"/>
+                </a:solidFill>
+                <a:effectLst/>
+                <a:latin typeface="Roboto Mono"/>
+              </a:rPr>
+              <a:t>9.</a:t>
+            </a:r>
+            <a:r>
+              <a:rPr kumimoji="0" lang="en-US" altLang="en-US" sz="2000" b="0" i="0" u="none" strike="noStrike" cap="none" normalizeH="0" baseline="0" dirty="0">
+                <a:ln>
+                  <a:noFill/>
+                </a:ln>
+                <a:solidFill>
+                  <a:srgbClr val="37474F"/>
+                </a:solidFill>
+                <a:effectLst/>
+                <a:latin typeface="Roboto Mono"/>
+              </a:rPr>
+              <a:t>]]] </a:t>
+            </a:r>
+            <a:r>
+              <a:rPr kumimoji="0" lang="en-US" altLang="en-US" sz="2000" b="0" i="0" u="none" strike="noStrike" cap="none" normalizeH="0" baseline="0" dirty="0">
+                <a:ln>
+                  <a:noFill/>
+                </a:ln>
+                <a:solidFill>
+                  <a:srgbClr val="D81B60"/>
+                </a:solidFill>
+                <a:effectLst/>
+                <a:latin typeface="Roboto Mono"/>
+              </a:rPr>
+              <a:t># a rank 3 tensor with shape [2, 1, 3]</a:t>
+            </a:r>
+            <a:r>
+              <a:rPr kumimoji="0" lang="en-US" altLang="en-US" sz="2000" b="0" i="0" u="none" strike="noStrike" cap="none" normalizeH="0" baseline="0" dirty="0">
+                <a:ln>
+                  <a:noFill/>
+                </a:ln>
+                <a:solidFill>
+                  <a:schemeClr val="tx1"/>
+                </a:solidFill>
+                <a:effectLst/>
+              </a:rPr>
+              <a:t> </a:t>
+            </a:r>
+            <a:endParaRPr kumimoji="0" lang="en-US" altLang="en-US" sz="2000" b="0" i="0" u="none" strike="noStrike" cap="none" normalizeH="0" baseline="0" dirty="0">
+              <a:ln>
+                <a:noFill/>
+              </a:ln>
+              <a:solidFill>
+                <a:schemeClr val="tx1"/>
+              </a:solidFill>
+              <a:effectLst/>
+              <a:latin typeface="Arial" panose="020B0604020202020204" pitchFamily="34" charset="0"/>
+            </a:endParaRPr>
+          </a:p>
+        </p:txBody>
+      </p:sp>
+      <p:pic>
+        <p:nvPicPr>
+          <p:cNvPr id="8" name="Picture 7"/>
+          <p:cNvPicPr>
+            <a:picLocks noChangeAspect="1"/>
+          </p:cNvPicPr>
+          <p:nvPr/>
+        </p:nvPicPr>
+        <p:blipFill>
+          <a:blip r:embed="rId3">
+            <a:extLst>
+              <a:ext uri="{28A0092B-C50C-407E-A947-70E740481C1C}">
+                <a14:useLocalDpi xmlns:a14="http://schemas.microsoft.com/office/drawing/2010/main" val="0"/>
+              </a:ext>
+            </a:extLst>
+          </a:blip>
+          <a:stretch>
+            <a:fillRect/>
+          </a:stretch>
+        </p:blipFill>
+        <p:spPr>
+          <a:xfrm>
+            <a:off x="1524000" y="4652217"/>
+            <a:ext cx="4867275" cy="2200275"/>
+          </a:xfrm>
+          <a:prstGeom prst="rect">
+            <a:avLst/>
+          </a:prstGeom>
+        </p:spPr>
+      </p:pic>
+    </p:spTree>
+    <p:extLst>
+      <p:ext uri="{BB962C8B-B14F-4D97-AF65-F5344CB8AC3E}">
+        <p14:creationId xmlns:p14="http://schemas.microsoft.com/office/powerpoint/2010/main" val="1645825020"/>
+      </p:ext>
+    </p:extLst>
+  </p:cSld>
+  <p:clrMapOvr>
+    <a:masterClrMapping/>
+  </p:clrMapOvr>
+</p:sld>
+</file>
+
+<file path=ppt/slides/slide18.xml><?xml version="1.0" encoding="utf-8"?>
+<p:sld xmlns:a="http://schemas.openxmlformats.org/drawingml/2006/main" xmlns:r="http://schemas.openxmlformats.org/officeDocument/2006/relationships" xmlns:p="http://schemas.openxmlformats.org/presentationml/2006/main">
+  <p:cSld>
+    <p:spTree>
+      <p:nvGrpSpPr>
+        <p:cNvPr id="1" name=""/>
+        <p:cNvGrpSpPr/>
+        <p:nvPr/>
+      </p:nvGrpSpPr>
+      <p:grpSpPr>
+        <a:xfrm>
+          <a:off x="0" y="0"/>
+          <a:ext cx="0" cy="0"/>
+          <a:chOff x="0" y="0"/>
+          <a:chExt cx="0" cy="0"/>
+        </a:xfrm>
+      </p:grpSpPr>
+      <p:sp>
+        <p:nvSpPr>
           <p:cNvPr id="2" name="Title 1">
             <a:extLst>
               <a:ext uri="{FF2B5EF4-FFF2-40B4-BE49-F238E27FC236}">
@@ -8101,7 +11712,7 @@
             </a:r>
             <a:r>
               <a:rPr lang="en-US" dirty="0">
-                <a:hlinkClick r:id="rId2"/>
+                <a:hlinkClick r:id="rId3"/>
               </a:rPr>
               <a:t>National Institute of Standards and Technology</a:t>
             </a:r>
@@ -8148,7 +11759,7 @@
           <p:nvPr/>
         </p:nvPicPr>
         <p:blipFill>
-          <a:blip r:embed="rId3">
+          <a:blip r:embed="rId4">
             <a:extLst>
               <a:ext uri="{28A0092B-C50C-407E-A947-70E740481C1C}">
                 <a14:useLocalDpi xmlns:a14="http://schemas.microsoft.com/office/drawing/2010/main" val="0"/>
@@ -8182,7 +11793,7 @@
 </p:sld>
 </file>
 
-<file path=ppt/slides/slide16.xml><?xml version="1.0" encoding="utf-8"?>
+<file path=ppt/slides/slide19.xml><?xml version="1.0" encoding="utf-8"?>
 <p:sld xmlns:a="http://schemas.openxmlformats.org/drawingml/2006/main" xmlns:r="http://schemas.openxmlformats.org/officeDocument/2006/relationships" xmlns:p="http://schemas.openxmlformats.org/presentationml/2006/main">
   <p:cSld>
     <p:spTree>
@@ -8244,7 +11855,7 @@
           </p:nvPr>
         </p:nvPicPr>
         <p:blipFill>
-          <a:blip r:embed="rId2">
+          <a:blip r:embed="rId3">
             <a:extLst>
               <a:ext uri="{28A0092B-C50C-407E-A947-70E740481C1C}">
                 <a14:useLocalDpi xmlns:a14="http://schemas.microsoft.com/office/drawing/2010/main" val="0"/>
@@ -8277,7 +11888,7 @@
           <p:nvPr/>
         </p:nvPicPr>
         <p:blipFill>
-          <a:blip r:embed="rId3">
+          <a:blip r:embed="rId4">
             <a:extLst>
               <a:ext uri="{28A0092B-C50C-407E-A947-70E740481C1C}">
                 <a14:useLocalDpi xmlns:a14="http://schemas.microsoft.com/office/drawing/2010/main" val="0"/>
@@ -8313,7 +11924,7 @@
           <p:nvPr/>
         </p:nvPicPr>
         <p:blipFill>
-          <a:blip r:embed="rId4">
+          <a:blip r:embed="rId5">
             <a:extLst>
               <a:ext uri="{28A0092B-C50C-407E-A947-70E740481C1C}">
                 <a14:useLocalDpi xmlns:a14="http://schemas.microsoft.com/office/drawing/2010/main" val="0"/>
@@ -8349,7 +11960,7 @@
           <p:nvPr/>
         </p:nvPicPr>
         <p:blipFill>
-          <a:blip r:embed="rId5">
+          <a:blip r:embed="rId6">
             <a:extLst>
               <a:ext uri="{28A0092B-C50C-407E-A947-70E740481C1C}">
                 <a14:useLocalDpi xmlns:a14="http://schemas.microsoft.com/office/drawing/2010/main" val="0"/>
@@ -8385,7 +11996,7 @@
           <p:nvPr/>
         </p:nvPicPr>
         <p:blipFill>
-          <a:blip r:embed="rId6">
+          <a:blip r:embed="rId7">
             <a:extLst>
               <a:ext uri="{28A0092B-C50C-407E-A947-70E740481C1C}">
                 <a14:useLocalDpi xmlns:a14="http://schemas.microsoft.com/office/drawing/2010/main" val="0"/>
@@ -8421,7 +12032,7 @@
           <p:nvPr/>
         </p:nvPicPr>
         <p:blipFill>
-          <a:blip r:embed="rId7">
+          <a:blip r:embed="rId8">
             <a:extLst>
               <a:ext uri="{28A0092B-C50C-407E-A947-70E740481C1C}">
                 <a14:useLocalDpi xmlns:a14="http://schemas.microsoft.com/office/drawing/2010/main" val="0"/>
@@ -8455,7 +12066,7 @@
 </p:sld>
 </file>
 
-<file path=ppt/slides/slide17.xml><?xml version="1.0" encoding="utf-8"?>
+<file path=ppt/slides/slide2.xml><?xml version="1.0" encoding="utf-8"?>
 <p:sld xmlns:a="http://schemas.openxmlformats.org/drawingml/2006/main" xmlns:r="http://schemas.openxmlformats.org/officeDocument/2006/relationships" xmlns:p="http://schemas.openxmlformats.org/presentationml/2006/main">
   <p:cSld>
     <p:spTree>
@@ -8474,6 +12085,109 @@
       </p:grpSpPr>
       <p:sp>
         <p:nvSpPr>
+          <p:cNvPr id="2" name="Title 1"/>
+          <p:cNvSpPr>
+            <a:spLocks noGrp="1"/>
+          </p:cNvSpPr>
+          <p:nvPr>
+            <p:ph type="title"/>
+          </p:nvPr>
+        </p:nvSpPr>
+        <p:spPr>
+          <a:xfrm>
+            <a:off x="381000" y="152400"/>
+            <a:ext cx="8229600" cy="1139825"/>
+          </a:xfrm>
+        </p:spPr>
+        <p:txBody>
+          <a:bodyPr/>
+          <a:lstStyle/>
+          <a:p>
+            <a:r>
+              <a:rPr lang="en-US" dirty="0"/>
+              <a:t>Agenda </a:t>
+            </a:r>
+          </a:p>
+        </p:txBody>
+      </p:sp>
+      <p:sp>
+        <p:nvSpPr>
+          <p:cNvPr id="3" name="Content Placeholder 2"/>
+          <p:cNvSpPr>
+            <a:spLocks noGrp="1"/>
+          </p:cNvSpPr>
+          <p:nvPr>
+            <p:ph idx="1"/>
+          </p:nvPr>
+        </p:nvSpPr>
+        <p:spPr>
+          <a:xfrm>
+            <a:off x="381000" y="1143000"/>
+            <a:ext cx="8458200" cy="4530725"/>
+          </a:xfrm>
+        </p:spPr>
+        <p:txBody>
+          <a:bodyPr/>
+          <a:lstStyle/>
+          <a:p>
+            <a:r>
+              <a:rPr lang="en-US" dirty="0"/>
+              <a:t>Machine Learning</a:t>
+            </a:r>
+          </a:p>
+          <a:p>
+            <a:r>
+              <a:rPr lang="en-US" dirty="0"/>
+              <a:t>Regression and Gradient Descent</a:t>
+            </a:r>
+          </a:p>
+          <a:p>
+            <a:pPr>
+              <a:buNone/>
+            </a:pPr>
+            <a:endParaRPr lang="en-US" dirty="0"/>
+          </a:p>
+          <a:p>
+            <a:endParaRPr lang="en-US" dirty="0"/>
+          </a:p>
+          <a:p>
+            <a:pPr>
+              <a:buNone/>
+            </a:pPr>
+            <a:endParaRPr lang="en-US" dirty="0"/>
+          </a:p>
+          <a:p>
+            <a:endParaRPr lang="en-US" dirty="0"/>
+          </a:p>
+        </p:txBody>
+      </p:sp>
+    </p:spTree>
+  </p:cSld>
+  <p:clrMapOvr>
+    <a:masterClrMapping/>
+  </p:clrMapOvr>
+</p:sld>
+</file>
+
+<file path=ppt/slides/slide20.xml><?xml version="1.0" encoding="utf-8"?>
+<p:sld xmlns:a="http://schemas.openxmlformats.org/drawingml/2006/main" xmlns:r="http://schemas.openxmlformats.org/officeDocument/2006/relationships" xmlns:p="http://schemas.openxmlformats.org/presentationml/2006/main">
+  <p:cSld>
+    <p:spTree>
+      <p:nvGrpSpPr>
+        <p:cNvPr id="1" name=""/>
+        <p:cNvGrpSpPr/>
+        <p:nvPr/>
+      </p:nvGrpSpPr>
+      <p:grpSpPr>
+        <a:xfrm>
+          <a:off x="0" y="0"/>
+          <a:ext cx="0" cy="0"/>
+          <a:chOff x="0" y="0"/>
+          <a:chExt cx="0" cy="0"/>
+        </a:xfrm>
+      </p:grpSpPr>
+      <p:sp>
+        <p:nvSpPr>
           <p:cNvPr id="2" name="Title 1">
             <a:extLst>
               <a:ext uri="{FF2B5EF4-FFF2-40B4-BE49-F238E27FC236}">
@@ -8524,7 +12238,7 @@
           </p:nvPr>
         </p:nvPicPr>
         <p:blipFill>
-          <a:blip r:embed="rId2">
+          <a:blip r:embed="rId3">
             <a:extLst>
               <a:ext uri="{28A0092B-C50C-407E-A947-70E740481C1C}">
                 <a14:useLocalDpi xmlns:a14="http://schemas.microsoft.com/office/drawing/2010/main" val="0"/>
@@ -8555,7 +12269,7 @@
 </p:sld>
 </file>
 
-<file path=ppt/slides/slide18.xml><?xml version="1.0" encoding="utf-8"?>
+<file path=ppt/slides/slide21.xml><?xml version="1.0" encoding="utf-8"?>
 <p:sld xmlns:a="http://schemas.openxmlformats.org/drawingml/2006/main" xmlns:r="http://schemas.openxmlformats.org/officeDocument/2006/relationships" xmlns:p="http://schemas.openxmlformats.org/presentationml/2006/main">
   <p:cSld>
     <p:spTree>
@@ -8662,7 +12376,7 @@
           <p:nvPr/>
         </p:nvPicPr>
         <p:blipFill>
-          <a:blip r:embed="rId2">
+          <a:blip r:embed="rId3">
             <a:extLst>
               <a:ext uri="{28A0092B-C50C-407E-A947-70E740481C1C}">
                 <a14:useLocalDpi xmlns:a14="http://schemas.microsoft.com/office/drawing/2010/main" val="0"/>
@@ -8717,7 +12431,7 @@
             </a:r>
             <a:r>
               <a:rPr lang="en-US" dirty="0">
-                <a:hlinkClick r:id="rId3"/>
+                <a:hlinkClick r:id="rId4"/>
               </a:rPr>
               <a:t>https://www.udacity.com/</a:t>
             </a:r>
@@ -8729,817 +12443,6 @@
     <p:extLst>
       <p:ext uri="{BB962C8B-B14F-4D97-AF65-F5344CB8AC3E}">
         <p14:creationId xmlns:p14="http://schemas.microsoft.com/office/powerpoint/2010/main" val="85411957"/>
-      </p:ext>
-    </p:extLst>
-  </p:cSld>
-  <p:clrMapOvr>
-    <a:masterClrMapping/>
-  </p:clrMapOvr>
-</p:sld>
-</file>
-
-<file path=ppt/slides/slide19.xml><?xml version="1.0" encoding="utf-8"?>
-<p:sld xmlns:a="http://schemas.openxmlformats.org/drawingml/2006/main" xmlns:r="http://schemas.openxmlformats.org/officeDocument/2006/relationships" xmlns:p="http://schemas.openxmlformats.org/presentationml/2006/main">
-  <p:cSld>
-    <p:spTree>
-      <p:nvGrpSpPr>
-        <p:cNvPr id="1" name=""/>
-        <p:cNvGrpSpPr/>
-        <p:nvPr/>
-      </p:nvGrpSpPr>
-      <p:grpSpPr>
-        <a:xfrm>
-          <a:off x="0" y="0"/>
-          <a:ext cx="0" cy="0"/>
-          <a:chOff x="0" y="0"/>
-          <a:chExt cx="0" cy="0"/>
-        </a:xfrm>
-      </p:grpSpPr>
-      <p:sp>
-        <p:nvSpPr>
-          <p:cNvPr id="2" name="Title 1">
-            <a:extLst>
-              <a:ext uri="{FF2B5EF4-FFF2-40B4-BE49-F238E27FC236}">
-                <a16:creationId xmlns:a16="http://schemas.microsoft.com/office/drawing/2014/main" id="{2355B30D-DDC1-47E7-89F4-02E098E78C9A}"/>
-              </a:ext>
-            </a:extLst>
-          </p:cNvPr>
-          <p:cNvSpPr>
-            <a:spLocks noGrp="1"/>
-          </p:cNvSpPr>
-          <p:nvPr>
-            <p:ph type="title"/>
-          </p:nvPr>
-        </p:nvSpPr>
-        <p:spPr/>
-        <p:txBody>
-          <a:bodyPr/>
-          <a:lstStyle/>
-          <a:p>
-            <a:r>
-              <a:rPr lang="en-US" dirty="0"/>
-              <a:t>Gradient Descent Recipe</a:t>
-            </a:r>
-          </a:p>
-        </p:txBody>
-      </p:sp>
-      <p:sp>
-        <p:nvSpPr>
-          <p:cNvPr id="3" name="Content Placeholder 2">
-            <a:extLst>
-              <a:ext uri="{FF2B5EF4-FFF2-40B4-BE49-F238E27FC236}">
-                <a16:creationId xmlns:a16="http://schemas.microsoft.com/office/drawing/2014/main" id="{E18547E9-FA3A-4541-8731-AF7812617862}"/>
-              </a:ext>
-            </a:extLst>
-          </p:cNvPr>
-          <p:cNvSpPr>
-            <a:spLocks noGrp="1"/>
-          </p:cNvSpPr>
-          <p:nvPr>
-            <p:ph idx="1"/>
-          </p:nvPr>
-        </p:nvSpPr>
-        <p:spPr>
-          <a:xfrm>
-            <a:off x="152400" y="1406752"/>
-            <a:ext cx="8839200" cy="4530725"/>
-          </a:xfrm>
-        </p:spPr>
-        <p:txBody>
-          <a:bodyPr/>
-          <a:lstStyle/>
-          <a:p>
-            <a:r>
-              <a:rPr lang="en-US" dirty="0"/>
-              <a:t>Compute network output </a:t>
-            </a:r>
-          </a:p>
-          <a:p>
-            <a:pPr lvl="1"/>
-            <a:r>
-              <a:rPr lang="en-US" dirty="0"/>
-              <a:t>h = </a:t>
-            </a:r>
-            <a:r>
-              <a:rPr lang="en-US" dirty="0">
-                <a:latin typeface="Symbol" panose="05050102010706020507" pitchFamily="18" charset="2"/>
-              </a:rPr>
-              <a:t>S (</a:t>
-            </a:r>
-            <a:r>
-              <a:rPr lang="en-US" dirty="0"/>
-              <a:t>w</a:t>
-            </a:r>
-            <a:r>
-              <a:rPr lang="en-US" i="1" baseline="-25000" dirty="0"/>
-              <a:t>i</a:t>
-            </a:r>
-            <a:r>
-              <a:rPr lang="en-US" dirty="0"/>
-              <a:t>x</a:t>
-            </a:r>
-            <a:r>
-              <a:rPr lang="en-US" i="1" baseline="-25000" dirty="0"/>
-              <a:t>i</a:t>
-            </a:r>
-            <a:r>
-              <a:rPr lang="en-US" dirty="0"/>
-              <a:t>)</a:t>
-            </a:r>
-          </a:p>
-          <a:p>
-            <a:pPr lvl="1"/>
-            <a:r>
-              <a:rPr lang="en-US" dirty="0"/>
-              <a:t>y^ = f(h)	# f is the activation function</a:t>
-            </a:r>
-          </a:p>
-          <a:p>
-            <a:r>
-              <a:rPr lang="en-US" dirty="0"/>
-              <a:t>Compute error </a:t>
-            </a:r>
-          </a:p>
-          <a:p>
-            <a:pPr lvl="1"/>
-            <a:r>
-              <a:rPr lang="en-US" dirty="0"/>
-              <a:t>y – y^ 		# expected value – output</a:t>
-            </a:r>
-          </a:p>
-          <a:p>
-            <a:r>
-              <a:rPr lang="en-US" dirty="0"/>
-              <a:t>Compute error term </a:t>
-            </a:r>
-          </a:p>
-          <a:p>
-            <a:pPr lvl="1"/>
-            <a:r>
-              <a:rPr lang="en-US" dirty="0"/>
-              <a:t>(y – y^)*f’(h)	# f’ ii derivative of the activation function</a:t>
-            </a:r>
-          </a:p>
-          <a:p>
-            <a:r>
-              <a:rPr lang="en-US" dirty="0"/>
-              <a:t> Compute </a:t>
-            </a:r>
-            <a:r>
-              <a:rPr lang="en-US" dirty="0" err="1"/>
-              <a:t>w</a:t>
-            </a:r>
-            <a:r>
-              <a:rPr lang="en-US" i="1" baseline="-25000" dirty="0" err="1"/>
-              <a:t>i</a:t>
-            </a:r>
-            <a:r>
-              <a:rPr lang="en-US" dirty="0"/>
-              <a:t> </a:t>
-            </a:r>
-          </a:p>
-          <a:p>
-            <a:pPr lvl="1"/>
-            <a:r>
-              <a:rPr lang="en-US" dirty="0">
-                <a:latin typeface="Symbol" panose="05050102010706020507" pitchFamily="18" charset="2"/>
-              </a:rPr>
-              <a:t>h</a:t>
-            </a:r>
-            <a:r>
-              <a:rPr lang="en-US" dirty="0"/>
-              <a:t>*(y-y^)*x	#</a:t>
-            </a:r>
-            <a:r>
-              <a:rPr lang="en-US" dirty="0">
-                <a:latin typeface="Symbol" panose="05050102010706020507" pitchFamily="18" charset="2"/>
-              </a:rPr>
-              <a:t> h </a:t>
-            </a:r>
-            <a:r>
-              <a:rPr lang="en-US" dirty="0"/>
-              <a:t>is the learning rate </a:t>
-            </a:r>
-          </a:p>
-          <a:p>
-            <a:endParaRPr lang="en-US" dirty="0"/>
-          </a:p>
-          <a:p>
-            <a:pPr lvl="1"/>
-            <a:endParaRPr lang="en-US" dirty="0"/>
-          </a:p>
-        </p:txBody>
-      </p:sp>
-    </p:spTree>
-    <p:extLst>
-      <p:ext uri="{BB962C8B-B14F-4D97-AF65-F5344CB8AC3E}">
-        <p14:creationId xmlns:p14="http://schemas.microsoft.com/office/powerpoint/2010/main" val="4045572226"/>
-      </p:ext>
-    </p:extLst>
-  </p:cSld>
-  <p:clrMapOvr>
-    <a:masterClrMapping/>
-  </p:clrMapOvr>
-</p:sld>
-</file>
-
-<file path=ppt/slides/slide2.xml><?xml version="1.0" encoding="utf-8"?>
-<p:sld xmlns:a="http://schemas.openxmlformats.org/drawingml/2006/main" xmlns:r="http://schemas.openxmlformats.org/officeDocument/2006/relationships" xmlns:p="http://schemas.openxmlformats.org/presentationml/2006/main">
-  <p:cSld>
-    <p:spTree>
-      <p:nvGrpSpPr>
-        <p:cNvPr id="1" name=""/>
-        <p:cNvGrpSpPr/>
-        <p:nvPr/>
-      </p:nvGrpSpPr>
-      <p:grpSpPr>
-        <a:xfrm>
-          <a:off x="0" y="0"/>
-          <a:ext cx="0" cy="0"/>
-          <a:chOff x="0" y="0"/>
-          <a:chExt cx="0" cy="0"/>
-        </a:xfrm>
-      </p:grpSpPr>
-      <p:sp>
-        <p:nvSpPr>
-          <p:cNvPr id="2" name="Title 1"/>
-          <p:cNvSpPr>
-            <a:spLocks noGrp="1"/>
-          </p:cNvSpPr>
-          <p:nvPr>
-            <p:ph type="title"/>
-          </p:nvPr>
-        </p:nvSpPr>
-        <p:spPr>
-          <a:xfrm>
-            <a:off x="381000" y="152400"/>
-            <a:ext cx="8229600" cy="1139825"/>
-          </a:xfrm>
-        </p:spPr>
-        <p:txBody>
-          <a:bodyPr/>
-          <a:lstStyle/>
-          <a:p>
-            <a:r>
-              <a:rPr lang="en-US" dirty="0"/>
-              <a:t>Agenda </a:t>
-            </a:r>
-          </a:p>
-        </p:txBody>
-      </p:sp>
-      <p:sp>
-        <p:nvSpPr>
-          <p:cNvPr id="3" name="Content Placeholder 2"/>
-          <p:cNvSpPr>
-            <a:spLocks noGrp="1"/>
-          </p:cNvSpPr>
-          <p:nvPr>
-            <p:ph idx="1"/>
-          </p:nvPr>
-        </p:nvSpPr>
-        <p:spPr>
-          <a:xfrm>
-            <a:off x="381000" y="1143000"/>
-            <a:ext cx="8458200" cy="4530725"/>
-          </a:xfrm>
-        </p:spPr>
-        <p:txBody>
-          <a:bodyPr/>
-          <a:lstStyle/>
-          <a:p>
-            <a:r>
-              <a:rPr lang="en-US" dirty="0"/>
-              <a:t>Machine Learning</a:t>
-            </a:r>
-          </a:p>
-          <a:p>
-            <a:r>
-              <a:rPr lang="en-US" dirty="0"/>
-              <a:t>Regression and Gradient Descent</a:t>
-            </a:r>
-          </a:p>
-          <a:p>
-            <a:pPr>
-              <a:buNone/>
-            </a:pPr>
-            <a:endParaRPr lang="en-US" dirty="0"/>
-          </a:p>
-          <a:p>
-            <a:endParaRPr lang="en-US" dirty="0"/>
-          </a:p>
-          <a:p>
-            <a:pPr>
-              <a:buNone/>
-            </a:pPr>
-            <a:endParaRPr lang="en-US" dirty="0"/>
-          </a:p>
-          <a:p>
-            <a:endParaRPr lang="en-US" dirty="0"/>
-          </a:p>
-        </p:txBody>
-      </p:sp>
-    </p:spTree>
-  </p:cSld>
-  <p:clrMapOvr>
-    <a:masterClrMapping/>
-  </p:clrMapOvr>
-</p:sld>
-</file>
-
-<file path=ppt/slides/slide20.xml><?xml version="1.0" encoding="utf-8"?>
-<p:sld xmlns:a="http://schemas.openxmlformats.org/drawingml/2006/main" xmlns:r="http://schemas.openxmlformats.org/officeDocument/2006/relationships" xmlns:p="http://schemas.openxmlformats.org/presentationml/2006/main">
-  <p:cSld>
-    <p:spTree>
-      <p:nvGrpSpPr>
-        <p:cNvPr id="1" name=""/>
-        <p:cNvGrpSpPr/>
-        <p:nvPr/>
-      </p:nvGrpSpPr>
-      <p:grpSpPr>
-        <a:xfrm>
-          <a:off x="0" y="0"/>
-          <a:ext cx="0" cy="0"/>
-          <a:chOff x="0" y="0"/>
-          <a:chExt cx="0" cy="0"/>
-        </a:xfrm>
-      </p:grpSpPr>
-      <p:sp>
-        <p:nvSpPr>
-          <p:cNvPr id="2" name="Title 1">
-            <a:extLst>
-              <a:ext uri="{FF2B5EF4-FFF2-40B4-BE49-F238E27FC236}">
-                <a16:creationId xmlns:a16="http://schemas.microsoft.com/office/drawing/2014/main" id="{29BBDFF2-9DB5-4187-B986-ECE2AC5FF95A}"/>
-              </a:ext>
-            </a:extLst>
-          </p:cNvPr>
-          <p:cNvSpPr>
-            <a:spLocks noGrp="1"/>
-          </p:cNvSpPr>
-          <p:nvPr>
-            <p:ph type="title"/>
-          </p:nvPr>
-        </p:nvSpPr>
-        <p:spPr/>
-        <p:txBody>
-          <a:bodyPr/>
-          <a:lstStyle/>
-          <a:p>
-            <a:r>
-              <a:rPr lang="en-US" dirty="0"/>
-              <a:t>Gradient Descent Recipe</a:t>
-            </a:r>
-          </a:p>
-        </p:txBody>
-      </p:sp>
-      <p:sp>
-        <p:nvSpPr>
-          <p:cNvPr id="3" name="Content Placeholder 2">
-            <a:extLst>
-              <a:ext uri="{FF2B5EF4-FFF2-40B4-BE49-F238E27FC236}">
-                <a16:creationId xmlns:a16="http://schemas.microsoft.com/office/drawing/2014/main" id="{2EC10423-F0E6-42C0-B15E-8076A190FA7C}"/>
-              </a:ext>
-            </a:extLst>
-          </p:cNvPr>
-          <p:cNvSpPr>
-            <a:spLocks noGrp="1"/>
-          </p:cNvSpPr>
-          <p:nvPr>
-            <p:ph idx="1"/>
-          </p:nvPr>
-        </p:nvSpPr>
-        <p:spPr/>
-        <p:txBody>
-          <a:bodyPr/>
-          <a:lstStyle/>
-          <a:p>
-            <a:r>
-              <a:rPr lang="en-US" dirty="0"/>
-              <a:t>Set the weight step to zero: </a:t>
-            </a:r>
-            <a:r>
-              <a:rPr lang="en-US" dirty="0" err="1"/>
-              <a:t>Δ</a:t>
-            </a:r>
-            <a:r>
-              <a:rPr lang="en-US" i="1" dirty="0" err="1"/>
-              <a:t>w</a:t>
-            </a:r>
-            <a:r>
-              <a:rPr lang="en-US" dirty="0"/>
-              <a:t>​</a:t>
-            </a:r>
-            <a:r>
-              <a:rPr lang="en-US" i="1" dirty="0" err="1"/>
-              <a:t>i</a:t>
-            </a:r>
-            <a:r>
-              <a:rPr lang="en-US" dirty="0"/>
-              <a:t>​​=0</a:t>
-            </a:r>
-          </a:p>
-          <a:p>
-            <a:r>
-              <a:rPr lang="en-US" dirty="0"/>
-              <a:t>For each record in the training data:</a:t>
-            </a:r>
-          </a:p>
-          <a:p>
-            <a:pPr lvl="1"/>
-            <a:r>
-              <a:rPr lang="en-US" dirty="0"/>
-              <a:t>Make a forward pass through the network, calculating the output ​</a:t>
-            </a:r>
-            <a:r>
-              <a:rPr lang="en-US" i="1" dirty="0"/>
-              <a:t>y</a:t>
-            </a:r>
-            <a:r>
-              <a:rPr lang="en-US" dirty="0"/>
-              <a:t>​^​​=</a:t>
-            </a:r>
-            <a:r>
-              <a:rPr lang="en-US" i="1" dirty="0"/>
-              <a:t>f</a:t>
-            </a:r>
-            <a:r>
-              <a:rPr lang="en-US" dirty="0"/>
-              <a:t>(∑​</a:t>
-            </a:r>
-            <a:r>
-              <a:rPr lang="en-US" i="1" dirty="0" err="1"/>
-              <a:t>i</a:t>
-            </a:r>
-            <a:r>
-              <a:rPr lang="en-US" dirty="0"/>
-              <a:t>​​</a:t>
-            </a:r>
-            <a:r>
-              <a:rPr lang="en-US" i="1" dirty="0"/>
-              <a:t>w</a:t>
-            </a:r>
-            <a:r>
-              <a:rPr lang="en-US" dirty="0"/>
-              <a:t>​</a:t>
-            </a:r>
-            <a:r>
-              <a:rPr lang="en-US" i="1" dirty="0" err="1"/>
-              <a:t>i</a:t>
-            </a:r>
-            <a:r>
-              <a:rPr lang="en-US" dirty="0"/>
-              <a:t>​​</a:t>
-            </a:r>
-            <a:r>
-              <a:rPr lang="en-US" i="1" dirty="0"/>
-              <a:t>x</a:t>
-            </a:r>
-            <a:r>
-              <a:rPr lang="en-US" dirty="0"/>
-              <a:t>​</a:t>
-            </a:r>
-            <a:r>
-              <a:rPr lang="en-US" i="1" dirty="0" err="1"/>
-              <a:t>i</a:t>
-            </a:r>
-            <a:r>
-              <a:rPr lang="en-US" dirty="0"/>
-              <a:t>​​)</a:t>
-            </a:r>
-          </a:p>
-          <a:p>
-            <a:pPr lvl="1"/>
-            <a:r>
-              <a:rPr lang="en-US" dirty="0"/>
-              <a:t>Calculate the error gradient in the output unit, </a:t>
-            </a:r>
-            <a:r>
-              <a:rPr lang="en-US" i="1" dirty="0"/>
-              <a:t>δ</a:t>
-            </a:r>
-            <a:r>
-              <a:rPr lang="en-US" dirty="0"/>
-              <a:t>=(</a:t>
-            </a:r>
-            <a:r>
-              <a:rPr lang="en-US" i="1" dirty="0"/>
-              <a:t>y</a:t>
-            </a:r>
-            <a:r>
-              <a:rPr lang="en-US" dirty="0"/>
-              <a:t>−​</a:t>
-            </a:r>
-            <a:r>
-              <a:rPr lang="en-US" i="1" dirty="0"/>
-              <a:t>y</a:t>
-            </a:r>
-            <a:r>
-              <a:rPr lang="en-US" dirty="0"/>
-              <a:t>​^​​)∗</a:t>
-            </a:r>
-            <a:r>
-              <a:rPr lang="en-US" i="1" dirty="0"/>
-              <a:t>f</a:t>
-            </a:r>
-            <a:r>
-              <a:rPr lang="en-US" dirty="0"/>
-              <a:t>​′​​(∑​</a:t>
-            </a:r>
-            <a:r>
-              <a:rPr lang="en-US" i="1" dirty="0" err="1"/>
-              <a:t>i</a:t>
-            </a:r>
-            <a:r>
-              <a:rPr lang="en-US" dirty="0"/>
-              <a:t>​​</a:t>
-            </a:r>
-            <a:r>
-              <a:rPr lang="en-US" i="1" dirty="0"/>
-              <a:t>w</a:t>
-            </a:r>
-            <a:r>
-              <a:rPr lang="en-US" dirty="0"/>
-              <a:t>​</a:t>
-            </a:r>
-            <a:r>
-              <a:rPr lang="en-US" i="1" dirty="0" err="1"/>
-              <a:t>i</a:t>
-            </a:r>
-            <a:r>
-              <a:rPr lang="en-US" dirty="0"/>
-              <a:t>​​</a:t>
-            </a:r>
-            <a:r>
-              <a:rPr lang="en-US" i="1" dirty="0"/>
-              <a:t>x</a:t>
-            </a:r>
-            <a:r>
-              <a:rPr lang="en-US" dirty="0"/>
-              <a:t>​</a:t>
-            </a:r>
-            <a:r>
-              <a:rPr lang="en-US" i="1" dirty="0" err="1"/>
-              <a:t>i</a:t>
-            </a:r>
-            <a:r>
-              <a:rPr lang="en-US" dirty="0"/>
-              <a:t>​​)</a:t>
-            </a:r>
-          </a:p>
-          <a:p>
-            <a:pPr lvl="1"/>
-            <a:r>
-              <a:rPr lang="en-US" dirty="0"/>
-              <a:t>Update the weight step </a:t>
-            </a:r>
-            <a:r>
-              <a:rPr lang="en-US" dirty="0" err="1"/>
-              <a:t>Δ</a:t>
-            </a:r>
-            <a:r>
-              <a:rPr lang="en-US" i="1" dirty="0" err="1"/>
-              <a:t>w</a:t>
-            </a:r>
-            <a:r>
-              <a:rPr lang="en-US" dirty="0"/>
-              <a:t>​</a:t>
-            </a:r>
-            <a:r>
-              <a:rPr lang="en-US" i="1" dirty="0" err="1"/>
-              <a:t>i</a:t>
-            </a:r>
-            <a:r>
-              <a:rPr lang="en-US" dirty="0"/>
-              <a:t>​​=</a:t>
-            </a:r>
-            <a:r>
-              <a:rPr lang="en-US" dirty="0" err="1"/>
-              <a:t>Δ</a:t>
-            </a:r>
-            <a:r>
-              <a:rPr lang="en-US" i="1" dirty="0" err="1"/>
-              <a:t>w</a:t>
-            </a:r>
-            <a:r>
-              <a:rPr lang="en-US" dirty="0"/>
-              <a:t>​</a:t>
-            </a:r>
-            <a:r>
-              <a:rPr lang="en-US" i="1" dirty="0" err="1"/>
-              <a:t>i</a:t>
-            </a:r>
-            <a:r>
-              <a:rPr lang="en-US" dirty="0"/>
-              <a:t>​​+</a:t>
-            </a:r>
-            <a:r>
-              <a:rPr lang="en-US" i="1" dirty="0" err="1"/>
-              <a:t>δx</a:t>
-            </a:r>
-            <a:r>
-              <a:rPr lang="en-US" dirty="0"/>
-              <a:t>​</a:t>
-            </a:r>
-            <a:r>
-              <a:rPr lang="en-US" i="1" dirty="0" err="1"/>
-              <a:t>i</a:t>
-            </a:r>
-            <a:r>
-              <a:rPr lang="en-US" dirty="0"/>
-              <a:t>​​</a:t>
-            </a:r>
-          </a:p>
-          <a:p>
-            <a:endParaRPr lang="en-US" dirty="0"/>
-          </a:p>
-        </p:txBody>
-      </p:sp>
-    </p:spTree>
-    <p:extLst>
-      <p:ext uri="{BB962C8B-B14F-4D97-AF65-F5344CB8AC3E}">
-        <p14:creationId xmlns:p14="http://schemas.microsoft.com/office/powerpoint/2010/main" val="4103334517"/>
-      </p:ext>
-    </p:extLst>
-  </p:cSld>
-  <p:clrMapOvr>
-    <a:masterClrMapping/>
-  </p:clrMapOvr>
-</p:sld>
-</file>
-
-<file path=ppt/slides/slide21.xml><?xml version="1.0" encoding="utf-8"?>
-<p:sld xmlns:a="http://schemas.openxmlformats.org/drawingml/2006/main" xmlns:r="http://schemas.openxmlformats.org/officeDocument/2006/relationships" xmlns:p="http://schemas.openxmlformats.org/presentationml/2006/main">
-  <p:cSld>
-    <p:spTree>
-      <p:nvGrpSpPr>
-        <p:cNvPr id="1" name=""/>
-        <p:cNvGrpSpPr/>
-        <p:nvPr/>
-      </p:nvGrpSpPr>
-      <p:grpSpPr>
-        <a:xfrm>
-          <a:off x="0" y="0"/>
-          <a:ext cx="0" cy="0"/>
-          <a:chOff x="0" y="0"/>
-          <a:chExt cx="0" cy="0"/>
-        </a:xfrm>
-      </p:grpSpPr>
-      <p:sp>
-        <p:nvSpPr>
-          <p:cNvPr id="2" name="Title 1">
-            <a:extLst>
-              <a:ext uri="{FF2B5EF4-FFF2-40B4-BE49-F238E27FC236}">
-                <a16:creationId xmlns:a16="http://schemas.microsoft.com/office/drawing/2014/main" id="{A0E266D7-F13A-4F15-8C62-0B2E5548B1AC}"/>
-              </a:ext>
-            </a:extLst>
-          </p:cNvPr>
-          <p:cNvSpPr>
-            <a:spLocks noGrp="1"/>
-          </p:cNvSpPr>
-          <p:nvPr>
-            <p:ph type="title"/>
-          </p:nvPr>
-        </p:nvSpPr>
-        <p:spPr/>
-        <p:txBody>
-          <a:bodyPr/>
-          <a:lstStyle/>
-          <a:p>
-            <a:r>
-              <a:rPr lang="en-US" dirty="0"/>
-              <a:t>Gradient Descent Recipe</a:t>
-            </a:r>
-          </a:p>
-        </p:txBody>
-      </p:sp>
-      <p:sp>
-        <p:nvSpPr>
-          <p:cNvPr id="3" name="Content Placeholder 2">
-            <a:extLst>
-              <a:ext uri="{FF2B5EF4-FFF2-40B4-BE49-F238E27FC236}">
-                <a16:creationId xmlns:a16="http://schemas.microsoft.com/office/drawing/2014/main" id="{2CC0141C-7F09-42F0-A804-D024F6C4DF0B}"/>
-              </a:ext>
-            </a:extLst>
-          </p:cNvPr>
-          <p:cNvSpPr>
-            <a:spLocks noGrp="1"/>
-          </p:cNvSpPr>
-          <p:nvPr>
-            <p:ph idx="1"/>
-          </p:nvPr>
-        </p:nvSpPr>
-        <p:spPr/>
-        <p:txBody>
-          <a:bodyPr/>
-          <a:lstStyle/>
-          <a:p>
-            <a:r>
-              <a:rPr lang="en-US" dirty="0"/>
-              <a:t>Update the weights </a:t>
-            </a:r>
-            <a:r>
-              <a:rPr lang="en-US" i="1" dirty="0"/>
-              <a:t>w</a:t>
-            </a:r>
-            <a:r>
-              <a:rPr lang="en-US" dirty="0"/>
-              <a:t>​</a:t>
-            </a:r>
-            <a:r>
-              <a:rPr lang="en-US" i="1" dirty="0" err="1"/>
-              <a:t>i</a:t>
-            </a:r>
-            <a:r>
-              <a:rPr lang="en-US" dirty="0"/>
-              <a:t>​​=</a:t>
-            </a:r>
-            <a:r>
-              <a:rPr lang="en-US" i="1" dirty="0"/>
-              <a:t>w</a:t>
-            </a:r>
-            <a:r>
-              <a:rPr lang="en-US" dirty="0"/>
-              <a:t>​</a:t>
-            </a:r>
-            <a:r>
-              <a:rPr lang="en-US" i="1" dirty="0" err="1"/>
-              <a:t>i</a:t>
-            </a:r>
-            <a:r>
-              <a:rPr lang="en-US" dirty="0"/>
-              <a:t>​​+</a:t>
-            </a:r>
-            <a:r>
-              <a:rPr lang="en-US" i="1" dirty="0" err="1"/>
-              <a:t>η</a:t>
-            </a:r>
-            <a:r>
-              <a:rPr lang="en-US" dirty="0" err="1"/>
-              <a:t>Δ</a:t>
-            </a:r>
-            <a:r>
-              <a:rPr lang="en-US" i="1" dirty="0" err="1"/>
-              <a:t>w</a:t>
-            </a:r>
-            <a:r>
-              <a:rPr lang="en-US" dirty="0"/>
-              <a:t>​</a:t>
-            </a:r>
-            <a:r>
-              <a:rPr lang="en-US" i="1" dirty="0" err="1"/>
-              <a:t>i</a:t>
-            </a:r>
-            <a:r>
-              <a:rPr lang="en-US" dirty="0"/>
-              <a:t>​​/</a:t>
-            </a:r>
-            <a:r>
-              <a:rPr lang="en-US" i="1" dirty="0"/>
-              <a:t>m</a:t>
-            </a:r>
-            <a:r>
-              <a:rPr lang="en-US" dirty="0"/>
-              <a:t> where </a:t>
-            </a:r>
-            <a:r>
-              <a:rPr lang="en-US" i="1" dirty="0"/>
-              <a:t>η</a:t>
-            </a:r>
-            <a:r>
-              <a:rPr lang="en-US" dirty="0"/>
-              <a:t> is the learning rate and </a:t>
-            </a:r>
-            <a:r>
-              <a:rPr lang="en-US" i="1" dirty="0"/>
-              <a:t>m</a:t>
-            </a:r>
-            <a:r>
-              <a:rPr lang="en-US" dirty="0"/>
-              <a:t> is the number of records. Here we're averaging the weight steps to help reduce any large variations in the training data.</a:t>
-            </a:r>
-          </a:p>
-          <a:p>
-            <a:r>
-              <a:rPr lang="en-US" dirty="0"/>
-              <a:t>Repeat for </a:t>
-            </a:r>
-            <a:r>
-              <a:rPr lang="en-US" i="1" dirty="0"/>
-              <a:t>e</a:t>
-            </a:r>
-            <a:r>
-              <a:rPr lang="en-US" dirty="0"/>
-              <a:t> epochs.</a:t>
-            </a:r>
-          </a:p>
-          <a:p>
-            <a:endParaRPr lang="en-US" dirty="0"/>
-          </a:p>
-        </p:txBody>
-      </p:sp>
-    </p:spTree>
-    <p:extLst>
-      <p:ext uri="{BB962C8B-B14F-4D97-AF65-F5344CB8AC3E}">
-        <p14:creationId xmlns:p14="http://schemas.microsoft.com/office/powerpoint/2010/main" val="3900168365"/>
       </p:ext>
     </p:extLst>
   </p:cSld>
@@ -9568,7 +12471,13 @@
       </p:grpSpPr>
       <p:sp>
         <p:nvSpPr>
-          <p:cNvPr id="2" name="Title 1"/>
+          <p:cNvPr id="2" name="Title 1">
+            <a:extLst>
+              <a:ext uri="{FF2B5EF4-FFF2-40B4-BE49-F238E27FC236}">
+                <a16:creationId xmlns:a16="http://schemas.microsoft.com/office/drawing/2014/main" id="{2355B30D-DDC1-47E7-89F4-02E098E78C9A}"/>
+              </a:ext>
+            </a:extLst>
+          </p:cNvPr>
           <p:cNvSpPr>
             <a:spLocks noGrp="1"/>
           </p:cNvSpPr>
@@ -9583,14 +12492,20 @@
           <a:p>
             <a:r>
               <a:rPr lang="en-US" dirty="0"/>
-              <a:t>Summary  </a:t>
-            </a:r>
-          </a:p>
-        </p:txBody>
-      </p:sp>
-      <p:sp>
-        <p:nvSpPr>
-          <p:cNvPr id="3" name="Content Placeholder 2"/>
+              <a:t>Gradient Descent Recipe</a:t>
+            </a:r>
+          </a:p>
+        </p:txBody>
+      </p:sp>
+      <p:sp>
+        <p:nvSpPr>
+          <p:cNvPr id="3" name="Content Placeholder 2">
+            <a:extLst>
+              <a:ext uri="{FF2B5EF4-FFF2-40B4-BE49-F238E27FC236}">
+                <a16:creationId xmlns:a16="http://schemas.microsoft.com/office/drawing/2014/main" id="{E18547E9-FA3A-4541-8731-AF7812617862}"/>
+              </a:ext>
+            </a:extLst>
+          </p:cNvPr>
           <p:cNvSpPr>
             <a:spLocks noGrp="1"/>
           </p:cNvSpPr>
@@ -9600,8 +12515,8 @@
         </p:nvSpPr>
         <p:spPr>
           <a:xfrm>
-            <a:off x="457200" y="1143000"/>
-            <a:ext cx="8229600" cy="5367475"/>
+            <a:off x="152400" y="1406752"/>
+            <a:ext cx="8839200" cy="4530725"/>
           </a:xfrm>
         </p:spPr>
         <p:txBody>
@@ -9610,74 +12525,129 @@
           <a:p>
             <a:r>
               <a:rPr lang="en-US" dirty="0"/>
-              <a:t>Everything is made of waves; also particles !</a:t>
-            </a:r>
-          </a:p>
-          <a:p>
-            <a:r>
-              <a:rPr lang="en-US" dirty="0"/>
-              <a:t>Quantum physics is discrete</a:t>
-            </a:r>
-          </a:p>
-          <a:p>
-            <a:r>
-              <a:rPr lang="en-US" dirty="0"/>
-              <a:t>Quantum physics is probabilistic </a:t>
-            </a:r>
-          </a:p>
-          <a:p>
-            <a:r>
-              <a:rPr lang="en-US" dirty="0"/>
-              <a:t>Quantum physics is non-local</a:t>
-            </a:r>
-          </a:p>
-          <a:p>
-            <a:r>
-              <a:rPr lang="en-US" dirty="0"/>
-              <a:t>Quantum physic is very small</a:t>
-            </a:r>
-          </a:p>
-          <a:p>
-            <a:r>
-              <a:rPr lang="en-US" dirty="0"/>
-              <a:t>Quantum physics is not magic</a:t>
+              <a:t>Compute network output </a:t>
             </a:r>
           </a:p>
           <a:p>
             <a:pPr lvl="1"/>
             <a:r>
               <a:rPr lang="en-US" dirty="0"/>
-              <a:t>Matter can exist in multiple states simultaneously!</a:t>
+              <a:t>h = </a:t>
+            </a:r>
+            <a:r>
+              <a:rPr lang="en-US" dirty="0">
+                <a:latin typeface="Symbol" panose="05050102010706020507" pitchFamily="18" charset="2"/>
+              </a:rPr>
+              <a:t>S (</a:t>
+            </a:r>
+            <a:r>
+              <a:rPr lang="en-US" dirty="0"/>
+              <a:t>w</a:t>
+            </a:r>
+            <a:r>
+              <a:rPr lang="en-US" i="1" baseline="-25000" dirty="0"/>
+              <a:t>i</a:t>
+            </a:r>
+            <a:r>
+              <a:rPr lang="en-US" dirty="0"/>
+              <a:t>x</a:t>
+            </a:r>
+            <a:r>
+              <a:rPr lang="en-US" i="1" baseline="-25000" dirty="0"/>
+              <a:t>i</a:t>
+            </a:r>
+            <a:r>
+              <a:rPr lang="en-US" dirty="0"/>
+              <a:t>)</a:t>
             </a:r>
           </a:p>
           <a:p>
             <a:pPr lvl="1"/>
             <a:r>
+              <a:rPr lang="en-US" dirty="0"/>
+              <a:t>y^ = f(h)	# f is the activation function</a:t>
+            </a:r>
+          </a:p>
+          <a:p>
+            <a:r>
+              <a:rPr lang="en-US" dirty="0"/>
+              <a:t>Compute error </a:t>
+            </a:r>
+          </a:p>
+          <a:p>
+            <a:pPr lvl="1"/>
+            <a:r>
+              <a:rPr lang="en-US" dirty="0"/>
+              <a:t>y – y^ 		# expected value – output</a:t>
+            </a:r>
+          </a:p>
+          <a:p>
+            <a:r>
+              <a:rPr lang="en-US" dirty="0"/>
+              <a:t>Compute error term </a:t>
+            </a:r>
+          </a:p>
+          <a:p>
+            <a:pPr lvl="1"/>
+            <a:r>
+              <a:rPr lang="en-US" dirty="0"/>
+              <a:t>(y – y^)*f’(h)	# f’ ii derivative of the activation function</a:t>
+            </a:r>
+          </a:p>
+          <a:p>
+            <a:r>
+              <a:rPr lang="en-US" dirty="0"/>
+              <a:t> Compute </a:t>
+            </a:r>
+            <a:r>
+              <a:rPr lang="en-US" dirty="0" err="1"/>
+              <a:t>w</a:t>
+            </a:r>
+            <a:r>
+              <a:rPr lang="en-US" i="1" baseline="-25000" dirty="0" err="1"/>
+              <a:t>i</a:t>
+            </a:r>
+            <a:r>
+              <a:rPr lang="en-US" dirty="0"/>
+              <a:t> </a:t>
+            </a:r>
+          </a:p>
+          <a:p>
+            <a:pPr lvl="1"/>
+            <a:r>
               <a:rPr lang="en-US" dirty="0">
-                <a:hlinkClick r:id="rId2"/>
+                <a:latin typeface="Symbol" panose="05050102010706020507" pitchFamily="18" charset="2"/>
               </a:rPr>
-              <a:t>Schrodinger's Cat</a:t>
-            </a:r>
+              <a:t>h</a:t>
+            </a:r>
+            <a:r>
+              <a:rPr lang="en-US" dirty="0"/>
+              <a:t>*(y-y^)*x	#</a:t>
+            </a:r>
+            <a:r>
+              <a:rPr lang="en-US" dirty="0">
+                <a:latin typeface="Symbol" panose="05050102010706020507" pitchFamily="18" charset="2"/>
+              </a:rPr>
+              <a:t> h </a:t>
+            </a:r>
+            <a:r>
+              <a:rPr lang="en-US" dirty="0"/>
+              <a:t>is the learning rate </a:t>
+            </a:r>
+          </a:p>
+          <a:p>
             <a:endParaRPr lang="en-US" dirty="0"/>
           </a:p>
           <a:p>
-            <a:r>
-              <a:rPr lang="en-US" dirty="0">
-                <a:hlinkClick r:id="rId3"/>
-              </a:rPr>
-              <a:t>See this article</a:t>
-            </a:r>
-            <a:r>
-              <a:rPr lang="en-US" dirty="0"/>
-              <a:t>  for more information </a:t>
-            </a:r>
+            <a:pPr lvl="1"/>
+            <a:endParaRPr lang="en-US" dirty="0"/>
           </a:p>
         </p:txBody>
       </p:sp>
     </p:spTree>
     <p:extLst>
       <p:ext uri="{BB962C8B-B14F-4D97-AF65-F5344CB8AC3E}">
-        <p14:creationId xmlns:p14="http://schemas.microsoft.com/office/powerpoint/2010/main" val="2581405269"/>
+        <p14:creationId xmlns:p14="http://schemas.microsoft.com/office/powerpoint/2010/main" val="4045572226"/>
       </p:ext>
     </p:extLst>
   </p:cSld>
@@ -9706,7 +12676,13 @@
       </p:grpSpPr>
       <p:sp>
         <p:nvSpPr>
-          <p:cNvPr id="2" name="Title 1"/>
+          <p:cNvPr id="2" name="Title 1">
+            <a:extLst>
+              <a:ext uri="{FF2B5EF4-FFF2-40B4-BE49-F238E27FC236}">
+                <a16:creationId xmlns:a16="http://schemas.microsoft.com/office/drawing/2014/main" id="{29BBDFF2-9DB5-4187-B986-ECE2AC5FF95A}"/>
+              </a:ext>
+            </a:extLst>
+          </p:cNvPr>
           <p:cNvSpPr>
             <a:spLocks noGrp="1"/>
           </p:cNvSpPr>
@@ -9721,14 +12697,20 @@
           <a:p>
             <a:r>
               <a:rPr lang="en-US" dirty="0"/>
-              <a:t>Resources </a:t>
-            </a:r>
-          </a:p>
-        </p:txBody>
-      </p:sp>
-      <p:sp>
-        <p:nvSpPr>
-          <p:cNvPr id="3" name="Content Placeholder 2"/>
+              <a:t>Gradient Descent Recipe</a:t>
+            </a:r>
+          </a:p>
+        </p:txBody>
+      </p:sp>
+      <p:sp>
+        <p:nvSpPr>
+          <p:cNvPr id="3" name="Content Placeholder 2">
+            <a:extLst>
+              <a:ext uri="{FF2B5EF4-FFF2-40B4-BE49-F238E27FC236}">
+                <a16:creationId xmlns:a16="http://schemas.microsoft.com/office/drawing/2014/main" id="{2EC10423-F0E6-42C0-B15E-8076A190FA7C}"/>
+              </a:ext>
+            </a:extLst>
+          </p:cNvPr>
           <p:cNvSpPr>
             <a:spLocks noGrp="1"/>
           </p:cNvSpPr>
@@ -9742,119 +12724,250 @@
           <a:lstStyle/>
           <a:p>
             <a:r>
-              <a:rPr lang="en-US" sz="1600" dirty="0">
-                <a:hlinkClick r:id="rId2"/>
-              </a:rPr>
-              <a:t>Neural Networks and Deep Learning </a:t>
-            </a:r>
-            <a:r>
-              <a:rPr lang="en-US" sz="1600" dirty="0"/>
-              <a:t>(by Michael Nielson)</a:t>
-            </a:r>
-            <a:endParaRPr lang="en-US" sz="1600" dirty="0">
-              <a:hlinkClick r:id="rId3"/>
-            </a:endParaRPr>
-          </a:p>
-          <a:p>
-            <a:r>
-              <a:rPr lang="en-US" sz="1600" dirty="0">
-                <a:hlinkClick r:id="rId3"/>
-              </a:rPr>
-              <a:t>Deep Learning Book </a:t>
-            </a:r>
-            <a:r>
-              <a:rPr lang="en-US" sz="1600" dirty="0"/>
-              <a:t>(</a:t>
-            </a:r>
-            <a:r>
-              <a:rPr lang="en-US" sz="1600" dirty="0"/>
-              <a:t>Ian </a:t>
-            </a:r>
-            <a:r>
-              <a:rPr lang="en-US" sz="1600" dirty="0" err="1"/>
-              <a:t>Goodfellow</a:t>
-            </a:r>
-            <a:r>
-              <a:rPr lang="en-US" sz="1600" dirty="0"/>
-              <a:t> and </a:t>
-            </a:r>
-            <a:r>
-              <a:rPr lang="en-US" sz="1600" dirty="0" err="1"/>
-              <a:t>Yoshua</a:t>
-            </a:r>
-            <a:r>
-              <a:rPr lang="en-US" sz="1600" dirty="0"/>
-              <a:t> </a:t>
-            </a:r>
-            <a:r>
-              <a:rPr lang="en-US" sz="1600" dirty="0" err="1"/>
-              <a:t>Bengio</a:t>
-            </a:r>
-            <a:r>
-              <a:rPr lang="en-US" sz="1600" dirty="0"/>
-              <a:t> and Aaron </a:t>
-            </a:r>
-            <a:r>
-              <a:rPr lang="en-US" sz="1600" dirty="0" err="1"/>
-              <a:t>Cour</a:t>
-            </a:r>
-            <a:r>
-              <a:rPr lang="en-US" sz="1600" b="1" dirty="0" err="1"/>
-              <a:t>ville</a:t>
-            </a:r>
-            <a:r>
-              <a:rPr lang="en-US" sz="1600" b="1" dirty="0"/>
-              <a:t>)</a:t>
-            </a:r>
-          </a:p>
-          <a:p>
-            <a:r>
-              <a:rPr lang="en-US" sz="1600" dirty="0">
-                <a:hlinkClick r:id="rId4"/>
-              </a:rPr>
-              <a:t>TensorFlow Playground</a:t>
-            </a:r>
-            <a:endParaRPr lang="en-US" sz="1600" dirty="0"/>
-          </a:p>
-          <a:p>
-            <a:r>
-              <a:rPr lang="en-US" sz="1600" dirty="0" err="1"/>
-              <a:t>Udacity</a:t>
-            </a:r>
-            <a:r>
-              <a:rPr lang="en-US" sz="1600" dirty="0"/>
-              <a:t> Machine Learning Course (free)</a:t>
-            </a:r>
-          </a:p>
-          <a:p>
-            <a:r>
-              <a:rPr lang="en-US" sz="1600" dirty="0">
-                <a:hlinkClick r:id="rId5"/>
-              </a:rPr>
-              <a:t>Stanford CS231n CIFAR classifier in browser</a:t>
-            </a:r>
-          </a:p>
-          <a:p>
-            <a:r>
-              <a:rPr lang="en-US" sz="1600" dirty="0">
-                <a:hlinkClick r:id="rId6"/>
-              </a:rPr>
-              <a:t>Wikipedia Machine Learning Portal </a:t>
-            </a:r>
-            <a:endParaRPr lang="en-US" sz="1600" dirty="0"/>
-          </a:p>
-          <a:p>
-            <a:endParaRPr lang="en-US" sz="1600" b="1" dirty="0"/>
-          </a:p>
-          <a:p>
-            <a:endParaRPr lang="en-US" sz="1200" dirty="0"/>
+              <a:rPr lang="en-US" dirty="0"/>
+              <a:t>Set the weight step to zero: </a:t>
+            </a:r>
+            <a:r>
+              <a:rPr lang="en-US" dirty="0" err="1"/>
+              <a:t>Δ</a:t>
+            </a:r>
+            <a:r>
+              <a:rPr lang="en-US" i="1" dirty="0" err="1"/>
+              <a:t>w</a:t>
+            </a:r>
+            <a:r>
+              <a:rPr lang="en-US" dirty="0"/>
+              <a:t>​</a:t>
+            </a:r>
+            <a:r>
+              <a:rPr lang="en-US" i="1" dirty="0" err="1"/>
+              <a:t>i</a:t>
+            </a:r>
+            <a:r>
+              <a:rPr lang="en-US" dirty="0"/>
+              <a:t>​​=0</a:t>
+            </a:r>
+          </a:p>
+          <a:p>
+            <a:r>
+              <a:rPr lang="en-US" dirty="0"/>
+              <a:t>For each record in the training data:</a:t>
+            </a:r>
+          </a:p>
+          <a:p>
+            <a:pPr lvl="1"/>
+            <a:r>
+              <a:rPr lang="en-US" dirty="0"/>
+              <a:t>Make a forward pass through the network, calculating the output ​</a:t>
+            </a:r>
+            <a:r>
+              <a:rPr lang="en-US" i="1" dirty="0"/>
+              <a:t>y</a:t>
+            </a:r>
+            <a:r>
+              <a:rPr lang="en-US" dirty="0"/>
+              <a:t>​^​​=</a:t>
+            </a:r>
+            <a:r>
+              <a:rPr lang="en-US" i="1" dirty="0"/>
+              <a:t>f</a:t>
+            </a:r>
+            <a:r>
+              <a:rPr lang="en-US" dirty="0"/>
+              <a:t>(∑​</a:t>
+            </a:r>
+            <a:r>
+              <a:rPr lang="en-US" i="1" dirty="0" err="1"/>
+              <a:t>i</a:t>
+            </a:r>
+            <a:r>
+              <a:rPr lang="en-US" dirty="0"/>
+              <a:t>​​</a:t>
+            </a:r>
+            <a:r>
+              <a:rPr lang="en-US" i="1" dirty="0"/>
+              <a:t>w</a:t>
+            </a:r>
+            <a:r>
+              <a:rPr lang="en-US" dirty="0"/>
+              <a:t>​</a:t>
+            </a:r>
+            <a:r>
+              <a:rPr lang="en-US" i="1" dirty="0" err="1"/>
+              <a:t>i</a:t>
+            </a:r>
+            <a:r>
+              <a:rPr lang="en-US" dirty="0"/>
+              <a:t>​​</a:t>
+            </a:r>
+            <a:r>
+              <a:rPr lang="en-US" i="1" dirty="0"/>
+              <a:t>x</a:t>
+            </a:r>
+            <a:r>
+              <a:rPr lang="en-US" dirty="0"/>
+              <a:t>​</a:t>
+            </a:r>
+            <a:r>
+              <a:rPr lang="en-US" i="1" dirty="0" err="1"/>
+              <a:t>i</a:t>
+            </a:r>
+            <a:r>
+              <a:rPr lang="en-US" dirty="0"/>
+              <a:t>​​)</a:t>
+            </a:r>
+          </a:p>
+          <a:p>
+            <a:pPr lvl="1"/>
+            <a:r>
+              <a:rPr lang="en-US" dirty="0"/>
+              <a:t>Calculate the error gradient in the output unit, </a:t>
+            </a:r>
+            <a:r>
+              <a:rPr lang="en-US" i="1" dirty="0"/>
+              <a:t>δ</a:t>
+            </a:r>
+            <a:r>
+              <a:rPr lang="en-US" dirty="0"/>
+              <a:t>=(</a:t>
+            </a:r>
+            <a:r>
+              <a:rPr lang="en-US" i="1" dirty="0"/>
+              <a:t>y</a:t>
+            </a:r>
+            <a:r>
+              <a:rPr lang="en-US" dirty="0"/>
+              <a:t>−​</a:t>
+            </a:r>
+            <a:r>
+              <a:rPr lang="en-US" i="1" dirty="0"/>
+              <a:t>y</a:t>
+            </a:r>
+            <a:r>
+              <a:rPr lang="en-US" dirty="0"/>
+              <a:t>​^​​)∗</a:t>
+            </a:r>
+            <a:r>
+              <a:rPr lang="en-US" i="1" dirty="0"/>
+              <a:t>f</a:t>
+            </a:r>
+            <a:r>
+              <a:rPr lang="en-US" dirty="0"/>
+              <a:t>​′​​(∑​</a:t>
+            </a:r>
+            <a:r>
+              <a:rPr lang="en-US" i="1" dirty="0" err="1"/>
+              <a:t>i</a:t>
+            </a:r>
+            <a:r>
+              <a:rPr lang="en-US" dirty="0"/>
+              <a:t>​​</a:t>
+            </a:r>
+            <a:r>
+              <a:rPr lang="en-US" i="1" dirty="0"/>
+              <a:t>w</a:t>
+            </a:r>
+            <a:r>
+              <a:rPr lang="en-US" dirty="0"/>
+              <a:t>​</a:t>
+            </a:r>
+            <a:r>
+              <a:rPr lang="en-US" i="1" dirty="0" err="1"/>
+              <a:t>i</a:t>
+            </a:r>
+            <a:r>
+              <a:rPr lang="en-US" dirty="0"/>
+              <a:t>​​</a:t>
+            </a:r>
+            <a:r>
+              <a:rPr lang="en-US" i="1" dirty="0"/>
+              <a:t>x</a:t>
+            </a:r>
+            <a:r>
+              <a:rPr lang="en-US" dirty="0"/>
+              <a:t>​</a:t>
+            </a:r>
+            <a:r>
+              <a:rPr lang="en-US" i="1" dirty="0" err="1"/>
+              <a:t>i</a:t>
+            </a:r>
+            <a:r>
+              <a:rPr lang="en-US" dirty="0"/>
+              <a:t>​​)</a:t>
+            </a:r>
+          </a:p>
+          <a:p>
+            <a:pPr lvl="1"/>
+            <a:r>
+              <a:rPr lang="en-US" dirty="0"/>
+              <a:t>Update the weight step </a:t>
+            </a:r>
+            <a:r>
+              <a:rPr lang="en-US" dirty="0" err="1"/>
+              <a:t>Δ</a:t>
+            </a:r>
+            <a:r>
+              <a:rPr lang="en-US" i="1" dirty="0" err="1"/>
+              <a:t>w</a:t>
+            </a:r>
+            <a:r>
+              <a:rPr lang="en-US" dirty="0"/>
+              <a:t>​</a:t>
+            </a:r>
+            <a:r>
+              <a:rPr lang="en-US" i="1" dirty="0" err="1"/>
+              <a:t>i</a:t>
+            </a:r>
+            <a:r>
+              <a:rPr lang="en-US" dirty="0"/>
+              <a:t>​​=</a:t>
+            </a:r>
+            <a:r>
+              <a:rPr lang="en-US" dirty="0" err="1"/>
+              <a:t>Δ</a:t>
+            </a:r>
+            <a:r>
+              <a:rPr lang="en-US" i="1" dirty="0" err="1"/>
+              <a:t>w</a:t>
+            </a:r>
+            <a:r>
+              <a:rPr lang="en-US" dirty="0"/>
+              <a:t>​</a:t>
+            </a:r>
+            <a:r>
+              <a:rPr lang="en-US" i="1" dirty="0" err="1"/>
+              <a:t>i</a:t>
+            </a:r>
+            <a:r>
+              <a:rPr lang="en-US" dirty="0"/>
+              <a:t>​​+</a:t>
+            </a:r>
+            <a:r>
+              <a:rPr lang="en-US" i="1" dirty="0" err="1"/>
+              <a:t>δx</a:t>
+            </a:r>
+            <a:r>
+              <a:rPr lang="en-US" dirty="0"/>
+              <a:t>​</a:t>
+            </a:r>
+            <a:r>
+              <a:rPr lang="en-US" i="1" dirty="0" err="1"/>
+              <a:t>i</a:t>
+            </a:r>
+            <a:r>
+              <a:rPr lang="en-US" dirty="0"/>
+              <a:t>​​</a:t>
+            </a:r>
+          </a:p>
+          <a:p>
+            <a:endParaRPr lang="en-US" dirty="0"/>
           </a:p>
         </p:txBody>
       </p:sp>
     </p:spTree>
     <p:extLst>
       <p:ext uri="{BB962C8B-B14F-4D97-AF65-F5344CB8AC3E}">
-        <p14:creationId xmlns:p14="http://schemas.microsoft.com/office/powerpoint/2010/main" val="3577483527"/>
+        <p14:creationId xmlns:p14="http://schemas.microsoft.com/office/powerpoint/2010/main" val="4103334517"/>
       </p:ext>
     </p:extLst>
   </p:cSld>
@@ -9881,6 +12994,500 @@
           <a:chExt cx="0" cy="0"/>
         </a:xfrm>
       </p:grpSpPr>
+      <p:sp>
+        <p:nvSpPr>
+          <p:cNvPr id="2" name="Title 1">
+            <a:extLst>
+              <a:ext uri="{FF2B5EF4-FFF2-40B4-BE49-F238E27FC236}">
+                <a16:creationId xmlns:a16="http://schemas.microsoft.com/office/drawing/2014/main" id="{A0E266D7-F13A-4F15-8C62-0B2E5548B1AC}"/>
+              </a:ext>
+            </a:extLst>
+          </p:cNvPr>
+          <p:cNvSpPr>
+            <a:spLocks noGrp="1"/>
+          </p:cNvSpPr>
+          <p:nvPr>
+            <p:ph type="title"/>
+          </p:nvPr>
+        </p:nvSpPr>
+        <p:spPr/>
+        <p:txBody>
+          <a:bodyPr/>
+          <a:lstStyle/>
+          <a:p>
+            <a:r>
+              <a:rPr lang="en-US" dirty="0"/>
+              <a:t>Gradient Descent Recipe</a:t>
+            </a:r>
+          </a:p>
+        </p:txBody>
+      </p:sp>
+      <p:sp>
+        <p:nvSpPr>
+          <p:cNvPr id="3" name="Content Placeholder 2">
+            <a:extLst>
+              <a:ext uri="{FF2B5EF4-FFF2-40B4-BE49-F238E27FC236}">
+                <a16:creationId xmlns:a16="http://schemas.microsoft.com/office/drawing/2014/main" id="{2CC0141C-7F09-42F0-A804-D024F6C4DF0B}"/>
+              </a:ext>
+            </a:extLst>
+          </p:cNvPr>
+          <p:cNvSpPr>
+            <a:spLocks noGrp="1"/>
+          </p:cNvSpPr>
+          <p:nvPr>
+            <p:ph idx="1"/>
+          </p:nvPr>
+        </p:nvSpPr>
+        <p:spPr/>
+        <p:txBody>
+          <a:bodyPr/>
+          <a:lstStyle/>
+          <a:p>
+            <a:r>
+              <a:rPr lang="en-US" dirty="0"/>
+              <a:t>Update the weights </a:t>
+            </a:r>
+            <a:r>
+              <a:rPr lang="en-US" i="1" dirty="0"/>
+              <a:t>w</a:t>
+            </a:r>
+            <a:r>
+              <a:rPr lang="en-US" dirty="0"/>
+              <a:t>​</a:t>
+            </a:r>
+            <a:r>
+              <a:rPr lang="en-US" i="1" dirty="0" err="1"/>
+              <a:t>i</a:t>
+            </a:r>
+            <a:r>
+              <a:rPr lang="en-US" dirty="0"/>
+              <a:t>​​=</a:t>
+            </a:r>
+            <a:r>
+              <a:rPr lang="en-US" i="1" dirty="0"/>
+              <a:t>w</a:t>
+            </a:r>
+            <a:r>
+              <a:rPr lang="en-US" dirty="0"/>
+              <a:t>​</a:t>
+            </a:r>
+            <a:r>
+              <a:rPr lang="en-US" i="1" dirty="0" err="1"/>
+              <a:t>i</a:t>
+            </a:r>
+            <a:r>
+              <a:rPr lang="en-US" dirty="0"/>
+              <a:t>​​+</a:t>
+            </a:r>
+            <a:r>
+              <a:rPr lang="en-US" i="1" dirty="0" err="1"/>
+              <a:t>η</a:t>
+            </a:r>
+            <a:r>
+              <a:rPr lang="en-US" dirty="0" err="1"/>
+              <a:t>Δ</a:t>
+            </a:r>
+            <a:r>
+              <a:rPr lang="en-US" i="1" dirty="0" err="1"/>
+              <a:t>w</a:t>
+            </a:r>
+            <a:r>
+              <a:rPr lang="en-US" dirty="0"/>
+              <a:t>​</a:t>
+            </a:r>
+            <a:r>
+              <a:rPr lang="en-US" i="1" dirty="0" err="1"/>
+              <a:t>i</a:t>
+            </a:r>
+            <a:r>
+              <a:rPr lang="en-US" dirty="0"/>
+              <a:t>​​/</a:t>
+            </a:r>
+            <a:r>
+              <a:rPr lang="en-US" i="1" dirty="0"/>
+              <a:t>m</a:t>
+            </a:r>
+            <a:r>
+              <a:rPr lang="en-US" dirty="0"/>
+              <a:t> where </a:t>
+            </a:r>
+            <a:r>
+              <a:rPr lang="en-US" i="1" dirty="0"/>
+              <a:t>η</a:t>
+            </a:r>
+            <a:r>
+              <a:rPr lang="en-US" dirty="0"/>
+              <a:t> is the learning rate and </a:t>
+            </a:r>
+            <a:r>
+              <a:rPr lang="en-US" i="1" dirty="0"/>
+              <a:t>m</a:t>
+            </a:r>
+            <a:r>
+              <a:rPr lang="en-US" dirty="0"/>
+              <a:t> is the number of records. Here we're averaging the weight steps to help reduce any large variations in the training data.</a:t>
+            </a:r>
+          </a:p>
+          <a:p>
+            <a:r>
+              <a:rPr lang="en-US" dirty="0"/>
+              <a:t>Repeat for </a:t>
+            </a:r>
+            <a:r>
+              <a:rPr lang="en-US" i="1" dirty="0"/>
+              <a:t>e</a:t>
+            </a:r>
+            <a:r>
+              <a:rPr lang="en-US" dirty="0"/>
+              <a:t> epochs.</a:t>
+            </a:r>
+          </a:p>
+          <a:p>
+            <a:endParaRPr lang="en-US" dirty="0"/>
+          </a:p>
+        </p:txBody>
+      </p:sp>
+    </p:spTree>
+    <p:extLst>
+      <p:ext uri="{BB962C8B-B14F-4D97-AF65-F5344CB8AC3E}">
+        <p14:creationId xmlns:p14="http://schemas.microsoft.com/office/powerpoint/2010/main" val="3900168365"/>
+      </p:ext>
+    </p:extLst>
+  </p:cSld>
+  <p:clrMapOvr>
+    <a:masterClrMapping/>
+  </p:clrMapOvr>
+</p:sld>
+</file>
+
+<file path=ppt/slides/slide25.xml><?xml version="1.0" encoding="utf-8"?>
+<p:sld xmlns:a="http://schemas.openxmlformats.org/drawingml/2006/main" xmlns:r="http://schemas.openxmlformats.org/officeDocument/2006/relationships" xmlns:p="http://schemas.openxmlformats.org/presentationml/2006/main">
+  <p:cSld>
+    <p:spTree>
+      <p:nvGrpSpPr>
+        <p:cNvPr id="1" name=""/>
+        <p:cNvGrpSpPr/>
+        <p:nvPr/>
+      </p:nvGrpSpPr>
+      <p:grpSpPr>
+        <a:xfrm>
+          <a:off x="0" y="0"/>
+          <a:ext cx="0" cy="0"/>
+          <a:chOff x="0" y="0"/>
+          <a:chExt cx="0" cy="0"/>
+        </a:xfrm>
+      </p:grpSpPr>
+      <p:sp>
+        <p:nvSpPr>
+          <p:cNvPr id="2" name="Title 1"/>
+          <p:cNvSpPr>
+            <a:spLocks noGrp="1"/>
+          </p:cNvSpPr>
+          <p:nvPr>
+            <p:ph type="title"/>
+          </p:nvPr>
+        </p:nvSpPr>
+        <p:spPr/>
+        <p:txBody>
+          <a:bodyPr/>
+          <a:lstStyle/>
+          <a:p>
+            <a:r>
+              <a:rPr lang="en-US" dirty="0"/>
+              <a:t>Summary  </a:t>
+            </a:r>
+          </a:p>
+        </p:txBody>
+      </p:sp>
+      <p:sp>
+        <p:nvSpPr>
+          <p:cNvPr id="3" name="Content Placeholder 2"/>
+          <p:cNvSpPr>
+            <a:spLocks noGrp="1"/>
+          </p:cNvSpPr>
+          <p:nvPr>
+            <p:ph idx="1"/>
+          </p:nvPr>
+        </p:nvSpPr>
+        <p:spPr>
+          <a:xfrm>
+            <a:off x="457200" y="1143000"/>
+            <a:ext cx="8229600" cy="5367475"/>
+          </a:xfrm>
+        </p:spPr>
+        <p:txBody>
+          <a:bodyPr/>
+          <a:lstStyle/>
+          <a:p>
+            <a:r>
+              <a:rPr lang="en-US" dirty="0"/>
+              <a:t>Everything is made of waves; also particles !</a:t>
+            </a:r>
+          </a:p>
+          <a:p>
+            <a:r>
+              <a:rPr lang="en-US" dirty="0"/>
+              <a:t>Quantum physics is discrete</a:t>
+            </a:r>
+          </a:p>
+          <a:p>
+            <a:r>
+              <a:rPr lang="en-US" dirty="0"/>
+              <a:t>Quantum physics is probabilistic </a:t>
+            </a:r>
+          </a:p>
+          <a:p>
+            <a:r>
+              <a:rPr lang="en-US" dirty="0"/>
+              <a:t>Quantum physics is non-local</a:t>
+            </a:r>
+          </a:p>
+          <a:p>
+            <a:r>
+              <a:rPr lang="en-US" dirty="0"/>
+              <a:t>Quantum physic is very small</a:t>
+            </a:r>
+          </a:p>
+          <a:p>
+            <a:r>
+              <a:rPr lang="en-US" dirty="0"/>
+              <a:t>Quantum physics is not magic</a:t>
+            </a:r>
+          </a:p>
+          <a:p>
+            <a:pPr lvl="1"/>
+            <a:r>
+              <a:rPr lang="en-US" dirty="0"/>
+              <a:t>Matter can exist in multiple states simultaneously!</a:t>
+            </a:r>
+          </a:p>
+          <a:p>
+            <a:pPr lvl="1"/>
+            <a:r>
+              <a:rPr lang="en-US" dirty="0">
+                <a:hlinkClick r:id="rId3"/>
+              </a:rPr>
+              <a:t>Schrodinger's Cat</a:t>
+            </a:r>
+            <a:endParaRPr lang="en-US" dirty="0"/>
+          </a:p>
+          <a:p>
+            <a:r>
+              <a:rPr lang="en-US" dirty="0">
+                <a:hlinkClick r:id="rId4"/>
+              </a:rPr>
+              <a:t>See this article</a:t>
+            </a:r>
+            <a:r>
+              <a:rPr lang="en-US" dirty="0"/>
+              <a:t>  for more information </a:t>
+            </a:r>
+          </a:p>
+        </p:txBody>
+      </p:sp>
+    </p:spTree>
+    <p:extLst>
+      <p:ext uri="{BB962C8B-B14F-4D97-AF65-F5344CB8AC3E}">
+        <p14:creationId xmlns:p14="http://schemas.microsoft.com/office/powerpoint/2010/main" val="2581405269"/>
+      </p:ext>
+    </p:extLst>
+  </p:cSld>
+  <p:clrMapOvr>
+    <a:masterClrMapping/>
+  </p:clrMapOvr>
+</p:sld>
+</file>
+
+<file path=ppt/slides/slide26.xml><?xml version="1.0" encoding="utf-8"?>
+<p:sld xmlns:a="http://schemas.openxmlformats.org/drawingml/2006/main" xmlns:r="http://schemas.openxmlformats.org/officeDocument/2006/relationships" xmlns:p="http://schemas.openxmlformats.org/presentationml/2006/main">
+  <p:cSld>
+    <p:spTree>
+      <p:nvGrpSpPr>
+        <p:cNvPr id="1" name=""/>
+        <p:cNvGrpSpPr/>
+        <p:nvPr/>
+      </p:nvGrpSpPr>
+      <p:grpSpPr>
+        <a:xfrm>
+          <a:off x="0" y="0"/>
+          <a:ext cx="0" cy="0"/>
+          <a:chOff x="0" y="0"/>
+          <a:chExt cx="0" cy="0"/>
+        </a:xfrm>
+      </p:grpSpPr>
+      <p:sp>
+        <p:nvSpPr>
+          <p:cNvPr id="2" name="Title 1"/>
+          <p:cNvSpPr>
+            <a:spLocks noGrp="1"/>
+          </p:cNvSpPr>
+          <p:nvPr>
+            <p:ph type="title"/>
+          </p:nvPr>
+        </p:nvSpPr>
+        <p:spPr/>
+        <p:txBody>
+          <a:bodyPr/>
+          <a:lstStyle/>
+          <a:p>
+            <a:r>
+              <a:rPr lang="en-US" dirty="0"/>
+              <a:t>Resources </a:t>
+            </a:r>
+          </a:p>
+        </p:txBody>
+      </p:sp>
+      <p:sp>
+        <p:nvSpPr>
+          <p:cNvPr id="3" name="Content Placeholder 2"/>
+          <p:cNvSpPr>
+            <a:spLocks noGrp="1"/>
+          </p:cNvSpPr>
+          <p:nvPr>
+            <p:ph idx="1"/>
+          </p:nvPr>
+        </p:nvSpPr>
+        <p:spPr/>
+        <p:txBody>
+          <a:bodyPr/>
+          <a:lstStyle/>
+          <a:p>
+            <a:r>
+              <a:rPr lang="en-US" sz="1600" dirty="0">
+                <a:hlinkClick r:id="rId3"/>
+              </a:rPr>
+              <a:t>Neural Networks and Deep Learning </a:t>
+            </a:r>
+            <a:r>
+              <a:rPr lang="en-US" sz="1600" dirty="0"/>
+              <a:t>(by Michael Nielson)</a:t>
+            </a:r>
+            <a:endParaRPr lang="en-US" sz="1600" dirty="0">
+              <a:hlinkClick r:id="rId4"/>
+            </a:endParaRPr>
+          </a:p>
+          <a:p>
+            <a:r>
+              <a:rPr lang="en-US" sz="1600" dirty="0">
+                <a:hlinkClick r:id="rId4"/>
+              </a:rPr>
+              <a:t>Deep Learning Book </a:t>
+            </a:r>
+            <a:r>
+              <a:rPr lang="en-US" sz="1600" dirty="0"/>
+              <a:t>(Ian </a:t>
+            </a:r>
+            <a:r>
+              <a:rPr lang="en-US" sz="1600" dirty="0" err="1"/>
+              <a:t>Goodfellow</a:t>
+            </a:r>
+            <a:r>
+              <a:rPr lang="en-US" sz="1600" dirty="0"/>
+              <a:t> and </a:t>
+            </a:r>
+            <a:r>
+              <a:rPr lang="en-US" sz="1600" dirty="0" err="1"/>
+              <a:t>Yoshua</a:t>
+            </a:r>
+            <a:r>
+              <a:rPr lang="en-US" sz="1600" dirty="0"/>
+              <a:t> </a:t>
+            </a:r>
+            <a:r>
+              <a:rPr lang="en-US" sz="1600" dirty="0" err="1"/>
+              <a:t>Bengio</a:t>
+            </a:r>
+            <a:r>
+              <a:rPr lang="en-US" sz="1600" dirty="0"/>
+              <a:t> and Aaron </a:t>
+            </a:r>
+            <a:r>
+              <a:rPr lang="en-US" sz="1600" dirty="0" err="1"/>
+              <a:t>Cour</a:t>
+            </a:r>
+            <a:r>
+              <a:rPr lang="en-US" sz="1600" b="1" dirty="0" err="1"/>
+              <a:t>ville</a:t>
+            </a:r>
+            <a:r>
+              <a:rPr lang="en-US" sz="1600" b="1" dirty="0"/>
+              <a:t>)</a:t>
+            </a:r>
+          </a:p>
+          <a:p>
+            <a:r>
+              <a:rPr lang="en-US" sz="1600" dirty="0">
+                <a:hlinkClick r:id="rId5"/>
+              </a:rPr>
+              <a:t>TensorFlow Playground</a:t>
+            </a:r>
+            <a:endParaRPr lang="en-US" sz="1600" dirty="0"/>
+          </a:p>
+          <a:p>
+            <a:r>
+              <a:rPr lang="en-US" sz="1600" dirty="0" err="1"/>
+              <a:t>Udacity</a:t>
+            </a:r>
+            <a:r>
+              <a:rPr lang="en-US" sz="1600" dirty="0"/>
+              <a:t> Machine Learning Course (free)</a:t>
+            </a:r>
+          </a:p>
+          <a:p>
+            <a:r>
+              <a:rPr lang="en-US" sz="1600" dirty="0">
+                <a:hlinkClick r:id="rId6"/>
+              </a:rPr>
+              <a:t>Stanford CS231n CIFAR classifier in browser</a:t>
+            </a:r>
+          </a:p>
+          <a:p>
+            <a:r>
+              <a:rPr lang="en-US" sz="1600" dirty="0">
+                <a:hlinkClick r:id="rId7"/>
+              </a:rPr>
+              <a:t>Wikipedia Machine Learning Portal </a:t>
+            </a:r>
+            <a:endParaRPr lang="en-US" sz="1600" dirty="0"/>
+          </a:p>
+          <a:p>
+            <a:endParaRPr lang="en-US" sz="1600" b="1" dirty="0"/>
+          </a:p>
+          <a:p>
+            <a:endParaRPr lang="en-US" sz="1200" dirty="0"/>
+          </a:p>
+        </p:txBody>
+      </p:sp>
+    </p:spTree>
+    <p:extLst>
+      <p:ext uri="{BB962C8B-B14F-4D97-AF65-F5344CB8AC3E}">
+        <p14:creationId xmlns:p14="http://schemas.microsoft.com/office/powerpoint/2010/main" val="3577483527"/>
+      </p:ext>
+    </p:extLst>
+  </p:cSld>
+  <p:clrMapOvr>
+    <a:masterClrMapping/>
+  </p:clrMapOvr>
+</p:sld>
+</file>
+
+<file path=ppt/slides/slide27.xml><?xml version="1.0" encoding="utf-8"?>
+<p:sld xmlns:a="http://schemas.openxmlformats.org/drawingml/2006/main" xmlns:r="http://schemas.openxmlformats.org/officeDocument/2006/relationships" xmlns:p="http://schemas.openxmlformats.org/presentationml/2006/main">
+  <p:cSld>
+    <p:spTree>
+      <p:nvGrpSpPr>
+        <p:cNvPr id="1" name=""/>
+        <p:cNvGrpSpPr/>
+        <p:nvPr/>
+      </p:nvGrpSpPr>
+      <p:grpSpPr>
+        <a:xfrm>
+          <a:off x="0" y="0"/>
+          <a:ext cx="0" cy="0"/>
+          <a:chOff x="0" y="0"/>
+          <a:chExt cx="0" cy="0"/>
+        </a:xfrm>
+      </p:grpSpPr>
       <p:pic>
         <p:nvPicPr>
           <p:cNvPr id="2" name="Picture 1"/>
@@ -9890,7 +13497,7 @@
           <p:nvPr/>
         </p:nvPicPr>
         <p:blipFill>
-          <a:blip r:embed="rId2">
+          <a:blip r:embed="rId3">
             <a:extLst>
               <a:ext uri="{28A0092B-C50C-407E-A947-70E740481C1C}">
                 <a14:useLocalDpi xmlns:a14="http://schemas.microsoft.com/office/drawing/2010/main" val="0"/>
@@ -9992,7 +13599,7 @@
           <p:nvPr/>
         </p:nvPicPr>
         <p:blipFill>
-          <a:blip r:embed="rId2">
+          <a:blip r:embed="rId3">
             <a:extLst>
               <a:ext uri="{28A0092B-C50C-407E-A947-70E740481C1C}">
                 <a14:useLocalDpi xmlns:a14="http://schemas.microsoft.com/office/drawing/2010/main" val="0"/>
@@ -10086,7 +13693,7 @@
           <p:nvPr/>
         </p:nvPicPr>
         <p:blipFill>
-          <a:blip r:embed="rId2" cstate="print">
+          <a:blip r:embed="rId3" cstate="print">
             <a:extLst>
               <a:ext uri="{28A0092B-C50C-407E-A947-70E740481C1C}">
                 <a14:useLocalDpi xmlns:a14="http://schemas.microsoft.com/office/drawing/2010/main" val="0"/>
@@ -10122,7 +13729,7 @@
           <p:nvPr/>
         </p:nvPicPr>
         <p:blipFill>
-          <a:blip r:embed="rId3">
+          <a:blip r:embed="rId4">
             <a:extLst>
               <a:ext uri="{28A0092B-C50C-407E-A947-70E740481C1C}">
                 <a14:useLocalDpi xmlns:a14="http://schemas.microsoft.com/office/drawing/2010/main" val="0"/>
@@ -10158,7 +13765,7 @@
           <p:nvPr/>
         </p:nvPicPr>
         <p:blipFill>
-          <a:blip r:embed="rId4" cstate="print">
+          <a:blip r:embed="rId5" cstate="print">
             <a:extLst>
               <a:ext uri="{28A0092B-C50C-407E-A947-70E740481C1C}">
                 <a14:useLocalDpi xmlns:a14="http://schemas.microsoft.com/office/drawing/2010/main" val="0"/>
@@ -10684,7 +14291,7 @@
           <p:nvPr/>
         </p:nvPicPr>
         <p:blipFill>
-          <a:blip r:embed="rId2" cstate="print">
+          <a:blip r:embed="rId3" cstate="print">
             <a:extLst>
               <a:ext uri="{28A0092B-C50C-407E-A947-70E740481C1C}">
                 <a14:useLocalDpi xmlns:a14="http://schemas.microsoft.com/office/drawing/2010/main" val="0"/>
@@ -10720,7 +14327,7 @@
           <p:nvPr/>
         </p:nvPicPr>
         <p:blipFill>
-          <a:blip r:embed="rId3">
+          <a:blip r:embed="rId4">
             <a:extLst>
               <a:ext uri="{28A0092B-C50C-407E-A947-70E740481C1C}">
                 <a14:useLocalDpi xmlns:a14="http://schemas.microsoft.com/office/drawing/2010/main" val="0"/>
@@ -10816,7 +14423,7 @@
           </p:nvPr>
         </p:nvPicPr>
         <p:blipFill>
-          <a:blip r:embed="rId2">
+          <a:blip r:embed="rId3">
             <a:extLst>
               <a:ext uri="{28A0092B-C50C-407E-A947-70E740481C1C}">
                 <a14:useLocalDpi xmlns:a14="http://schemas.microsoft.com/office/drawing/2010/main" val="0"/>
@@ -10870,7 +14477,7 @@
           <a:p>
             <a:r>
               <a:rPr lang="en-US" i="1" dirty="0">
-                <a:hlinkClick r:id="rId3"/>
+                <a:hlinkClick r:id="rId4"/>
               </a:rPr>
               <a:t>https://www.youtube.com/watch?v=ETeeSYMGZn0</a:t>
             </a:r>
@@ -11022,7 +14629,7 @@
           <p:nvPr/>
         </p:nvPicPr>
         <p:blipFill>
-          <a:blip r:embed="rId2" cstate="print">
+          <a:blip r:embed="rId3" cstate="print">
             <a:extLst>
               <a:ext uri="{28A0092B-C50C-407E-A947-70E740481C1C}">
                 <a14:useLocalDpi xmlns:a14="http://schemas.microsoft.com/office/drawing/2010/main" val="0"/>
@@ -11175,7 +14782,7 @@
           <p:nvPr/>
         </p:nvPicPr>
         <p:blipFill>
-          <a:blip r:embed="rId2">
+          <a:blip r:embed="rId3">
             <a:extLst>
               <a:ext uri="{28A0092B-C50C-407E-A947-70E740481C1C}">
                 <a14:useLocalDpi xmlns:a14="http://schemas.microsoft.com/office/drawing/2010/main" val="0"/>
@@ -11211,7 +14818,7 @@
           <p:nvPr/>
         </p:nvPicPr>
         <p:blipFill>
-          <a:blip r:embed="rId3">
+          <a:blip r:embed="rId4">
             <a:extLst>
               <a:ext uri="{28A0092B-C50C-407E-A947-70E740481C1C}">
                 <a14:useLocalDpi xmlns:a14="http://schemas.microsoft.com/office/drawing/2010/main" val="0"/>
@@ -11247,7 +14854,7 @@
           <p:nvPr/>
         </p:nvPicPr>
         <p:blipFill>
-          <a:blip r:embed="rId4">
+          <a:blip r:embed="rId5">
             <a:extLst>
               <a:ext uri="{28A0092B-C50C-407E-A947-70E740481C1C}">
                 <a14:useLocalDpi xmlns:a14="http://schemas.microsoft.com/office/drawing/2010/main" val="0"/>
@@ -11297,7 +14904,7 @@
           <a:p>
             <a:r>
               <a:rPr lang="en-US" dirty="0">
-                <a:hlinkClick r:id="rId5"/>
+                <a:hlinkClick r:id="rId6"/>
               </a:rPr>
               <a:t>https://www2.warwick.ac.uk/fac/cross_fac/complexity/study/msc_and_phd/co902/</a:t>
             </a:r>
